--- a/Презентация.pptx
+++ b/Презентация.pptx
@@ -6168,7 +6168,7 @@
         </p:blipFill>
         <p:spPr>
           <a:xfrm>
-            <a:off x="816027" y="1161559"/>
+            <a:off x="816027" y="1519006"/>
             <a:ext cx="4543009" cy="4534882"/>
           </a:xfrm>
           <a:prstGeom prst="rect">
@@ -6198,7 +6198,7 @@
         </p:blipFill>
         <p:spPr>
           <a:xfrm>
-            <a:off x="6832964" y="1138561"/>
+            <a:off x="6832966" y="1496008"/>
             <a:ext cx="4543009" cy="4557880"/>
           </a:xfrm>
           <a:prstGeom prst="rect">
@@ -6206,6 +6206,80 @@
           </a:prstGeom>
         </p:spPr>
       </p:pic>
+      <p:sp>
+        <p:nvSpPr>
+          <p:cNvPr id="5" name="TextBox 4">
+            <a:extLst>
+              <a:ext uri="{FF2B5EF4-FFF2-40B4-BE49-F238E27FC236}">
+                <a16:creationId xmlns:a16="http://schemas.microsoft.com/office/drawing/2014/main" id="{18AF7ECC-CE43-46A1-AC7D-266340D1F9B8}"/>
+              </a:ext>
+            </a:extLst>
+          </p:cNvPr>
+          <p:cNvSpPr txBox="1"/>
+          <p:nvPr/>
+        </p:nvSpPr>
+        <p:spPr>
+          <a:xfrm>
+            <a:off x="816025" y="1149674"/>
+            <a:ext cx="4543011" cy="369332"/>
+          </a:xfrm>
+          <a:prstGeom prst="rect">
+            <a:avLst/>
+          </a:prstGeom>
+          <a:noFill/>
+        </p:spPr>
+        <p:txBody>
+          <a:bodyPr wrap="square" rtlCol="0">
+            <a:spAutoFit/>
+          </a:bodyPr>
+          <a:lstStyle/>
+          <a:p>
+            <a:pPr algn="ctr"/>
+            <a:r>
+              <a:rPr lang="en-US" dirty="0"/>
+              <a:t>Dataset “Cars”</a:t>
+            </a:r>
+            <a:endParaRPr lang="ru-RU" dirty="0"/>
+          </a:p>
+        </p:txBody>
+      </p:sp>
+      <p:sp>
+        <p:nvSpPr>
+          <p:cNvPr id="6" name="TextBox 5">
+            <a:extLst>
+              <a:ext uri="{FF2B5EF4-FFF2-40B4-BE49-F238E27FC236}">
+                <a16:creationId xmlns:a16="http://schemas.microsoft.com/office/drawing/2014/main" id="{6BEDB876-242B-4B88-8EFB-9B005814B369}"/>
+              </a:ext>
+            </a:extLst>
+          </p:cNvPr>
+          <p:cNvSpPr txBox="1"/>
+          <p:nvPr/>
+        </p:nvSpPr>
+        <p:spPr>
+          <a:xfrm>
+            <a:off x="6832966" y="1126676"/>
+            <a:ext cx="4543011" cy="369332"/>
+          </a:xfrm>
+          <a:prstGeom prst="rect">
+            <a:avLst/>
+          </a:prstGeom>
+          <a:noFill/>
+        </p:spPr>
+        <p:txBody>
+          <a:bodyPr wrap="square" rtlCol="0">
+            <a:spAutoFit/>
+          </a:bodyPr>
+          <a:lstStyle/>
+          <a:p>
+            <a:pPr algn="ctr"/>
+            <a:r>
+              <a:rPr lang="en-US" dirty="0"/>
+              <a:t>Dataset “Planes”</a:t>
+            </a:r>
+            <a:endParaRPr lang="ru-RU" dirty="0"/>
+          </a:p>
+        </p:txBody>
+      </p:sp>
     </p:spTree>
     <p:extLst>
       <p:ext uri="{BB962C8B-B14F-4D97-AF65-F5344CB8AC3E}">
@@ -6261,33 +6335,16 @@
             <a:pPr algn="ctr"/>
             <a:r>
               <a:rPr lang="ru-RU" dirty="0"/>
-              <a:t>Внешний вид исполняемой программы</a:t>
-            </a:r>
-          </a:p>
-        </p:txBody>
-      </p:sp>
-      <p:pic>
-        <p:nvPicPr>
-          <p:cNvPr id="8" name="Рисунок 7"/>
-          <p:cNvPicPr/>
-          <p:nvPr/>
-        </p:nvPicPr>
-        <p:blipFill>
-          <a:blip r:embed="rId2"/>
-          <a:stretch>
-            <a:fillRect/>
-          </a:stretch>
-        </p:blipFill>
-        <p:spPr>
-          <a:xfrm>
-            <a:off x="1823409" y="1038264"/>
-            <a:ext cx="8545182" cy="4590750"/>
-          </a:xfrm>
-          <a:prstGeom prst="rect">
-            <a:avLst/>
-          </a:prstGeom>
-        </p:spPr>
-      </p:pic>
+              <a:t>Предобработка изображений библиотекой </a:t>
+            </a:r>
+            <a:r>
+              <a:rPr lang="en-US" dirty="0" err="1"/>
+              <a:t>BarPy</a:t>
+            </a:r>
+            <a:endParaRPr lang="ru-RU" dirty="0"/>
+          </a:p>
+        </p:txBody>
+      </p:sp>
     </p:spTree>
     <p:extLst>
       <p:ext uri="{BB962C8B-B14F-4D97-AF65-F5344CB8AC3E}">

--- a/Презентация.pptx
+++ b/Презентация.pptx
@@ -8,20 +8,12 @@
     <p:sldId id="256" r:id="rId2"/>
     <p:sldId id="257" r:id="rId3"/>
     <p:sldId id="259" r:id="rId4"/>
-    <p:sldId id="258" r:id="rId5"/>
-    <p:sldId id="262" r:id="rId6"/>
-    <p:sldId id="263" r:id="rId7"/>
-    <p:sldId id="264" r:id="rId8"/>
-    <p:sldId id="265" r:id="rId9"/>
-    <p:sldId id="266" r:id="rId10"/>
-    <p:sldId id="267" r:id="rId11"/>
-    <p:sldId id="268" r:id="rId12"/>
-    <p:sldId id="260" r:id="rId13"/>
-    <p:sldId id="269" r:id="rId14"/>
-    <p:sldId id="270" r:id="rId15"/>
-    <p:sldId id="271" r:id="rId16"/>
-    <p:sldId id="272" r:id="rId17"/>
-    <p:sldId id="273" r:id="rId18"/>
+    <p:sldId id="274" r:id="rId5"/>
+    <p:sldId id="275" r:id="rId6"/>
+    <p:sldId id="258" r:id="rId7"/>
+    <p:sldId id="267" r:id="rId8"/>
+    <p:sldId id="268" r:id="rId9"/>
+    <p:sldId id="273" r:id="rId10"/>
   </p:sldIdLst>
   <p:sldSz cx="12192000" cy="6858000"/>
   <p:notesSz cx="6858000" cy="9144000"/>
@@ -3353,2752 +3345,6 @@
 </p:sld>
 </file>
 
-<file path=ppt/slides/slide10.xml><?xml version="1.0" encoding="utf-8"?>
-<p:sld xmlns:a="http://schemas.openxmlformats.org/drawingml/2006/main" xmlns:r="http://schemas.openxmlformats.org/officeDocument/2006/relationships" xmlns:p="http://schemas.openxmlformats.org/presentationml/2006/main">
-  <p:cSld>
-    <p:spTree>
-      <p:nvGrpSpPr>
-        <p:cNvPr id="1" name=""/>
-        <p:cNvGrpSpPr/>
-        <p:nvPr/>
-      </p:nvGrpSpPr>
-      <p:grpSpPr>
-        <a:xfrm>
-          <a:off x="0" y="0"/>
-          <a:ext cx="0" cy="0"/>
-          <a:chOff x="0" y="0"/>
-          <a:chExt cx="0" cy="0"/>
-        </a:xfrm>
-      </p:grpSpPr>
-      <p:sp>
-        <p:nvSpPr>
-          <p:cNvPr id="3" name="TextBox 2"/>
-          <p:cNvSpPr txBox="1"/>
-          <p:nvPr/>
-        </p:nvSpPr>
-        <p:spPr>
-          <a:xfrm>
-            <a:off x="0" y="136579"/>
-            <a:ext cx="12191999" cy="369332"/>
-          </a:xfrm>
-          <a:prstGeom prst="rect">
-            <a:avLst/>
-          </a:prstGeom>
-          <a:noFill/>
-        </p:spPr>
-        <p:txBody>
-          <a:bodyPr wrap="square" rtlCol="0">
-            <a:spAutoFit/>
-          </a:bodyPr>
-          <a:lstStyle/>
-          <a:p>
-            <a:pPr algn="ctr"/>
-            <a:r>
-              <a:rPr lang="ru-RU" dirty="0"/>
-              <a:t>Лог моделирования</a:t>
-            </a:r>
-          </a:p>
-        </p:txBody>
-      </p:sp>
-      <p:sp>
-        <p:nvSpPr>
-          <p:cNvPr id="4" name="TextBox 3"/>
-          <p:cNvSpPr txBox="1"/>
-          <p:nvPr/>
-        </p:nvSpPr>
-        <p:spPr>
-          <a:xfrm>
-            <a:off x="4664279" y="1006679"/>
-            <a:ext cx="4387442" cy="369332"/>
-          </a:xfrm>
-          <a:prstGeom prst="rect">
-            <a:avLst/>
-          </a:prstGeom>
-          <a:noFill/>
-        </p:spPr>
-        <p:txBody>
-          <a:bodyPr wrap="square" rtlCol="0">
-            <a:spAutoFit/>
-          </a:bodyPr>
-          <a:lstStyle/>
-          <a:p>
-            <a:r>
-              <a:rPr lang="ru-RU" dirty="0"/>
-              <a:t>Встроенный модуль </a:t>
-            </a:r>
-            <a:r>
-              <a:rPr lang="en-US" dirty="0"/>
-              <a:t>logging</a:t>
-            </a:r>
-            <a:endParaRPr lang="ru-RU" dirty="0"/>
-          </a:p>
-        </p:txBody>
-      </p:sp>
-      <p:sp>
-        <p:nvSpPr>
-          <p:cNvPr id="6" name="Прямоугольник 5"/>
-          <p:cNvSpPr/>
-          <p:nvPr/>
-        </p:nvSpPr>
-        <p:spPr>
-          <a:xfrm>
-            <a:off x="2404843" y="1792876"/>
-            <a:ext cx="7382311" cy="646331"/>
-          </a:xfrm>
-          <a:prstGeom prst="rect">
-            <a:avLst/>
-          </a:prstGeom>
-        </p:spPr>
-        <p:txBody>
-          <a:bodyPr wrap="square">
-            <a:spAutoFit/>
-          </a:bodyPr>
-          <a:lstStyle/>
-          <a:p>
-            <a:r>
-              <a:rPr lang="en-US" dirty="0"/>
-              <a:t>logging.info(f'{</a:t>
-            </a:r>
-            <a:r>
-              <a:rPr lang="en-US" dirty="0" err="1"/>
-              <a:t>config.time_to_text</a:t>
-            </a:r>
-            <a:r>
-              <a:rPr lang="en-US" dirty="0"/>
-              <a:t>(</a:t>
-            </a:r>
-            <a:r>
-              <a:rPr lang="en-US" dirty="0" err="1"/>
-              <a:t>config.module_time</a:t>
-            </a:r>
-            <a:r>
-              <a:rPr lang="en-US" dirty="0"/>
-              <a:t>)} - {self.name:10}{</a:t>
-            </a:r>
-            <a:r>
-              <a:rPr lang="en-US" dirty="0" err="1"/>
-              <a:t>self.list_log</a:t>
-            </a:r>
-            <a:r>
-              <a:rPr lang="en-US" dirty="0"/>
-              <a:t>[1]:13}{</a:t>
-            </a:r>
-            <a:r>
-              <a:rPr lang="en-US" dirty="0" err="1"/>
-              <a:t>self.steps</a:t>
-            </a:r>
-            <a:r>
-              <a:rPr lang="en-US" dirty="0"/>
-              <a:t>[</a:t>
-            </a:r>
-            <a:r>
-              <a:rPr lang="en-US" dirty="0" err="1"/>
-              <a:t>self.current_step</a:t>
-            </a:r>
-            <a:r>
-              <a:rPr lang="en-US" dirty="0"/>
-              <a:t>].device.name}')</a:t>
-            </a:r>
-            <a:endParaRPr lang="ru-RU" dirty="0"/>
-          </a:p>
-        </p:txBody>
-      </p:sp>
-      <p:sp>
-        <p:nvSpPr>
-          <p:cNvPr id="7" name="Прямоугольник 6"/>
-          <p:cNvSpPr/>
-          <p:nvPr/>
-        </p:nvSpPr>
-        <p:spPr>
-          <a:xfrm>
-            <a:off x="4255397" y="2959742"/>
-            <a:ext cx="3681201" cy="369332"/>
-          </a:xfrm>
-          <a:prstGeom prst="rect">
-            <a:avLst/>
-          </a:prstGeom>
-        </p:spPr>
-        <p:txBody>
-          <a:bodyPr wrap="none">
-            <a:spAutoFit/>
-          </a:bodyPr>
-          <a:lstStyle/>
-          <a:p>
-            <a:r>
-              <a:rPr lang="ru-RU" dirty="0"/>
-              <a:t>00:02:00 - Red50 #2   </a:t>
-            </a:r>
-            <a:r>
-              <a:rPr lang="ru-RU" dirty="0" err="1"/>
-              <a:t>in</a:t>
-            </a:r>
-            <a:r>
-              <a:rPr lang="ru-RU" dirty="0"/>
-              <a:t> </a:t>
-            </a:r>
-            <a:r>
-              <a:rPr lang="ru-RU" dirty="0" err="1"/>
-              <a:t>queue</a:t>
-            </a:r>
-            <a:r>
-              <a:rPr lang="ru-RU" dirty="0"/>
-              <a:t>    Exc2</a:t>
-            </a:r>
-          </a:p>
-        </p:txBody>
-      </p:sp>
-    </p:spTree>
-    <p:extLst>
-      <p:ext uri="{BB962C8B-B14F-4D97-AF65-F5344CB8AC3E}">
-        <p14:creationId xmlns:p14="http://schemas.microsoft.com/office/powerpoint/2010/main" val="4073880939"/>
-      </p:ext>
-    </p:extLst>
-  </p:cSld>
-  <p:clrMapOvr>
-    <a:masterClrMapping/>
-  </p:clrMapOvr>
-</p:sld>
-</file>
-
-<file path=ppt/slides/slide11.xml><?xml version="1.0" encoding="utf-8"?>
-<p:sld xmlns:a="http://schemas.openxmlformats.org/drawingml/2006/main" xmlns:r="http://schemas.openxmlformats.org/officeDocument/2006/relationships" xmlns:p="http://schemas.openxmlformats.org/presentationml/2006/main">
-  <p:cSld>
-    <p:spTree>
-      <p:nvGrpSpPr>
-        <p:cNvPr id="1" name=""/>
-        <p:cNvGrpSpPr/>
-        <p:nvPr/>
-      </p:nvGrpSpPr>
-      <p:grpSpPr>
-        <a:xfrm>
-          <a:off x="0" y="0"/>
-          <a:ext cx="0" cy="0"/>
-          <a:chOff x="0" y="0"/>
-          <a:chExt cx="0" cy="0"/>
-        </a:xfrm>
-      </p:grpSpPr>
-      <p:sp>
-        <p:nvSpPr>
-          <p:cNvPr id="3" name="TextBox 2"/>
-          <p:cNvSpPr txBox="1"/>
-          <p:nvPr/>
-        </p:nvSpPr>
-        <p:spPr>
-          <a:xfrm>
-            <a:off x="0" y="136579"/>
-            <a:ext cx="12191999" cy="369332"/>
-          </a:xfrm>
-          <a:prstGeom prst="rect">
-            <a:avLst/>
-          </a:prstGeom>
-          <a:noFill/>
-        </p:spPr>
-        <p:txBody>
-          <a:bodyPr wrap="square" rtlCol="0">
-            <a:spAutoFit/>
-          </a:bodyPr>
-          <a:lstStyle/>
-          <a:p>
-            <a:pPr algn="ctr"/>
-            <a:r>
-              <a:rPr lang="ru-RU" dirty="0"/>
-              <a:t>Лог моделирования</a:t>
-            </a:r>
-          </a:p>
-        </p:txBody>
-      </p:sp>
-      <p:sp>
-        <p:nvSpPr>
-          <p:cNvPr id="5" name="Прямоугольник 4"/>
-          <p:cNvSpPr/>
-          <p:nvPr/>
-        </p:nvSpPr>
-        <p:spPr>
-          <a:xfrm>
-            <a:off x="1589396" y="505911"/>
-            <a:ext cx="6096000" cy="6093976"/>
-          </a:xfrm>
-          <a:prstGeom prst="rect">
-            <a:avLst/>
-          </a:prstGeom>
-        </p:spPr>
-        <p:txBody>
-          <a:bodyPr>
-            <a:spAutoFit/>
-          </a:bodyPr>
-          <a:lstStyle/>
-          <a:p>
-            <a:r>
-              <a:rPr lang="en-US" sz="1000" dirty="0"/>
-              <a:t>File was created in 13-12-2020 14h 43m 46s</a:t>
-            </a:r>
-          </a:p>
-          <a:p>
-            <a:r>
-              <a:rPr lang="en-US" sz="1000" dirty="0"/>
-              <a:t>Modulation time is 00:30:00</a:t>
-            </a:r>
-          </a:p>
-          <a:p>
-            <a:endParaRPr lang="en-US" sz="1000" dirty="0"/>
-          </a:p>
-          <a:p>
-            <a:r>
-              <a:rPr lang="en-US" sz="1000" dirty="0"/>
-              <a:t>00:01:30 - Green20 #1 in device   Exc1</a:t>
-            </a:r>
-          </a:p>
-          <a:p>
-            <a:r>
-              <a:rPr lang="en-US" sz="1000" dirty="0"/>
-              <a:t>00:01:30 - Green20 #2 in device   Exc2</a:t>
-            </a:r>
-          </a:p>
-          <a:p>
-            <a:r>
-              <a:rPr lang="en-US" sz="1000" dirty="0"/>
-              <a:t>00:01:30 - Green20 #3 in device   Exc3</a:t>
-            </a:r>
-          </a:p>
-          <a:p>
-            <a:r>
-              <a:rPr lang="en-US" sz="1000" dirty="0"/>
-              <a:t>00:01:35 - Green20 #1 on road to  Exc1</a:t>
-            </a:r>
-          </a:p>
-          <a:p>
-            <a:r>
-              <a:rPr lang="en-US" sz="1000" dirty="0"/>
-              <a:t>00:02:00 - Red50 #1   in device   Exc1</a:t>
-            </a:r>
-          </a:p>
-          <a:p>
-            <a:r>
-              <a:rPr lang="en-US" sz="1000" dirty="0"/>
-              <a:t>00:02:00 - Red50 #2   in queue    Exc2</a:t>
-            </a:r>
-          </a:p>
-          <a:p>
-            <a:r>
-              <a:rPr lang="en-US" sz="1000" dirty="0"/>
-              <a:t>00:02:00 - Red50 #3   in queue    Exc3</a:t>
-            </a:r>
-          </a:p>
-          <a:p>
-            <a:r>
-              <a:rPr lang="en-US" sz="1000" dirty="0"/>
-              <a:t>00:04:06 - Green20 #1 in device   </a:t>
-            </a:r>
-            <a:r>
-              <a:rPr lang="en-US" sz="1000" dirty="0" err="1"/>
-              <a:t>Drobilka</a:t>
-            </a:r>
-            <a:endParaRPr lang="en-US" sz="1000" dirty="0"/>
-          </a:p>
-          <a:p>
-            <a:r>
-              <a:rPr lang="en-US" sz="1000" dirty="0"/>
-              <a:t>00:05:17 - Green20 #1 on road to  </a:t>
-            </a:r>
-            <a:r>
-              <a:rPr lang="en-US" sz="1000" dirty="0" err="1"/>
-              <a:t>Drobilka</a:t>
-            </a:r>
-            <a:endParaRPr lang="en-US" sz="1000" dirty="0"/>
-          </a:p>
-          <a:p>
-            <a:r>
-              <a:rPr lang="en-US" sz="1000" dirty="0"/>
-              <a:t>00:05:51 - Green20 #2 on road to  Exc2</a:t>
-            </a:r>
-          </a:p>
-          <a:p>
-            <a:r>
-              <a:rPr lang="en-US" sz="1000" dirty="0"/>
-              <a:t>00:05:51 - Red50 #2   in queue    Exc2</a:t>
-            </a:r>
-          </a:p>
-          <a:p>
-            <a:r>
-              <a:rPr lang="en-US" sz="1000" dirty="0"/>
-              <a:t>00:06:48 - Green20 #1 in queue    Exc1</a:t>
-            </a:r>
-          </a:p>
-          <a:p>
-            <a:r>
-              <a:rPr lang="en-US" sz="1000" dirty="0"/>
-              <a:t>00:07:21 - Green20 #3 on road to  Exc3</a:t>
-            </a:r>
-          </a:p>
-          <a:p>
-            <a:r>
-              <a:rPr lang="en-US" sz="1000" dirty="0"/>
-              <a:t>00:07:21 - Red50 #3   in queue    Exc3</a:t>
-            </a:r>
-          </a:p>
-          <a:p>
-            <a:r>
-              <a:rPr lang="en-US" sz="1000" dirty="0"/>
-              <a:t>00:08:22 - Green20 #2 in device   </a:t>
-            </a:r>
-            <a:r>
-              <a:rPr lang="en-US" sz="1000" dirty="0" err="1"/>
-              <a:t>Drobilka</a:t>
-            </a:r>
-            <a:endParaRPr lang="en-US" sz="1000" dirty="0"/>
-          </a:p>
-          <a:p>
-            <a:r>
-              <a:rPr lang="en-US" sz="1000" dirty="0"/>
-              <a:t>00:08:38 - Green20 #2 on road to  </a:t>
-            </a:r>
-            <a:r>
-              <a:rPr lang="en-US" sz="1000" dirty="0" err="1"/>
-              <a:t>Drobilka</a:t>
-            </a:r>
-            <a:endParaRPr lang="en-US" sz="1000" dirty="0"/>
-          </a:p>
-          <a:p>
-            <a:r>
-              <a:rPr lang="en-US" sz="1000" dirty="0"/>
-              <a:t>00:09:52 - Green20 #3 in device   </a:t>
-            </a:r>
-            <a:r>
-              <a:rPr lang="en-US" sz="1000" dirty="0" err="1"/>
-              <a:t>Drobilka</a:t>
-            </a:r>
-            <a:endParaRPr lang="en-US" sz="1000" dirty="0"/>
-          </a:p>
-          <a:p>
-            <a:r>
-              <a:rPr lang="en-US" sz="1000" dirty="0"/>
-              <a:t>00:10:08 - Green20 #3 on road to  </a:t>
-            </a:r>
-            <a:r>
-              <a:rPr lang="en-US" sz="1000" dirty="0" err="1"/>
-              <a:t>Drobilka</a:t>
-            </a:r>
-            <a:endParaRPr lang="en-US" sz="1000" dirty="0"/>
-          </a:p>
-          <a:p>
-            <a:r>
-              <a:rPr lang="en-US" sz="1000" dirty="0"/>
-              <a:t>00:10:09 - Green20 #2 in queue    Exc2</a:t>
-            </a:r>
-          </a:p>
-          <a:p>
-            <a:r>
-              <a:rPr lang="en-US" sz="1000" dirty="0"/>
-              <a:t>00:11:39 - Green20 #3 in queue    Exc3</a:t>
-            </a:r>
-          </a:p>
-          <a:p>
-            <a:r>
-              <a:rPr lang="en-US" sz="1000" dirty="0"/>
-              <a:t>00:12:33 - Red50 #1   on road to  Exc1</a:t>
-            </a:r>
-          </a:p>
-          <a:p>
-            <a:r>
-              <a:rPr lang="en-US" sz="1000" dirty="0"/>
-              <a:t>00:12:33 - Green20 #1 in queue    Exc1</a:t>
-            </a:r>
-          </a:p>
-          <a:p>
-            <a:r>
-              <a:rPr lang="en-US" sz="1000" dirty="0"/>
-              <a:t>00:12:35 - Green20 #1 on road to  Exc1</a:t>
-            </a:r>
-          </a:p>
-          <a:p>
-            <a:r>
-              <a:rPr lang="en-US" sz="1000" dirty="0"/>
-              <a:t>00:15:06 - Green20 #1 in device   </a:t>
-            </a:r>
-            <a:r>
-              <a:rPr lang="en-US" sz="1000" dirty="0" err="1"/>
-              <a:t>Drobilka</a:t>
-            </a:r>
-            <a:endParaRPr lang="en-US" sz="1000" dirty="0"/>
-          </a:p>
-          <a:p>
-            <a:r>
-              <a:rPr lang="en-US" sz="1000" dirty="0"/>
-              <a:t>00:15:10 - Green20 #1 on road to  </a:t>
-            </a:r>
-            <a:r>
-              <a:rPr lang="en-US" sz="1000" dirty="0" err="1"/>
-              <a:t>Drobilka</a:t>
-            </a:r>
-            <a:endParaRPr lang="en-US" sz="1000" dirty="0"/>
-          </a:p>
-          <a:p>
-            <a:r>
-              <a:rPr lang="en-US" sz="1000" dirty="0"/>
-              <a:t>00:15:34 - Red50 #1   in device   </a:t>
-            </a:r>
-            <a:r>
-              <a:rPr lang="en-US" sz="1000" dirty="0" err="1"/>
-              <a:t>Drobilka</a:t>
-            </a:r>
-            <a:endParaRPr lang="en-US" sz="1000" dirty="0"/>
-          </a:p>
-          <a:p>
-            <a:r>
-              <a:rPr lang="en-US" sz="1000" dirty="0"/>
-              <a:t>00:16:06 - Red50 #3   on road to  Exc3</a:t>
-            </a:r>
-          </a:p>
-          <a:p>
-            <a:r>
-              <a:rPr lang="en-US" sz="1000" dirty="0"/>
-              <a:t>00:16:06 - Green20 #3 in queue    Exc3</a:t>
-            </a:r>
-          </a:p>
-          <a:p>
-            <a:r>
-              <a:rPr lang="en-US" sz="1000" dirty="0"/>
-              <a:t>00:16:12 - Red50 #1   on road to  </a:t>
-            </a:r>
-            <a:r>
-              <a:rPr lang="en-US" sz="1000" dirty="0" err="1"/>
-              <a:t>Drobilka</a:t>
-            </a:r>
-            <a:endParaRPr lang="en-US" sz="1000" dirty="0"/>
-          </a:p>
-          <a:p>
-            <a:r>
-              <a:rPr lang="en-US" sz="1000" dirty="0"/>
-              <a:t>00:16:41 - Green20 #1 in device   Exc1</a:t>
-            </a:r>
-          </a:p>
-          <a:p>
-            <a:r>
-              <a:rPr lang="en-US" sz="1000" dirty="0"/>
-              <a:t>00:16:47 - Green20 #1 on road to  Exc1</a:t>
-            </a:r>
-          </a:p>
-          <a:p>
-            <a:r>
-              <a:rPr lang="en-US" sz="1000" dirty="0"/>
-              <a:t>00:16:49 - Green20 #3 on road to  Exc3</a:t>
-            </a:r>
-          </a:p>
-          <a:p>
-            <a:r>
-              <a:rPr lang="en-US" sz="1000" dirty="0"/>
-              <a:t>00:18:13 - Red50 #1   in device   Exc1</a:t>
-            </a:r>
-          </a:p>
-          <a:p>
-            <a:r>
-              <a:rPr lang="en-US" sz="1000" dirty="0"/>
-              <a:t>00:19:07 - Red50 #3   in device   </a:t>
-            </a:r>
-            <a:r>
-              <a:rPr lang="en-US" sz="1000" dirty="0" err="1"/>
-              <a:t>Drobilka</a:t>
-            </a:r>
-            <a:endParaRPr lang="en-US" sz="1000" dirty="0"/>
-          </a:p>
-          <a:p>
-            <a:r>
-              <a:rPr lang="en-US" sz="1000" dirty="0"/>
-              <a:t>00:19:18 - Green20 #1 in queue    </a:t>
-            </a:r>
-            <a:r>
-              <a:rPr lang="en-US" sz="1000" dirty="0" err="1"/>
-              <a:t>Drobilka</a:t>
-            </a:r>
-            <a:endParaRPr lang="en-US" sz="1000" dirty="0"/>
-          </a:p>
-          <a:p>
-            <a:r>
-              <a:rPr lang="en-US" sz="1000" dirty="0"/>
-              <a:t>00:19:20 - Green20 #3 in queue    </a:t>
-            </a:r>
-            <a:r>
-              <a:rPr lang="en-US" sz="1000" dirty="0" err="1"/>
-              <a:t>Drobilka</a:t>
-            </a:r>
-            <a:endParaRPr lang="ru-RU" sz="1000" dirty="0"/>
-          </a:p>
-        </p:txBody>
-      </p:sp>
-      <p:sp>
-        <p:nvSpPr>
-          <p:cNvPr id="8" name="Прямоугольник 7"/>
-          <p:cNvSpPr/>
-          <p:nvPr/>
-        </p:nvSpPr>
-        <p:spPr>
-          <a:xfrm>
-            <a:off x="7108272" y="736743"/>
-            <a:ext cx="6096000" cy="5632311"/>
-          </a:xfrm>
-          <a:prstGeom prst="rect">
-            <a:avLst/>
-          </a:prstGeom>
-        </p:spPr>
-        <p:txBody>
-          <a:bodyPr>
-            <a:spAutoFit/>
-          </a:bodyPr>
-          <a:lstStyle/>
-          <a:p>
-            <a:r>
-              <a:rPr lang="ru-RU" sz="1000" dirty="0"/>
-              <a:t>00:19:20 - Red50 #3   </a:t>
-            </a:r>
-            <a:r>
-              <a:rPr lang="ru-RU" sz="1000" dirty="0" err="1"/>
-              <a:t>on</a:t>
-            </a:r>
-            <a:r>
-              <a:rPr lang="ru-RU" sz="1000" dirty="0"/>
-              <a:t> </a:t>
-            </a:r>
-            <a:r>
-              <a:rPr lang="ru-RU" sz="1000" dirty="0" err="1"/>
-              <a:t>road</a:t>
-            </a:r>
-            <a:r>
-              <a:rPr lang="ru-RU" sz="1000" dirty="0"/>
-              <a:t> </a:t>
-            </a:r>
-            <a:r>
-              <a:rPr lang="ru-RU" sz="1000" dirty="0" err="1"/>
-              <a:t>to</a:t>
-            </a:r>
-            <a:r>
-              <a:rPr lang="ru-RU" sz="1000" dirty="0"/>
-              <a:t>  </a:t>
-            </a:r>
-            <a:r>
-              <a:rPr lang="ru-RU" sz="1000" dirty="0" err="1"/>
-              <a:t>Drobilka</a:t>
-            </a:r>
-            <a:endParaRPr lang="ru-RU" sz="1000" dirty="0"/>
-          </a:p>
-          <a:p>
-            <a:r>
-              <a:rPr lang="ru-RU" sz="1000" dirty="0"/>
-              <a:t>00:19:20 - Green20 #1 </a:t>
-            </a:r>
-            <a:r>
-              <a:rPr lang="ru-RU" sz="1000" dirty="0" err="1"/>
-              <a:t>in</a:t>
-            </a:r>
-            <a:r>
-              <a:rPr lang="ru-RU" sz="1000" dirty="0"/>
-              <a:t> </a:t>
-            </a:r>
-            <a:r>
-              <a:rPr lang="ru-RU" sz="1000" dirty="0" err="1"/>
-              <a:t>queue</a:t>
-            </a:r>
-            <a:r>
-              <a:rPr lang="ru-RU" sz="1000" dirty="0"/>
-              <a:t>    </a:t>
-            </a:r>
-            <a:r>
-              <a:rPr lang="ru-RU" sz="1000" dirty="0" err="1"/>
-              <a:t>Drobilka</a:t>
-            </a:r>
-            <a:endParaRPr lang="ru-RU" sz="1000" dirty="0"/>
-          </a:p>
-          <a:p>
-            <a:r>
-              <a:rPr lang="ru-RU" sz="1000" dirty="0"/>
-              <a:t>00:19:24 - Green20 #1 </a:t>
-            </a:r>
-            <a:r>
-              <a:rPr lang="ru-RU" sz="1000" dirty="0" err="1"/>
-              <a:t>on</a:t>
-            </a:r>
-            <a:r>
-              <a:rPr lang="ru-RU" sz="1000" dirty="0"/>
-              <a:t> </a:t>
-            </a:r>
-            <a:r>
-              <a:rPr lang="ru-RU" sz="1000" dirty="0" err="1"/>
-              <a:t>road</a:t>
-            </a:r>
-            <a:r>
-              <a:rPr lang="ru-RU" sz="1000" dirty="0"/>
-              <a:t> </a:t>
-            </a:r>
-            <a:r>
-              <a:rPr lang="ru-RU" sz="1000" dirty="0" err="1"/>
-              <a:t>to</a:t>
-            </a:r>
-            <a:r>
-              <a:rPr lang="ru-RU" sz="1000" dirty="0"/>
-              <a:t>  </a:t>
-            </a:r>
-            <a:r>
-              <a:rPr lang="ru-RU" sz="1000" dirty="0" err="1"/>
-              <a:t>Drobilka</a:t>
-            </a:r>
-            <a:endParaRPr lang="ru-RU" sz="1000" dirty="0"/>
-          </a:p>
-          <a:p>
-            <a:r>
-              <a:rPr lang="ru-RU" sz="1000" dirty="0"/>
-              <a:t>00:19:24 - Green20 #3 </a:t>
-            </a:r>
-            <a:r>
-              <a:rPr lang="ru-RU" sz="1000" dirty="0" err="1"/>
-              <a:t>in</a:t>
-            </a:r>
-            <a:r>
-              <a:rPr lang="ru-RU" sz="1000" dirty="0"/>
-              <a:t> </a:t>
-            </a:r>
-            <a:r>
-              <a:rPr lang="ru-RU" sz="1000" dirty="0" err="1"/>
-              <a:t>queue</a:t>
-            </a:r>
-            <a:r>
-              <a:rPr lang="ru-RU" sz="1000" dirty="0"/>
-              <a:t>    </a:t>
-            </a:r>
-            <a:r>
-              <a:rPr lang="ru-RU" sz="1000" dirty="0" err="1"/>
-              <a:t>Drobilka</a:t>
-            </a:r>
-            <a:endParaRPr lang="ru-RU" sz="1000" dirty="0"/>
-          </a:p>
-          <a:p>
-            <a:r>
-              <a:rPr lang="ru-RU" sz="1000" dirty="0"/>
-              <a:t>00:20:47 - Green20 #3 </a:t>
-            </a:r>
-            <a:r>
-              <a:rPr lang="ru-RU" sz="1000" dirty="0" err="1"/>
-              <a:t>on</a:t>
-            </a:r>
-            <a:r>
-              <a:rPr lang="ru-RU" sz="1000" dirty="0"/>
-              <a:t> </a:t>
-            </a:r>
-            <a:r>
-              <a:rPr lang="ru-RU" sz="1000" dirty="0" err="1"/>
-              <a:t>road</a:t>
-            </a:r>
-            <a:r>
-              <a:rPr lang="ru-RU" sz="1000" dirty="0"/>
-              <a:t> </a:t>
-            </a:r>
-            <a:r>
-              <a:rPr lang="ru-RU" sz="1000" dirty="0" err="1"/>
-              <a:t>to</a:t>
-            </a:r>
-            <a:r>
-              <a:rPr lang="ru-RU" sz="1000" dirty="0"/>
-              <a:t>  </a:t>
-            </a:r>
-            <a:r>
-              <a:rPr lang="ru-RU" sz="1000" dirty="0" err="1"/>
-              <a:t>Drobilka</a:t>
-            </a:r>
-            <a:endParaRPr lang="ru-RU" sz="1000" dirty="0"/>
-          </a:p>
-          <a:p>
-            <a:r>
-              <a:rPr lang="ru-RU" sz="1000" dirty="0"/>
-              <a:t>00:20:55 - Green20 #1 </a:t>
-            </a:r>
-            <a:r>
-              <a:rPr lang="ru-RU" sz="1000" dirty="0" err="1"/>
-              <a:t>in</a:t>
-            </a:r>
-            <a:r>
-              <a:rPr lang="ru-RU" sz="1000" dirty="0"/>
-              <a:t> </a:t>
-            </a:r>
-            <a:r>
-              <a:rPr lang="ru-RU" sz="1000" dirty="0" err="1"/>
-              <a:t>queue</a:t>
-            </a:r>
-            <a:r>
-              <a:rPr lang="ru-RU" sz="1000" dirty="0"/>
-              <a:t>    Exc1</a:t>
-            </a:r>
-          </a:p>
-          <a:p>
-            <a:r>
-              <a:rPr lang="ru-RU" sz="1000" dirty="0"/>
-              <a:t>00:21:21 - Red50 #3   </a:t>
-            </a:r>
-            <a:r>
-              <a:rPr lang="ru-RU" sz="1000" dirty="0" err="1"/>
-              <a:t>in</a:t>
-            </a:r>
-            <a:r>
-              <a:rPr lang="ru-RU" sz="1000" dirty="0"/>
-              <a:t> </a:t>
-            </a:r>
-            <a:r>
-              <a:rPr lang="ru-RU" sz="1000" dirty="0" err="1"/>
-              <a:t>device</a:t>
-            </a:r>
-            <a:r>
-              <a:rPr lang="ru-RU" sz="1000" dirty="0"/>
-              <a:t>   Exc3</a:t>
-            </a:r>
-          </a:p>
-          <a:p>
-            <a:r>
-              <a:rPr lang="ru-RU" sz="1000" dirty="0"/>
-              <a:t>00:22:18 - Green20 #3 </a:t>
-            </a:r>
-            <a:r>
-              <a:rPr lang="ru-RU" sz="1000" dirty="0" err="1"/>
-              <a:t>in</a:t>
-            </a:r>
-            <a:r>
-              <a:rPr lang="ru-RU" sz="1000" dirty="0"/>
-              <a:t> </a:t>
-            </a:r>
-            <a:r>
-              <a:rPr lang="ru-RU" sz="1000" dirty="0" err="1"/>
-              <a:t>queue</a:t>
-            </a:r>
-            <a:r>
-              <a:rPr lang="ru-RU" sz="1000" dirty="0"/>
-              <a:t>    Exc3</a:t>
-            </a:r>
-          </a:p>
-          <a:p>
-            <a:r>
-              <a:rPr lang="ru-RU" sz="1000" dirty="0"/>
-              <a:t>00:25:27 - Red50 #3   </a:t>
-            </a:r>
-            <a:r>
-              <a:rPr lang="ru-RU" sz="1000" dirty="0" err="1"/>
-              <a:t>on</a:t>
-            </a:r>
-            <a:r>
-              <a:rPr lang="ru-RU" sz="1000" dirty="0"/>
-              <a:t> </a:t>
-            </a:r>
-            <a:r>
-              <a:rPr lang="ru-RU" sz="1000" dirty="0" err="1"/>
-              <a:t>road</a:t>
-            </a:r>
-            <a:r>
-              <a:rPr lang="ru-RU" sz="1000" dirty="0"/>
-              <a:t> </a:t>
-            </a:r>
-            <a:r>
-              <a:rPr lang="ru-RU" sz="1000" dirty="0" err="1"/>
-              <a:t>to</a:t>
-            </a:r>
-            <a:r>
-              <a:rPr lang="ru-RU" sz="1000" dirty="0"/>
-              <a:t>  Exc3</a:t>
-            </a:r>
-          </a:p>
-          <a:p>
-            <a:r>
-              <a:rPr lang="ru-RU" sz="1000" dirty="0"/>
-              <a:t>00:25:27 - Green20 #3 </a:t>
-            </a:r>
-            <a:r>
-              <a:rPr lang="ru-RU" sz="1000" dirty="0" err="1"/>
-              <a:t>in</a:t>
-            </a:r>
-            <a:r>
-              <a:rPr lang="ru-RU" sz="1000" dirty="0"/>
-              <a:t> </a:t>
-            </a:r>
-            <a:r>
-              <a:rPr lang="ru-RU" sz="1000" dirty="0" err="1"/>
-              <a:t>queue</a:t>
-            </a:r>
-            <a:r>
-              <a:rPr lang="ru-RU" sz="1000" dirty="0"/>
-              <a:t>    Exc3</a:t>
-            </a:r>
-          </a:p>
-          <a:p>
-            <a:r>
-              <a:rPr lang="ru-RU" sz="1000" dirty="0"/>
-              <a:t>00:25:57 - Green20 #3 </a:t>
-            </a:r>
-            <a:r>
-              <a:rPr lang="ru-RU" sz="1000" dirty="0" err="1"/>
-              <a:t>on</a:t>
-            </a:r>
-            <a:r>
-              <a:rPr lang="ru-RU" sz="1000" dirty="0"/>
-              <a:t> </a:t>
-            </a:r>
-            <a:r>
-              <a:rPr lang="ru-RU" sz="1000" dirty="0" err="1"/>
-              <a:t>road</a:t>
-            </a:r>
-            <a:r>
-              <a:rPr lang="ru-RU" sz="1000" dirty="0"/>
-              <a:t> </a:t>
-            </a:r>
-            <a:r>
-              <a:rPr lang="ru-RU" sz="1000" dirty="0" err="1"/>
-              <a:t>to</a:t>
-            </a:r>
-            <a:r>
-              <a:rPr lang="ru-RU" sz="1000" dirty="0"/>
-              <a:t>  Exc3</a:t>
-            </a:r>
-          </a:p>
-          <a:p>
-            <a:r>
-              <a:rPr lang="ru-RU" sz="1000" dirty="0"/>
-              <a:t>00:28:28 - Green20 #3 </a:t>
-            </a:r>
-            <a:r>
-              <a:rPr lang="ru-RU" sz="1000" dirty="0" err="1"/>
-              <a:t>in</a:t>
-            </a:r>
-            <a:r>
-              <a:rPr lang="ru-RU" sz="1000" dirty="0"/>
-              <a:t> </a:t>
-            </a:r>
-            <a:r>
-              <a:rPr lang="ru-RU" sz="1000" dirty="0" err="1"/>
-              <a:t>device</a:t>
-            </a:r>
-            <a:r>
-              <a:rPr lang="ru-RU" sz="1000" dirty="0"/>
-              <a:t>   </a:t>
-            </a:r>
-            <a:r>
-              <a:rPr lang="ru-RU" sz="1000" dirty="0" err="1"/>
-              <a:t>Drobilka</a:t>
-            </a:r>
-            <a:endParaRPr lang="ru-RU" sz="1000" dirty="0"/>
-          </a:p>
-          <a:p>
-            <a:r>
-              <a:rPr lang="ru-RU" sz="1000" dirty="0"/>
-              <a:t>00:28:28 - Red50 #3   </a:t>
-            </a:r>
-            <a:r>
-              <a:rPr lang="ru-RU" sz="1000" dirty="0" err="1"/>
-              <a:t>in</a:t>
-            </a:r>
-            <a:r>
-              <a:rPr lang="ru-RU" sz="1000" dirty="0"/>
-              <a:t> </a:t>
-            </a:r>
-            <a:r>
-              <a:rPr lang="ru-RU" sz="1000" dirty="0" err="1"/>
-              <a:t>queue</a:t>
-            </a:r>
-            <a:r>
-              <a:rPr lang="ru-RU" sz="1000" dirty="0"/>
-              <a:t>    </a:t>
-            </a:r>
-            <a:r>
-              <a:rPr lang="ru-RU" sz="1000" dirty="0" err="1"/>
-              <a:t>Drobilka</a:t>
-            </a:r>
-            <a:endParaRPr lang="ru-RU" sz="1000" dirty="0"/>
-          </a:p>
-          <a:p>
-            <a:r>
-              <a:rPr lang="ru-RU" sz="1000" dirty="0"/>
-              <a:t>00:28:57 - Red50 #2   </a:t>
-            </a:r>
-            <a:r>
-              <a:rPr lang="ru-RU" sz="1000" dirty="0" err="1"/>
-              <a:t>on</a:t>
-            </a:r>
-            <a:r>
-              <a:rPr lang="ru-RU" sz="1000" dirty="0"/>
-              <a:t> </a:t>
-            </a:r>
-            <a:r>
-              <a:rPr lang="ru-RU" sz="1000" dirty="0" err="1"/>
-              <a:t>road</a:t>
-            </a:r>
-            <a:r>
-              <a:rPr lang="ru-RU" sz="1000" dirty="0"/>
-              <a:t> </a:t>
-            </a:r>
-            <a:r>
-              <a:rPr lang="ru-RU" sz="1000" dirty="0" err="1"/>
-              <a:t>to</a:t>
-            </a:r>
-            <a:r>
-              <a:rPr lang="ru-RU" sz="1000" dirty="0"/>
-              <a:t>  Exc2</a:t>
-            </a:r>
-          </a:p>
-          <a:p>
-            <a:r>
-              <a:rPr lang="ru-RU" sz="1000" dirty="0"/>
-              <a:t>00:28:57 - Green20 #2 </a:t>
-            </a:r>
-            <a:r>
-              <a:rPr lang="ru-RU" sz="1000" dirty="0" err="1"/>
-              <a:t>in</a:t>
-            </a:r>
-            <a:r>
-              <a:rPr lang="ru-RU" sz="1000" dirty="0"/>
-              <a:t> </a:t>
-            </a:r>
-            <a:r>
-              <a:rPr lang="ru-RU" sz="1000" dirty="0" err="1"/>
-              <a:t>queue</a:t>
-            </a:r>
-            <a:r>
-              <a:rPr lang="ru-RU" sz="1000" dirty="0"/>
-              <a:t>    Exc2</a:t>
-            </a:r>
-          </a:p>
-          <a:p>
-            <a:r>
-              <a:rPr lang="ru-RU" sz="1000" dirty="0"/>
-              <a:t>00:29:36 - Green20 #3 </a:t>
-            </a:r>
-            <a:r>
-              <a:rPr lang="ru-RU" sz="1000" dirty="0" err="1"/>
-              <a:t>on</a:t>
-            </a:r>
-            <a:r>
-              <a:rPr lang="ru-RU" sz="1000" dirty="0"/>
-              <a:t> </a:t>
-            </a:r>
-            <a:r>
-              <a:rPr lang="ru-RU" sz="1000" dirty="0" err="1"/>
-              <a:t>road</a:t>
-            </a:r>
-            <a:r>
-              <a:rPr lang="ru-RU" sz="1000" dirty="0"/>
-              <a:t> </a:t>
-            </a:r>
-            <a:r>
-              <a:rPr lang="ru-RU" sz="1000" dirty="0" err="1"/>
-              <a:t>to</a:t>
-            </a:r>
-            <a:r>
-              <a:rPr lang="ru-RU" sz="1000" dirty="0"/>
-              <a:t>  </a:t>
-            </a:r>
-            <a:r>
-              <a:rPr lang="ru-RU" sz="1000" dirty="0" err="1"/>
-              <a:t>Drobilka</a:t>
-            </a:r>
-            <a:endParaRPr lang="ru-RU" sz="1000" dirty="0"/>
-          </a:p>
-          <a:p>
-            <a:r>
-              <a:rPr lang="ru-RU" sz="1000" dirty="0"/>
-              <a:t>00:29:36 - Red50 #3   </a:t>
-            </a:r>
-            <a:r>
-              <a:rPr lang="ru-RU" sz="1000" dirty="0" err="1"/>
-              <a:t>in</a:t>
-            </a:r>
-            <a:r>
-              <a:rPr lang="ru-RU" sz="1000" dirty="0"/>
-              <a:t> </a:t>
-            </a:r>
-            <a:r>
-              <a:rPr lang="ru-RU" sz="1000" dirty="0" err="1"/>
-              <a:t>queue</a:t>
-            </a:r>
-            <a:r>
-              <a:rPr lang="ru-RU" sz="1000" dirty="0"/>
-              <a:t>    </a:t>
-            </a:r>
-            <a:r>
-              <a:rPr lang="ru-RU" sz="1000" dirty="0" err="1"/>
-              <a:t>Drobilka</a:t>
-            </a:r>
-            <a:endParaRPr lang="ru-RU" sz="1000" dirty="0"/>
-          </a:p>
-          <a:p>
-            <a:r>
-              <a:rPr lang="ru-RU" sz="1000" dirty="0"/>
-              <a:t>00:29:50 - Red50 #3   </a:t>
-            </a:r>
-            <a:r>
-              <a:rPr lang="ru-RU" sz="1000" dirty="0" err="1"/>
-              <a:t>on</a:t>
-            </a:r>
-            <a:r>
-              <a:rPr lang="ru-RU" sz="1000" dirty="0"/>
-              <a:t> </a:t>
-            </a:r>
-            <a:r>
-              <a:rPr lang="ru-RU" sz="1000" dirty="0" err="1"/>
-              <a:t>road</a:t>
-            </a:r>
-            <a:r>
-              <a:rPr lang="ru-RU" sz="1000" dirty="0"/>
-              <a:t> </a:t>
-            </a:r>
-            <a:r>
-              <a:rPr lang="ru-RU" sz="1000" dirty="0" err="1"/>
-              <a:t>to</a:t>
-            </a:r>
-            <a:r>
-              <a:rPr lang="ru-RU" sz="1000" dirty="0"/>
-              <a:t>  </a:t>
-            </a:r>
-            <a:r>
-              <a:rPr lang="ru-RU" sz="1000" dirty="0" err="1"/>
-              <a:t>Drobilka</a:t>
-            </a:r>
-            <a:endParaRPr lang="ru-RU" sz="1000" dirty="0"/>
-          </a:p>
-          <a:p>
-            <a:endParaRPr lang="ru-RU" sz="1000" dirty="0"/>
-          </a:p>
-          <a:p>
-            <a:r>
-              <a:rPr lang="ru-RU" sz="1000" dirty="0"/>
-              <a:t>Exc1 </a:t>
-            </a:r>
-            <a:r>
-              <a:rPr lang="ru-RU" sz="1000" dirty="0" err="1"/>
-              <a:t>was</a:t>
-            </a:r>
-            <a:r>
-              <a:rPr lang="ru-RU" sz="1000" dirty="0"/>
-              <a:t> 00:22:34 </a:t>
-            </a:r>
-            <a:r>
-              <a:rPr lang="ru-RU" sz="1000" dirty="0" err="1"/>
-              <a:t>in</a:t>
-            </a:r>
-            <a:r>
-              <a:rPr lang="ru-RU" sz="1000" dirty="0"/>
-              <a:t> </a:t>
-            </a:r>
-            <a:r>
-              <a:rPr lang="ru-RU" sz="1000" dirty="0" err="1"/>
-              <a:t>status</a:t>
-            </a:r>
-            <a:r>
-              <a:rPr lang="ru-RU" sz="1000" dirty="0"/>
-              <a:t> "</a:t>
-            </a:r>
-            <a:r>
-              <a:rPr lang="ru-RU" sz="1000" dirty="0" err="1"/>
-              <a:t>busy</a:t>
-            </a:r>
-            <a:r>
-              <a:rPr lang="ru-RU" sz="1000" dirty="0"/>
-              <a:t>"</a:t>
-            </a:r>
-          </a:p>
-          <a:p>
-            <a:r>
-              <a:rPr lang="ru-RU" sz="1000" dirty="0" err="1"/>
-              <a:t>For</a:t>
-            </a:r>
-            <a:r>
-              <a:rPr lang="ru-RU" sz="1000" dirty="0"/>
-              <a:t> </a:t>
-            </a:r>
-            <a:r>
-              <a:rPr lang="ru-RU" sz="1000" dirty="0" err="1"/>
-              <a:t>all</a:t>
-            </a:r>
-            <a:r>
-              <a:rPr lang="ru-RU" sz="1000" dirty="0"/>
-              <a:t> </a:t>
-            </a:r>
-            <a:r>
-              <a:rPr lang="ru-RU" sz="1000" dirty="0" err="1"/>
-              <a:t>the</a:t>
-            </a:r>
-            <a:r>
-              <a:rPr lang="ru-RU" sz="1000" dirty="0"/>
-              <a:t> </a:t>
-            </a:r>
-            <a:r>
-              <a:rPr lang="ru-RU" sz="1000" dirty="0" err="1"/>
-              <a:t>time</a:t>
-            </a:r>
-            <a:r>
-              <a:rPr lang="ru-RU" sz="1000" dirty="0"/>
-              <a:t> </a:t>
-            </a:r>
-            <a:r>
-              <a:rPr lang="ru-RU" sz="1000" dirty="0" err="1"/>
-              <a:t>he</a:t>
-            </a:r>
-            <a:r>
-              <a:rPr lang="ru-RU" sz="1000" dirty="0"/>
-              <a:t> </a:t>
-            </a:r>
-            <a:r>
-              <a:rPr lang="ru-RU" sz="1000" dirty="0" err="1"/>
-              <a:t>took</a:t>
-            </a:r>
-            <a:r>
-              <a:rPr lang="ru-RU" sz="1000" dirty="0"/>
-              <a:t> </a:t>
-            </a:r>
-            <a:r>
-              <a:rPr lang="ru-RU" sz="1000" dirty="0" err="1"/>
-              <a:t>over</a:t>
-            </a:r>
-            <a:r>
-              <a:rPr lang="ru-RU" sz="1000" dirty="0"/>
-              <a:t> 3 </a:t>
-            </a:r>
-            <a:r>
-              <a:rPr lang="ru-RU" sz="1000" dirty="0" err="1"/>
-              <a:t>of</a:t>
-            </a:r>
-            <a:r>
-              <a:rPr lang="ru-RU" sz="1000" dirty="0"/>
-              <a:t> 20 </a:t>
-            </a:r>
-            <a:r>
-              <a:rPr lang="ru-RU" sz="1000" dirty="0" err="1"/>
-              <a:t>ton</a:t>
-            </a:r>
-            <a:r>
-              <a:rPr lang="ru-RU" sz="1000" dirty="0"/>
-              <a:t> </a:t>
-            </a:r>
-            <a:r>
-              <a:rPr lang="ru-RU" sz="1000" dirty="0" err="1"/>
-              <a:t>trucks</a:t>
-            </a:r>
-            <a:r>
-              <a:rPr lang="ru-RU" sz="1000" dirty="0"/>
-              <a:t> </a:t>
-            </a:r>
-            <a:r>
-              <a:rPr lang="ru-RU" sz="1000" dirty="0" err="1"/>
-              <a:t>and</a:t>
-            </a:r>
-            <a:r>
-              <a:rPr lang="ru-RU" sz="1000" dirty="0"/>
-              <a:t> 2 </a:t>
-            </a:r>
-            <a:r>
-              <a:rPr lang="ru-RU" sz="1000" dirty="0" err="1"/>
-              <a:t>of</a:t>
-            </a:r>
-            <a:r>
-              <a:rPr lang="ru-RU" sz="1000" dirty="0"/>
-              <a:t> 50 </a:t>
-            </a:r>
-            <a:r>
-              <a:rPr lang="ru-RU" sz="1000" dirty="0" err="1"/>
-              <a:t>ton</a:t>
-            </a:r>
-            <a:r>
-              <a:rPr lang="ru-RU" sz="1000" dirty="0"/>
-              <a:t> </a:t>
-            </a:r>
-            <a:r>
-              <a:rPr lang="ru-RU" sz="1000" dirty="0" err="1"/>
-              <a:t>trucks</a:t>
-            </a:r>
-            <a:endParaRPr lang="ru-RU" sz="1000" dirty="0"/>
-          </a:p>
-          <a:p>
-            <a:r>
-              <a:rPr lang="ru-RU" sz="1000" dirty="0" err="1"/>
-              <a:t>Efficiency</a:t>
-            </a:r>
-            <a:r>
-              <a:rPr lang="ru-RU" sz="1000" dirty="0"/>
-              <a:t> </a:t>
-            </a:r>
-            <a:r>
-              <a:rPr lang="ru-RU" sz="1000" dirty="0" err="1"/>
-              <a:t>is</a:t>
-            </a:r>
-            <a:r>
-              <a:rPr lang="ru-RU" sz="1000" dirty="0"/>
-              <a:t> 0.752</a:t>
-            </a:r>
-          </a:p>
-          <a:p>
-            <a:r>
-              <a:rPr lang="ru-RU" sz="1000" dirty="0"/>
-              <a:t>----</a:t>
-            </a:r>
-          </a:p>
-          <a:p>
-            <a:r>
-              <a:rPr lang="ru-RU" sz="1000" dirty="0"/>
-              <a:t>Exc2 </a:t>
-            </a:r>
-            <a:r>
-              <a:rPr lang="ru-RU" sz="1000" dirty="0" err="1"/>
-              <a:t>was</a:t>
-            </a:r>
-            <a:r>
-              <a:rPr lang="ru-RU" sz="1000" dirty="0"/>
-              <a:t> 00:28:31 </a:t>
-            </a:r>
-            <a:r>
-              <a:rPr lang="ru-RU" sz="1000" dirty="0" err="1"/>
-              <a:t>in</a:t>
-            </a:r>
-            <a:r>
-              <a:rPr lang="ru-RU" sz="1000" dirty="0"/>
-              <a:t> </a:t>
-            </a:r>
-            <a:r>
-              <a:rPr lang="ru-RU" sz="1000" dirty="0" err="1"/>
-              <a:t>status</a:t>
-            </a:r>
-            <a:r>
-              <a:rPr lang="ru-RU" sz="1000" dirty="0"/>
-              <a:t> "</a:t>
-            </a:r>
-            <a:r>
-              <a:rPr lang="ru-RU" sz="1000" dirty="0" err="1"/>
-              <a:t>busy</a:t>
-            </a:r>
-            <a:r>
-              <a:rPr lang="ru-RU" sz="1000" dirty="0"/>
-              <a:t>"</a:t>
-            </a:r>
-          </a:p>
-          <a:p>
-            <a:r>
-              <a:rPr lang="ru-RU" sz="1000" dirty="0" err="1"/>
-              <a:t>For</a:t>
-            </a:r>
-            <a:r>
-              <a:rPr lang="ru-RU" sz="1000" dirty="0"/>
-              <a:t> </a:t>
-            </a:r>
-            <a:r>
-              <a:rPr lang="ru-RU" sz="1000" dirty="0" err="1"/>
-              <a:t>all</a:t>
-            </a:r>
-            <a:r>
-              <a:rPr lang="ru-RU" sz="1000" dirty="0"/>
-              <a:t> </a:t>
-            </a:r>
-            <a:r>
-              <a:rPr lang="ru-RU" sz="1000" dirty="0" err="1"/>
-              <a:t>the</a:t>
-            </a:r>
-            <a:r>
-              <a:rPr lang="ru-RU" sz="1000" dirty="0"/>
-              <a:t> </a:t>
-            </a:r>
-            <a:r>
-              <a:rPr lang="ru-RU" sz="1000" dirty="0" err="1"/>
-              <a:t>time</a:t>
-            </a:r>
-            <a:r>
-              <a:rPr lang="ru-RU" sz="1000" dirty="0"/>
-              <a:t> </a:t>
-            </a:r>
-            <a:r>
-              <a:rPr lang="ru-RU" sz="1000" dirty="0" err="1"/>
-              <a:t>he</a:t>
-            </a:r>
-            <a:r>
-              <a:rPr lang="ru-RU" sz="1000" dirty="0"/>
-              <a:t> </a:t>
-            </a:r>
-            <a:r>
-              <a:rPr lang="ru-RU" sz="1000" dirty="0" err="1"/>
-              <a:t>took</a:t>
-            </a:r>
-            <a:r>
-              <a:rPr lang="ru-RU" sz="1000" dirty="0"/>
-              <a:t> </a:t>
-            </a:r>
-            <a:r>
-              <a:rPr lang="ru-RU" sz="1000" dirty="0" err="1"/>
-              <a:t>over</a:t>
-            </a:r>
-            <a:r>
-              <a:rPr lang="ru-RU" sz="1000" dirty="0"/>
-              <a:t> 2 </a:t>
-            </a:r>
-            <a:r>
-              <a:rPr lang="ru-RU" sz="1000" dirty="0" err="1"/>
-              <a:t>of</a:t>
-            </a:r>
-            <a:r>
-              <a:rPr lang="ru-RU" sz="1000" dirty="0"/>
-              <a:t> 20 </a:t>
-            </a:r>
-            <a:r>
-              <a:rPr lang="ru-RU" sz="1000" dirty="0" err="1"/>
-              <a:t>ton</a:t>
-            </a:r>
-            <a:r>
-              <a:rPr lang="ru-RU" sz="1000" dirty="0"/>
-              <a:t> </a:t>
-            </a:r>
-            <a:r>
-              <a:rPr lang="ru-RU" sz="1000" dirty="0" err="1"/>
-              <a:t>trucks</a:t>
-            </a:r>
-            <a:r>
-              <a:rPr lang="ru-RU" sz="1000" dirty="0"/>
-              <a:t> </a:t>
-            </a:r>
-            <a:r>
-              <a:rPr lang="ru-RU" sz="1000" dirty="0" err="1"/>
-              <a:t>and</a:t>
-            </a:r>
-            <a:r>
-              <a:rPr lang="ru-RU" sz="1000" dirty="0"/>
-              <a:t> 1 </a:t>
-            </a:r>
-            <a:r>
-              <a:rPr lang="ru-RU" sz="1000" dirty="0" err="1"/>
-              <a:t>of</a:t>
-            </a:r>
-            <a:r>
-              <a:rPr lang="ru-RU" sz="1000" dirty="0"/>
-              <a:t> 50 </a:t>
-            </a:r>
-            <a:r>
-              <a:rPr lang="ru-RU" sz="1000" dirty="0" err="1"/>
-              <a:t>ton</a:t>
-            </a:r>
-            <a:r>
-              <a:rPr lang="ru-RU" sz="1000" dirty="0"/>
-              <a:t> </a:t>
-            </a:r>
-            <a:r>
-              <a:rPr lang="ru-RU" sz="1000" dirty="0" err="1"/>
-              <a:t>trucks</a:t>
-            </a:r>
-            <a:endParaRPr lang="ru-RU" sz="1000" dirty="0"/>
-          </a:p>
-          <a:p>
-            <a:r>
-              <a:rPr lang="ru-RU" sz="1000" dirty="0" err="1"/>
-              <a:t>Efficiency</a:t>
-            </a:r>
-            <a:r>
-              <a:rPr lang="ru-RU" sz="1000" dirty="0"/>
-              <a:t> </a:t>
-            </a:r>
-            <a:r>
-              <a:rPr lang="ru-RU" sz="1000" dirty="0" err="1"/>
-              <a:t>is</a:t>
-            </a:r>
-            <a:r>
-              <a:rPr lang="ru-RU" sz="1000" dirty="0"/>
-              <a:t> 0.951</a:t>
-            </a:r>
-          </a:p>
-          <a:p>
-            <a:r>
-              <a:rPr lang="ru-RU" sz="1000" dirty="0"/>
-              <a:t>----</a:t>
-            </a:r>
-          </a:p>
-          <a:p>
-            <a:r>
-              <a:rPr lang="ru-RU" sz="1000" dirty="0"/>
-              <a:t>Exc3 </a:t>
-            </a:r>
-            <a:r>
-              <a:rPr lang="ru-RU" sz="1000" dirty="0" err="1"/>
-              <a:t>was</a:t>
-            </a:r>
-            <a:r>
-              <a:rPr lang="ru-RU" sz="1000" dirty="0"/>
-              <a:t> 00:19:55 </a:t>
-            </a:r>
-            <a:r>
-              <a:rPr lang="ru-RU" sz="1000" dirty="0" err="1"/>
-              <a:t>in</a:t>
-            </a:r>
-            <a:r>
-              <a:rPr lang="ru-RU" sz="1000" dirty="0"/>
-              <a:t> </a:t>
-            </a:r>
-            <a:r>
-              <a:rPr lang="ru-RU" sz="1000" dirty="0" err="1"/>
-              <a:t>status</a:t>
-            </a:r>
-            <a:r>
-              <a:rPr lang="ru-RU" sz="1000" dirty="0"/>
-              <a:t> "</a:t>
-            </a:r>
-            <a:r>
-              <a:rPr lang="ru-RU" sz="1000" dirty="0" err="1"/>
-              <a:t>busy</a:t>
-            </a:r>
-            <a:r>
-              <a:rPr lang="ru-RU" sz="1000" dirty="0"/>
-              <a:t>"</a:t>
-            </a:r>
-          </a:p>
-          <a:p>
-            <a:r>
-              <a:rPr lang="ru-RU" sz="1000" dirty="0" err="1"/>
-              <a:t>For</a:t>
-            </a:r>
-            <a:r>
-              <a:rPr lang="ru-RU" sz="1000" dirty="0"/>
-              <a:t> </a:t>
-            </a:r>
-            <a:r>
-              <a:rPr lang="ru-RU" sz="1000" dirty="0" err="1"/>
-              <a:t>all</a:t>
-            </a:r>
-            <a:r>
-              <a:rPr lang="ru-RU" sz="1000" dirty="0"/>
-              <a:t> </a:t>
-            </a:r>
-            <a:r>
-              <a:rPr lang="ru-RU" sz="1000" dirty="0" err="1"/>
-              <a:t>the</a:t>
-            </a:r>
-            <a:r>
-              <a:rPr lang="ru-RU" sz="1000" dirty="0"/>
-              <a:t> </a:t>
-            </a:r>
-            <a:r>
-              <a:rPr lang="ru-RU" sz="1000" dirty="0" err="1"/>
-              <a:t>time</a:t>
-            </a:r>
-            <a:r>
-              <a:rPr lang="ru-RU" sz="1000" dirty="0"/>
-              <a:t> </a:t>
-            </a:r>
-            <a:r>
-              <a:rPr lang="ru-RU" sz="1000" dirty="0" err="1"/>
-              <a:t>he</a:t>
-            </a:r>
-            <a:r>
-              <a:rPr lang="ru-RU" sz="1000" dirty="0"/>
-              <a:t> </a:t>
-            </a:r>
-            <a:r>
-              <a:rPr lang="ru-RU" sz="1000" dirty="0" err="1"/>
-              <a:t>took</a:t>
-            </a:r>
-            <a:r>
-              <a:rPr lang="ru-RU" sz="1000" dirty="0"/>
-              <a:t> </a:t>
-            </a:r>
-            <a:r>
-              <a:rPr lang="ru-RU" sz="1000" dirty="0" err="1"/>
-              <a:t>over</a:t>
-            </a:r>
-            <a:r>
-              <a:rPr lang="ru-RU" sz="1000" dirty="0"/>
-              <a:t> 3 </a:t>
-            </a:r>
-            <a:r>
-              <a:rPr lang="ru-RU" sz="1000" dirty="0" err="1"/>
-              <a:t>of</a:t>
-            </a:r>
-            <a:r>
-              <a:rPr lang="ru-RU" sz="1000" dirty="0"/>
-              <a:t> 20 </a:t>
-            </a:r>
-            <a:r>
-              <a:rPr lang="ru-RU" sz="1000" dirty="0" err="1"/>
-              <a:t>ton</a:t>
-            </a:r>
-            <a:r>
-              <a:rPr lang="ru-RU" sz="1000" dirty="0"/>
-              <a:t> </a:t>
-            </a:r>
-            <a:r>
-              <a:rPr lang="ru-RU" sz="1000" dirty="0" err="1"/>
-              <a:t>trucks</a:t>
-            </a:r>
-            <a:r>
-              <a:rPr lang="ru-RU" sz="1000" dirty="0"/>
-              <a:t> </a:t>
-            </a:r>
-            <a:r>
-              <a:rPr lang="ru-RU" sz="1000" dirty="0" err="1"/>
-              <a:t>and</a:t>
-            </a:r>
-            <a:r>
-              <a:rPr lang="ru-RU" sz="1000" dirty="0"/>
-              <a:t> 2 </a:t>
-            </a:r>
-            <a:r>
-              <a:rPr lang="ru-RU" sz="1000" dirty="0" err="1"/>
-              <a:t>of</a:t>
-            </a:r>
-            <a:r>
-              <a:rPr lang="ru-RU" sz="1000" dirty="0"/>
-              <a:t> 50 </a:t>
-            </a:r>
-            <a:r>
-              <a:rPr lang="ru-RU" sz="1000" dirty="0" err="1"/>
-              <a:t>ton</a:t>
-            </a:r>
-            <a:r>
-              <a:rPr lang="ru-RU" sz="1000" dirty="0"/>
-              <a:t> </a:t>
-            </a:r>
-            <a:r>
-              <a:rPr lang="ru-RU" sz="1000" dirty="0" err="1"/>
-              <a:t>trucks</a:t>
-            </a:r>
-            <a:endParaRPr lang="ru-RU" sz="1000" dirty="0"/>
-          </a:p>
-          <a:p>
-            <a:r>
-              <a:rPr lang="ru-RU" sz="1000" dirty="0" err="1"/>
-              <a:t>Efficiency</a:t>
-            </a:r>
-            <a:r>
-              <a:rPr lang="ru-RU" sz="1000" dirty="0"/>
-              <a:t> </a:t>
-            </a:r>
-            <a:r>
-              <a:rPr lang="ru-RU" sz="1000" dirty="0" err="1"/>
-              <a:t>is</a:t>
-            </a:r>
-            <a:r>
-              <a:rPr lang="ru-RU" sz="1000" dirty="0"/>
-              <a:t> 0.664</a:t>
-            </a:r>
-          </a:p>
-          <a:p>
-            <a:r>
-              <a:rPr lang="ru-RU" sz="1000" dirty="0"/>
-              <a:t>----</a:t>
-            </a:r>
-          </a:p>
-          <a:p>
-            <a:r>
-              <a:rPr lang="ru-RU" sz="1000" dirty="0" err="1"/>
-              <a:t>Drobilka</a:t>
-            </a:r>
-            <a:r>
-              <a:rPr lang="ru-RU" sz="1000" dirty="0"/>
-              <a:t> </a:t>
-            </a:r>
-            <a:r>
-              <a:rPr lang="ru-RU" sz="1000" dirty="0" err="1"/>
-              <a:t>was</a:t>
-            </a:r>
-            <a:r>
-              <a:rPr lang="ru-RU" sz="1000" dirty="0"/>
-              <a:t> 00:05:27 </a:t>
-            </a:r>
-            <a:r>
-              <a:rPr lang="ru-RU" sz="1000" dirty="0" err="1"/>
-              <a:t>in</a:t>
-            </a:r>
-            <a:r>
-              <a:rPr lang="ru-RU" sz="1000" dirty="0"/>
-              <a:t> </a:t>
-            </a:r>
-            <a:r>
-              <a:rPr lang="ru-RU" sz="1000" dirty="0" err="1"/>
-              <a:t>status</a:t>
-            </a:r>
-            <a:r>
-              <a:rPr lang="ru-RU" sz="1000" dirty="0"/>
-              <a:t> "</a:t>
-            </a:r>
-            <a:r>
-              <a:rPr lang="ru-RU" sz="1000" dirty="0" err="1"/>
-              <a:t>busy</a:t>
-            </a:r>
-            <a:r>
-              <a:rPr lang="ru-RU" sz="1000" dirty="0"/>
-              <a:t>"</a:t>
-            </a:r>
-          </a:p>
-          <a:p>
-            <a:r>
-              <a:rPr lang="ru-RU" sz="1000" dirty="0" err="1"/>
-              <a:t>For</a:t>
-            </a:r>
-            <a:r>
-              <a:rPr lang="ru-RU" sz="1000" dirty="0"/>
-              <a:t> </a:t>
-            </a:r>
-            <a:r>
-              <a:rPr lang="ru-RU" sz="1000" dirty="0" err="1"/>
-              <a:t>all</a:t>
-            </a:r>
-            <a:r>
-              <a:rPr lang="ru-RU" sz="1000" dirty="0"/>
-              <a:t> </a:t>
-            </a:r>
-            <a:r>
-              <a:rPr lang="ru-RU" sz="1000" dirty="0" err="1"/>
-              <a:t>the</a:t>
-            </a:r>
-            <a:r>
-              <a:rPr lang="ru-RU" sz="1000" dirty="0"/>
-              <a:t> </a:t>
-            </a:r>
-            <a:r>
-              <a:rPr lang="ru-RU" sz="1000" dirty="0" err="1"/>
-              <a:t>time</a:t>
-            </a:r>
-            <a:r>
-              <a:rPr lang="ru-RU" sz="1000" dirty="0"/>
-              <a:t> </a:t>
-            </a:r>
-            <a:r>
-              <a:rPr lang="ru-RU" sz="1000" dirty="0" err="1"/>
-              <a:t>he</a:t>
-            </a:r>
-            <a:r>
-              <a:rPr lang="ru-RU" sz="1000" dirty="0"/>
-              <a:t> </a:t>
-            </a:r>
-            <a:r>
-              <a:rPr lang="ru-RU" sz="1000" dirty="0" err="1"/>
-              <a:t>took</a:t>
-            </a:r>
-            <a:r>
-              <a:rPr lang="ru-RU" sz="1000" dirty="0"/>
-              <a:t> </a:t>
-            </a:r>
-            <a:r>
-              <a:rPr lang="ru-RU" sz="1000" dirty="0" err="1"/>
-              <a:t>over</a:t>
-            </a:r>
-            <a:r>
-              <a:rPr lang="ru-RU" sz="1000" dirty="0"/>
-              <a:t> 7 </a:t>
-            </a:r>
-            <a:r>
-              <a:rPr lang="ru-RU" sz="1000" dirty="0" err="1"/>
-              <a:t>of</a:t>
-            </a:r>
-            <a:r>
-              <a:rPr lang="ru-RU" sz="1000" dirty="0"/>
-              <a:t> 20 </a:t>
-            </a:r>
-            <a:r>
-              <a:rPr lang="ru-RU" sz="1000" dirty="0" err="1"/>
-              <a:t>ton</a:t>
-            </a:r>
-            <a:r>
-              <a:rPr lang="ru-RU" sz="1000" dirty="0"/>
-              <a:t> </a:t>
-            </a:r>
-            <a:r>
-              <a:rPr lang="ru-RU" sz="1000" dirty="0" err="1"/>
-              <a:t>trucks</a:t>
-            </a:r>
-            <a:r>
-              <a:rPr lang="ru-RU" sz="1000" dirty="0"/>
-              <a:t> </a:t>
-            </a:r>
-            <a:r>
-              <a:rPr lang="ru-RU" sz="1000" dirty="0" err="1"/>
-              <a:t>and</a:t>
-            </a:r>
-            <a:r>
-              <a:rPr lang="ru-RU" sz="1000" dirty="0"/>
-              <a:t> 3 </a:t>
-            </a:r>
-            <a:r>
-              <a:rPr lang="ru-RU" sz="1000" dirty="0" err="1"/>
-              <a:t>of</a:t>
-            </a:r>
-            <a:r>
-              <a:rPr lang="ru-RU" sz="1000" dirty="0"/>
-              <a:t> 50 </a:t>
-            </a:r>
-            <a:r>
-              <a:rPr lang="ru-RU" sz="1000" dirty="0" err="1"/>
-              <a:t>ton</a:t>
-            </a:r>
-            <a:r>
-              <a:rPr lang="ru-RU" sz="1000" dirty="0"/>
-              <a:t> </a:t>
-            </a:r>
-            <a:r>
-              <a:rPr lang="ru-RU" sz="1000" dirty="0" err="1"/>
-              <a:t>trucks</a:t>
-            </a:r>
-            <a:endParaRPr lang="ru-RU" sz="1000" dirty="0"/>
-          </a:p>
-          <a:p>
-            <a:r>
-              <a:rPr lang="ru-RU" sz="1000" dirty="0" err="1"/>
-              <a:t>Efficiency</a:t>
-            </a:r>
-            <a:r>
-              <a:rPr lang="ru-RU" sz="1000" dirty="0"/>
-              <a:t> </a:t>
-            </a:r>
-            <a:r>
-              <a:rPr lang="ru-RU" sz="1000" dirty="0" err="1"/>
-              <a:t>is</a:t>
-            </a:r>
-            <a:r>
-              <a:rPr lang="ru-RU" sz="1000" dirty="0"/>
-              <a:t> 0.182</a:t>
-            </a:r>
-          </a:p>
-          <a:p>
-            <a:r>
-              <a:rPr lang="ru-RU" sz="1000" dirty="0"/>
-              <a:t>----</a:t>
-            </a:r>
-          </a:p>
-          <a:p>
-            <a:r>
-              <a:rPr lang="ru-RU" sz="1000" dirty="0" err="1"/>
-              <a:t>Model</a:t>
-            </a:r>
-            <a:r>
-              <a:rPr lang="ru-RU" sz="1000" dirty="0"/>
-              <a:t> </a:t>
-            </a:r>
-            <a:r>
-              <a:rPr lang="ru-RU" sz="1000" dirty="0" err="1"/>
-              <a:t>is</a:t>
-            </a:r>
-            <a:r>
-              <a:rPr lang="ru-RU" sz="1000" dirty="0"/>
-              <a:t> </a:t>
-            </a:r>
-            <a:r>
-              <a:rPr lang="ru-RU" sz="1000" dirty="0" err="1"/>
-              <a:t>over</a:t>
-            </a:r>
-            <a:endParaRPr lang="ru-RU" sz="1000" dirty="0"/>
-          </a:p>
-        </p:txBody>
-      </p:sp>
-    </p:spTree>
-    <p:extLst>
-      <p:ext uri="{BB962C8B-B14F-4D97-AF65-F5344CB8AC3E}">
-        <p14:creationId xmlns:p14="http://schemas.microsoft.com/office/powerpoint/2010/main" val="2339659776"/>
-      </p:ext>
-    </p:extLst>
-  </p:cSld>
-  <p:clrMapOvr>
-    <a:masterClrMapping/>
-  </p:clrMapOvr>
-</p:sld>
-</file>
-
-<file path=ppt/slides/slide12.xml><?xml version="1.0" encoding="utf-8"?>
-<p:sld xmlns:a="http://schemas.openxmlformats.org/drawingml/2006/main" xmlns:r="http://schemas.openxmlformats.org/officeDocument/2006/relationships" xmlns:p="http://schemas.openxmlformats.org/presentationml/2006/main">
-  <p:cSld>
-    <p:spTree>
-      <p:nvGrpSpPr>
-        <p:cNvPr id="1" name=""/>
-        <p:cNvGrpSpPr/>
-        <p:nvPr/>
-      </p:nvGrpSpPr>
-      <p:grpSpPr>
-        <a:xfrm>
-          <a:off x="0" y="0"/>
-          <a:ext cx="0" cy="0"/>
-          <a:chOff x="0" y="0"/>
-          <a:chExt cx="0" cy="0"/>
-        </a:xfrm>
-      </p:grpSpPr>
-      <p:sp>
-        <p:nvSpPr>
-          <p:cNvPr id="4" name="TextBox 3"/>
-          <p:cNvSpPr txBox="1"/>
-          <p:nvPr/>
-        </p:nvSpPr>
-        <p:spPr>
-          <a:xfrm>
-            <a:off x="1" y="216131"/>
-            <a:ext cx="12192000" cy="369332"/>
-          </a:xfrm>
-          <a:prstGeom prst="rect">
-            <a:avLst/>
-          </a:prstGeom>
-          <a:noFill/>
-        </p:spPr>
-        <p:txBody>
-          <a:bodyPr wrap="square" rtlCol="0">
-            <a:spAutoFit/>
-          </a:bodyPr>
-          <a:lstStyle/>
-          <a:p>
-            <a:pPr algn="ctr"/>
-            <a:r>
-              <a:rPr lang="ru-RU" dirty="0"/>
-              <a:t>Анализ данных моделирования при разных условиях</a:t>
-            </a:r>
-          </a:p>
-        </p:txBody>
-      </p:sp>
-      <p:pic>
-        <p:nvPicPr>
-          <p:cNvPr id="11" name="Рисунок 10"/>
-          <p:cNvPicPr/>
-          <p:nvPr/>
-        </p:nvPicPr>
-        <p:blipFill>
-          <a:blip r:embed="rId2"/>
-          <a:stretch>
-            <a:fillRect/>
-          </a:stretch>
-        </p:blipFill>
-        <p:spPr>
-          <a:xfrm>
-            <a:off x="3383560" y="1032585"/>
-            <a:ext cx="5424880" cy="4792830"/>
-          </a:xfrm>
-          <a:prstGeom prst="rect">
-            <a:avLst/>
-          </a:prstGeom>
-        </p:spPr>
-      </p:pic>
-    </p:spTree>
-    <p:extLst>
-      <p:ext uri="{BB962C8B-B14F-4D97-AF65-F5344CB8AC3E}">
-        <p14:creationId xmlns:p14="http://schemas.microsoft.com/office/powerpoint/2010/main" val="858700170"/>
-      </p:ext>
-    </p:extLst>
-  </p:cSld>
-  <p:clrMapOvr>
-    <a:masterClrMapping/>
-  </p:clrMapOvr>
-</p:sld>
-</file>
-
-<file path=ppt/slides/slide13.xml><?xml version="1.0" encoding="utf-8"?>
-<p:sld xmlns:a="http://schemas.openxmlformats.org/drawingml/2006/main" xmlns:r="http://schemas.openxmlformats.org/officeDocument/2006/relationships" xmlns:p="http://schemas.openxmlformats.org/presentationml/2006/main">
-  <p:cSld>
-    <p:spTree>
-      <p:nvGrpSpPr>
-        <p:cNvPr id="1" name=""/>
-        <p:cNvGrpSpPr/>
-        <p:nvPr/>
-      </p:nvGrpSpPr>
-      <p:grpSpPr>
-        <a:xfrm>
-          <a:off x="0" y="0"/>
-          <a:ext cx="0" cy="0"/>
-          <a:chOff x="0" y="0"/>
-          <a:chExt cx="0" cy="0"/>
-        </a:xfrm>
-      </p:grpSpPr>
-      <p:sp>
-        <p:nvSpPr>
-          <p:cNvPr id="4" name="TextBox 3"/>
-          <p:cNvSpPr txBox="1"/>
-          <p:nvPr/>
-        </p:nvSpPr>
-        <p:spPr>
-          <a:xfrm>
-            <a:off x="1" y="216131"/>
-            <a:ext cx="12192000" cy="369332"/>
-          </a:xfrm>
-          <a:prstGeom prst="rect">
-            <a:avLst/>
-          </a:prstGeom>
-          <a:noFill/>
-        </p:spPr>
-        <p:txBody>
-          <a:bodyPr wrap="square" rtlCol="0">
-            <a:spAutoFit/>
-          </a:bodyPr>
-          <a:lstStyle/>
-          <a:p>
-            <a:pPr algn="ctr"/>
-            <a:r>
-              <a:rPr lang="ru-RU" dirty="0"/>
-              <a:t>Выводы о проделанной работе</a:t>
-            </a:r>
-          </a:p>
-        </p:txBody>
-      </p:sp>
-      <p:sp>
-        <p:nvSpPr>
-          <p:cNvPr id="2" name="TextBox 1"/>
-          <p:cNvSpPr txBox="1"/>
-          <p:nvPr/>
-        </p:nvSpPr>
-        <p:spPr>
-          <a:xfrm>
-            <a:off x="1" y="1065402"/>
-            <a:ext cx="4521666" cy="369332"/>
-          </a:xfrm>
-          <a:prstGeom prst="rect">
-            <a:avLst/>
-          </a:prstGeom>
-          <a:noFill/>
-        </p:spPr>
-        <p:txBody>
-          <a:bodyPr wrap="square" rtlCol="0">
-            <a:spAutoFit/>
-          </a:bodyPr>
-          <a:lstStyle/>
-          <a:p>
-            <a:pPr marL="285750" indent="-285750">
-              <a:buFont typeface="Arial" panose="020B0604020202020204" pitchFamily="34" charset="0"/>
-              <a:buChar char="•"/>
-            </a:pPr>
-            <a:r>
-              <a:rPr lang="ru-RU" dirty="0"/>
-              <a:t>Была разработана </a:t>
-            </a:r>
-            <a:r>
-              <a:rPr lang="en-US" dirty="0"/>
-              <a:t>Q-</a:t>
-            </a:r>
-            <a:r>
-              <a:rPr lang="ru-RU" dirty="0"/>
-              <a:t>схема модели</a:t>
-            </a:r>
-          </a:p>
-        </p:txBody>
-      </p:sp>
-      <p:pic>
-        <p:nvPicPr>
-          <p:cNvPr id="5" name="Рисунок 4"/>
-          <p:cNvPicPr/>
-          <p:nvPr/>
-        </p:nvPicPr>
-        <p:blipFill>
-          <a:blip r:embed="rId2">
-            <a:extLst>
-              <a:ext uri="{28A0092B-C50C-407E-A947-70E740481C1C}">
-                <a14:useLocalDpi xmlns:a14="http://schemas.microsoft.com/office/drawing/2010/main" val="0"/>
-              </a:ext>
-            </a:extLst>
-          </a:blip>
-          <a:stretch>
-            <a:fillRect/>
-          </a:stretch>
-        </p:blipFill>
-        <p:spPr>
-          <a:xfrm>
-            <a:off x="5660546" y="2493526"/>
-            <a:ext cx="4699858" cy="2353932"/>
-          </a:xfrm>
-          <a:prstGeom prst="rect">
-            <a:avLst/>
-          </a:prstGeom>
-        </p:spPr>
-      </p:pic>
-    </p:spTree>
-    <p:extLst>
-      <p:ext uri="{BB962C8B-B14F-4D97-AF65-F5344CB8AC3E}">
-        <p14:creationId xmlns:p14="http://schemas.microsoft.com/office/powerpoint/2010/main" val="2617385630"/>
-      </p:ext>
-    </p:extLst>
-  </p:cSld>
-  <p:clrMapOvr>
-    <a:masterClrMapping/>
-  </p:clrMapOvr>
-</p:sld>
-</file>
-
-<file path=ppt/slides/slide14.xml><?xml version="1.0" encoding="utf-8"?>
-<p:sld xmlns:a="http://schemas.openxmlformats.org/drawingml/2006/main" xmlns:r="http://schemas.openxmlformats.org/officeDocument/2006/relationships" xmlns:p="http://schemas.openxmlformats.org/presentationml/2006/main">
-  <p:cSld>
-    <p:spTree>
-      <p:nvGrpSpPr>
-        <p:cNvPr id="1" name=""/>
-        <p:cNvGrpSpPr/>
-        <p:nvPr/>
-      </p:nvGrpSpPr>
-      <p:grpSpPr>
-        <a:xfrm>
-          <a:off x="0" y="0"/>
-          <a:ext cx="0" cy="0"/>
-          <a:chOff x="0" y="0"/>
-          <a:chExt cx="0" cy="0"/>
-        </a:xfrm>
-      </p:grpSpPr>
-      <p:sp>
-        <p:nvSpPr>
-          <p:cNvPr id="4" name="TextBox 3"/>
-          <p:cNvSpPr txBox="1"/>
-          <p:nvPr/>
-        </p:nvSpPr>
-        <p:spPr>
-          <a:xfrm>
-            <a:off x="1" y="216131"/>
-            <a:ext cx="12192000" cy="369332"/>
-          </a:xfrm>
-          <a:prstGeom prst="rect">
-            <a:avLst/>
-          </a:prstGeom>
-          <a:noFill/>
-        </p:spPr>
-        <p:txBody>
-          <a:bodyPr wrap="square" rtlCol="0">
-            <a:spAutoFit/>
-          </a:bodyPr>
-          <a:lstStyle/>
-          <a:p>
-            <a:pPr algn="ctr"/>
-            <a:r>
-              <a:rPr lang="ru-RU" dirty="0"/>
-              <a:t>Выводы о проделанной работе</a:t>
-            </a:r>
-          </a:p>
-        </p:txBody>
-      </p:sp>
-      <p:sp>
-        <p:nvSpPr>
-          <p:cNvPr id="2" name="TextBox 1"/>
-          <p:cNvSpPr txBox="1"/>
-          <p:nvPr/>
-        </p:nvSpPr>
-        <p:spPr>
-          <a:xfrm>
-            <a:off x="0" y="1065402"/>
-            <a:ext cx="4521666" cy="646331"/>
-          </a:xfrm>
-          <a:prstGeom prst="rect">
-            <a:avLst/>
-          </a:prstGeom>
-          <a:noFill/>
-        </p:spPr>
-        <p:txBody>
-          <a:bodyPr wrap="square" rtlCol="0">
-            <a:spAutoFit/>
-          </a:bodyPr>
-          <a:lstStyle/>
-          <a:p>
-            <a:pPr marL="285750" indent="-285750">
-              <a:buFont typeface="Arial" panose="020B0604020202020204" pitchFamily="34" charset="0"/>
-              <a:buChar char="•"/>
-            </a:pPr>
-            <a:r>
-              <a:rPr lang="ru-RU" dirty="0"/>
-              <a:t>Была разработана </a:t>
-            </a:r>
-            <a:r>
-              <a:rPr lang="en-US" dirty="0"/>
-              <a:t>Q-</a:t>
-            </a:r>
-            <a:r>
-              <a:rPr lang="ru-RU" dirty="0"/>
-              <a:t>схема модели</a:t>
-            </a:r>
-          </a:p>
-          <a:p>
-            <a:pPr marL="285750" indent="-285750">
-              <a:buFont typeface="Arial" panose="020B0604020202020204" pitchFamily="34" charset="0"/>
-              <a:buChar char="•"/>
-            </a:pPr>
-            <a:r>
-              <a:rPr lang="ru-RU" dirty="0"/>
-              <a:t>Создана структура классов</a:t>
-            </a:r>
-          </a:p>
-        </p:txBody>
-      </p:sp>
-      <p:pic>
-        <p:nvPicPr>
-          <p:cNvPr id="3" name="Рисунок 2"/>
-          <p:cNvPicPr>
-            <a:picLocks noChangeAspect="1"/>
-          </p:cNvPicPr>
-          <p:nvPr/>
-        </p:nvPicPr>
-        <p:blipFill>
-          <a:blip r:embed="rId2"/>
-          <a:stretch>
-            <a:fillRect/>
-          </a:stretch>
-        </p:blipFill>
-        <p:spPr>
-          <a:xfrm>
-            <a:off x="6154724" y="2714027"/>
-            <a:ext cx="3446764" cy="1212210"/>
-          </a:xfrm>
-          <a:prstGeom prst="rect">
-            <a:avLst/>
-          </a:prstGeom>
-        </p:spPr>
-      </p:pic>
-    </p:spTree>
-    <p:extLst>
-      <p:ext uri="{BB962C8B-B14F-4D97-AF65-F5344CB8AC3E}">
-        <p14:creationId xmlns:p14="http://schemas.microsoft.com/office/powerpoint/2010/main" val="55727927"/>
-      </p:ext>
-    </p:extLst>
-  </p:cSld>
-  <p:clrMapOvr>
-    <a:masterClrMapping/>
-  </p:clrMapOvr>
-</p:sld>
-</file>
-
-<file path=ppt/slides/slide15.xml><?xml version="1.0" encoding="utf-8"?>
-<p:sld xmlns:a="http://schemas.openxmlformats.org/drawingml/2006/main" xmlns:r="http://schemas.openxmlformats.org/officeDocument/2006/relationships" xmlns:p="http://schemas.openxmlformats.org/presentationml/2006/main">
-  <p:cSld>
-    <p:spTree>
-      <p:nvGrpSpPr>
-        <p:cNvPr id="1" name=""/>
-        <p:cNvGrpSpPr/>
-        <p:nvPr/>
-      </p:nvGrpSpPr>
-      <p:grpSpPr>
-        <a:xfrm>
-          <a:off x="0" y="0"/>
-          <a:ext cx="0" cy="0"/>
-          <a:chOff x="0" y="0"/>
-          <a:chExt cx="0" cy="0"/>
-        </a:xfrm>
-      </p:grpSpPr>
-      <p:sp>
-        <p:nvSpPr>
-          <p:cNvPr id="4" name="TextBox 3"/>
-          <p:cNvSpPr txBox="1"/>
-          <p:nvPr/>
-        </p:nvSpPr>
-        <p:spPr>
-          <a:xfrm>
-            <a:off x="1" y="216131"/>
-            <a:ext cx="12192000" cy="369332"/>
-          </a:xfrm>
-          <a:prstGeom prst="rect">
-            <a:avLst/>
-          </a:prstGeom>
-          <a:noFill/>
-        </p:spPr>
-        <p:txBody>
-          <a:bodyPr wrap="square" rtlCol="0">
-            <a:spAutoFit/>
-          </a:bodyPr>
-          <a:lstStyle/>
-          <a:p>
-            <a:pPr algn="ctr"/>
-            <a:r>
-              <a:rPr lang="ru-RU" dirty="0"/>
-              <a:t>Выводы о проделанной работе</a:t>
-            </a:r>
-          </a:p>
-        </p:txBody>
-      </p:sp>
-      <p:sp>
-        <p:nvSpPr>
-          <p:cNvPr id="2" name="TextBox 1"/>
-          <p:cNvSpPr txBox="1"/>
-          <p:nvPr/>
-        </p:nvSpPr>
-        <p:spPr>
-          <a:xfrm>
-            <a:off x="0" y="1065403"/>
-            <a:ext cx="5283665" cy="923330"/>
-          </a:xfrm>
-          <a:prstGeom prst="rect">
-            <a:avLst/>
-          </a:prstGeom>
-          <a:noFill/>
-        </p:spPr>
-        <p:txBody>
-          <a:bodyPr wrap="square" rtlCol="0">
-            <a:spAutoFit/>
-          </a:bodyPr>
-          <a:lstStyle/>
-          <a:p>
-            <a:pPr marL="285750" indent="-285750">
-              <a:buFont typeface="Arial" panose="020B0604020202020204" pitchFamily="34" charset="0"/>
-              <a:buChar char="•"/>
-            </a:pPr>
-            <a:r>
-              <a:rPr lang="ru-RU" dirty="0"/>
-              <a:t>Была разработана </a:t>
-            </a:r>
-            <a:r>
-              <a:rPr lang="en-US" dirty="0"/>
-              <a:t>Q-</a:t>
-            </a:r>
-            <a:r>
-              <a:rPr lang="ru-RU" dirty="0"/>
-              <a:t>схема модели</a:t>
-            </a:r>
-          </a:p>
-          <a:p>
-            <a:pPr marL="285750" indent="-285750">
-              <a:buFont typeface="Arial" panose="020B0604020202020204" pitchFamily="34" charset="0"/>
-              <a:buChar char="•"/>
-            </a:pPr>
-            <a:r>
-              <a:rPr lang="ru-RU" dirty="0"/>
-              <a:t>Создана структура классов</a:t>
-            </a:r>
-          </a:p>
-          <a:p>
-            <a:pPr marL="285750" indent="-285750">
-              <a:buFont typeface="Arial" panose="020B0604020202020204" pitchFamily="34" charset="0"/>
-              <a:buChar char="•"/>
-            </a:pPr>
-            <a:r>
-              <a:rPr lang="ru-RU" dirty="0"/>
-              <a:t>Нарисованы изображения объектов на экране</a:t>
-            </a:r>
-            <a:endParaRPr lang="en-US" dirty="0"/>
-          </a:p>
-        </p:txBody>
-      </p:sp>
-      <p:pic>
-        <p:nvPicPr>
-          <p:cNvPr id="5" name="Рисунок 4" descr="C:\Users\ekate\AppData\Local\Temp\7zE42FA3D7F\Fon.jpg"/>
-          <p:cNvPicPr/>
-          <p:nvPr/>
-        </p:nvPicPr>
-        <p:blipFill>
-          <a:blip r:embed="rId2" cstate="print">
-            <a:extLst>
-              <a:ext uri="{28A0092B-C50C-407E-A947-70E740481C1C}">
-                <a14:useLocalDpi xmlns:a14="http://schemas.microsoft.com/office/drawing/2010/main" val="0"/>
-              </a:ext>
-            </a:extLst>
-          </a:blip>
-          <a:srcRect/>
-          <a:stretch>
-            <a:fillRect/>
-          </a:stretch>
-        </p:blipFill>
-        <p:spPr bwMode="auto">
-          <a:xfrm>
-            <a:off x="6200070" y="1065403"/>
-            <a:ext cx="5110480" cy="2867025"/>
-          </a:xfrm>
-          <a:prstGeom prst="rect">
-            <a:avLst/>
-          </a:prstGeom>
-          <a:noFill/>
-          <a:ln>
-            <a:noFill/>
-          </a:ln>
-        </p:spPr>
-      </p:pic>
-      <p:pic>
-        <p:nvPicPr>
-          <p:cNvPr id="6" name="Рисунок 5" descr="C:\Users\ekate\AppData\Local\Temp\7zE42FDC7A0\20_car.png"/>
-          <p:cNvPicPr/>
-          <p:nvPr/>
-        </p:nvPicPr>
-        <p:blipFill>
-          <a:blip r:embed="rId3">
-            <a:extLst>
-              <a:ext uri="{28A0092B-C50C-407E-A947-70E740481C1C}">
-                <a14:useLocalDpi xmlns:a14="http://schemas.microsoft.com/office/drawing/2010/main" val="0"/>
-              </a:ext>
-            </a:extLst>
-          </a:blip>
-          <a:srcRect/>
-          <a:stretch>
-            <a:fillRect/>
-          </a:stretch>
-        </p:blipFill>
-        <p:spPr bwMode="auto">
-          <a:xfrm>
-            <a:off x="6722072" y="4491012"/>
-            <a:ext cx="1247775" cy="1013460"/>
-          </a:xfrm>
-          <a:prstGeom prst="rect">
-            <a:avLst/>
-          </a:prstGeom>
-          <a:noFill/>
-          <a:ln>
-            <a:noFill/>
-          </a:ln>
-        </p:spPr>
-      </p:pic>
-      <p:pic>
-        <p:nvPicPr>
-          <p:cNvPr id="7" name="Рисунок 6" descr="C:\Users\ekate\AppData\Local\Temp\7zE42FA0070\50_car.png"/>
-          <p:cNvPicPr/>
-          <p:nvPr/>
-        </p:nvPicPr>
-        <p:blipFill>
-          <a:blip r:embed="rId4">
-            <a:extLst>
-              <a:ext uri="{28A0092B-C50C-407E-A947-70E740481C1C}">
-                <a14:useLocalDpi xmlns:a14="http://schemas.microsoft.com/office/drawing/2010/main" val="0"/>
-              </a:ext>
-            </a:extLst>
-          </a:blip>
-          <a:srcRect/>
-          <a:stretch>
-            <a:fillRect/>
-          </a:stretch>
-        </p:blipFill>
-        <p:spPr bwMode="auto">
-          <a:xfrm>
-            <a:off x="9552789" y="4491012"/>
-            <a:ext cx="1257300" cy="1021080"/>
-          </a:xfrm>
-          <a:prstGeom prst="rect">
-            <a:avLst/>
-          </a:prstGeom>
-          <a:noFill/>
-          <a:ln>
-            <a:noFill/>
-          </a:ln>
-        </p:spPr>
-      </p:pic>
-    </p:spTree>
-    <p:extLst>
-      <p:ext uri="{BB962C8B-B14F-4D97-AF65-F5344CB8AC3E}">
-        <p14:creationId xmlns:p14="http://schemas.microsoft.com/office/powerpoint/2010/main" val="3091046729"/>
-      </p:ext>
-    </p:extLst>
-  </p:cSld>
-  <p:clrMapOvr>
-    <a:masterClrMapping/>
-  </p:clrMapOvr>
-</p:sld>
-</file>
-
-<file path=ppt/slides/slide16.xml><?xml version="1.0" encoding="utf-8"?>
-<p:sld xmlns:a="http://schemas.openxmlformats.org/drawingml/2006/main" xmlns:r="http://schemas.openxmlformats.org/officeDocument/2006/relationships" xmlns:p="http://schemas.openxmlformats.org/presentationml/2006/main">
-  <p:cSld>
-    <p:spTree>
-      <p:nvGrpSpPr>
-        <p:cNvPr id="1" name=""/>
-        <p:cNvGrpSpPr/>
-        <p:nvPr/>
-      </p:nvGrpSpPr>
-      <p:grpSpPr>
-        <a:xfrm>
-          <a:off x="0" y="0"/>
-          <a:ext cx="0" cy="0"/>
-          <a:chOff x="0" y="0"/>
-          <a:chExt cx="0" cy="0"/>
-        </a:xfrm>
-      </p:grpSpPr>
-      <p:sp>
-        <p:nvSpPr>
-          <p:cNvPr id="4" name="TextBox 3"/>
-          <p:cNvSpPr txBox="1"/>
-          <p:nvPr/>
-        </p:nvSpPr>
-        <p:spPr>
-          <a:xfrm>
-            <a:off x="1" y="216131"/>
-            <a:ext cx="12192000" cy="369332"/>
-          </a:xfrm>
-          <a:prstGeom prst="rect">
-            <a:avLst/>
-          </a:prstGeom>
-          <a:noFill/>
-        </p:spPr>
-        <p:txBody>
-          <a:bodyPr wrap="square" rtlCol="0">
-            <a:spAutoFit/>
-          </a:bodyPr>
-          <a:lstStyle/>
-          <a:p>
-            <a:pPr algn="ctr"/>
-            <a:r>
-              <a:rPr lang="ru-RU" dirty="0"/>
-              <a:t>Выводы о проделанной работе</a:t>
-            </a:r>
-          </a:p>
-        </p:txBody>
-      </p:sp>
-      <p:sp>
-        <p:nvSpPr>
-          <p:cNvPr id="2" name="TextBox 1"/>
-          <p:cNvSpPr txBox="1"/>
-          <p:nvPr/>
-        </p:nvSpPr>
-        <p:spPr>
-          <a:xfrm>
-            <a:off x="0" y="1065403"/>
-            <a:ext cx="5283665" cy="1754326"/>
-          </a:xfrm>
-          <a:prstGeom prst="rect">
-            <a:avLst/>
-          </a:prstGeom>
-          <a:noFill/>
-        </p:spPr>
-        <p:txBody>
-          <a:bodyPr wrap="square" rtlCol="0">
-            <a:spAutoFit/>
-          </a:bodyPr>
-          <a:lstStyle/>
-          <a:p>
-            <a:pPr marL="285750" indent="-285750">
-              <a:buFont typeface="Arial" panose="020B0604020202020204" pitchFamily="34" charset="0"/>
-              <a:buChar char="•"/>
-            </a:pPr>
-            <a:r>
-              <a:rPr lang="ru-RU" dirty="0"/>
-              <a:t>Была разработана </a:t>
-            </a:r>
-            <a:r>
-              <a:rPr lang="en-US" dirty="0"/>
-              <a:t>Q-</a:t>
-            </a:r>
-            <a:r>
-              <a:rPr lang="ru-RU" dirty="0"/>
-              <a:t>схема модели</a:t>
-            </a:r>
-          </a:p>
-          <a:p>
-            <a:pPr marL="285750" indent="-285750">
-              <a:buFont typeface="Arial" panose="020B0604020202020204" pitchFamily="34" charset="0"/>
-              <a:buChar char="•"/>
-            </a:pPr>
-            <a:r>
-              <a:rPr lang="ru-RU" dirty="0"/>
-              <a:t>Создана структура классов</a:t>
-            </a:r>
-          </a:p>
-          <a:p>
-            <a:pPr marL="285750" indent="-285750">
-              <a:buFont typeface="Arial" panose="020B0604020202020204" pitchFamily="34" charset="0"/>
-              <a:buChar char="•"/>
-            </a:pPr>
-            <a:r>
-              <a:rPr lang="ru-RU" dirty="0"/>
-              <a:t>Нарисованы изображения объектов на экране</a:t>
-            </a:r>
-          </a:p>
-          <a:p>
-            <a:pPr marL="285750" indent="-285750">
-              <a:buFont typeface="Arial" panose="020B0604020202020204" pitchFamily="34" charset="0"/>
-              <a:buChar char="•"/>
-            </a:pPr>
-            <a:r>
-              <a:rPr lang="ru-RU" dirty="0"/>
-              <a:t>Реализована логика поведения каждого грузовика</a:t>
-            </a:r>
-          </a:p>
-          <a:p>
-            <a:pPr marL="285750" indent="-285750">
-              <a:buFont typeface="Arial" panose="020B0604020202020204" pitchFamily="34" charset="0"/>
-              <a:buChar char="•"/>
-            </a:pPr>
-            <a:endParaRPr lang="en-US" dirty="0"/>
-          </a:p>
-        </p:txBody>
-      </p:sp>
-      <p:pic>
-        <p:nvPicPr>
-          <p:cNvPr id="8" name="Рисунок 7"/>
-          <p:cNvPicPr/>
-          <p:nvPr/>
-        </p:nvPicPr>
-        <p:blipFill>
-          <a:blip r:embed="rId2"/>
-          <a:stretch>
-            <a:fillRect/>
-          </a:stretch>
-        </p:blipFill>
-        <p:spPr>
-          <a:xfrm>
-            <a:off x="5959384" y="1065403"/>
-            <a:ext cx="5390515" cy="3136265"/>
-          </a:xfrm>
-          <a:prstGeom prst="rect">
-            <a:avLst/>
-          </a:prstGeom>
-        </p:spPr>
-      </p:pic>
-    </p:spTree>
-    <p:extLst>
-      <p:ext uri="{BB962C8B-B14F-4D97-AF65-F5344CB8AC3E}">
-        <p14:creationId xmlns:p14="http://schemas.microsoft.com/office/powerpoint/2010/main" val="592514064"/>
-      </p:ext>
-    </p:extLst>
-  </p:cSld>
-  <p:clrMapOvr>
-    <a:masterClrMapping/>
-  </p:clrMapOvr>
-</p:sld>
-</file>
-
-<file path=ppt/slides/slide17.xml><?xml version="1.0" encoding="utf-8"?>
-<p:sld xmlns:a="http://schemas.openxmlformats.org/drawingml/2006/main" xmlns:r="http://schemas.openxmlformats.org/officeDocument/2006/relationships" xmlns:p="http://schemas.openxmlformats.org/presentationml/2006/main">
-  <p:cSld>
-    <p:spTree>
-      <p:nvGrpSpPr>
-        <p:cNvPr id="1" name=""/>
-        <p:cNvGrpSpPr/>
-        <p:nvPr/>
-      </p:nvGrpSpPr>
-      <p:grpSpPr>
-        <a:xfrm>
-          <a:off x="0" y="0"/>
-          <a:ext cx="0" cy="0"/>
-          <a:chOff x="0" y="0"/>
-          <a:chExt cx="0" cy="0"/>
-        </a:xfrm>
-      </p:grpSpPr>
-      <p:sp>
-        <p:nvSpPr>
-          <p:cNvPr id="4" name="TextBox 3"/>
-          <p:cNvSpPr txBox="1"/>
-          <p:nvPr/>
-        </p:nvSpPr>
-        <p:spPr>
-          <a:xfrm>
-            <a:off x="1" y="216131"/>
-            <a:ext cx="12192000" cy="369332"/>
-          </a:xfrm>
-          <a:prstGeom prst="rect">
-            <a:avLst/>
-          </a:prstGeom>
-          <a:noFill/>
-        </p:spPr>
-        <p:txBody>
-          <a:bodyPr wrap="square" rtlCol="0">
-            <a:spAutoFit/>
-          </a:bodyPr>
-          <a:lstStyle/>
-          <a:p>
-            <a:pPr algn="ctr"/>
-            <a:r>
-              <a:rPr lang="ru-RU" dirty="0"/>
-              <a:t>Выводы о проделанной работе</a:t>
-            </a:r>
-          </a:p>
-        </p:txBody>
-      </p:sp>
-      <p:sp>
-        <p:nvSpPr>
-          <p:cNvPr id="2" name="TextBox 1"/>
-          <p:cNvSpPr txBox="1"/>
-          <p:nvPr/>
-        </p:nvSpPr>
-        <p:spPr>
-          <a:xfrm>
-            <a:off x="0" y="1065403"/>
-            <a:ext cx="5283665" cy="2308324"/>
-          </a:xfrm>
-          <a:prstGeom prst="rect">
-            <a:avLst/>
-          </a:prstGeom>
-          <a:noFill/>
-        </p:spPr>
-        <p:txBody>
-          <a:bodyPr wrap="square" rtlCol="0">
-            <a:spAutoFit/>
-          </a:bodyPr>
-          <a:lstStyle/>
-          <a:p>
-            <a:pPr marL="285750" indent="-285750">
-              <a:buFont typeface="Arial" panose="020B0604020202020204" pitchFamily="34" charset="0"/>
-              <a:buChar char="•"/>
-            </a:pPr>
-            <a:r>
-              <a:rPr lang="ru-RU" dirty="0"/>
-              <a:t>Была разработана </a:t>
-            </a:r>
-            <a:r>
-              <a:rPr lang="en-US" dirty="0"/>
-              <a:t>Q-</a:t>
-            </a:r>
-            <a:r>
-              <a:rPr lang="ru-RU" dirty="0"/>
-              <a:t>схема модели</a:t>
-            </a:r>
-          </a:p>
-          <a:p>
-            <a:pPr marL="285750" indent="-285750">
-              <a:buFont typeface="Arial" panose="020B0604020202020204" pitchFamily="34" charset="0"/>
-              <a:buChar char="•"/>
-            </a:pPr>
-            <a:r>
-              <a:rPr lang="ru-RU" dirty="0"/>
-              <a:t>Создана структура классов</a:t>
-            </a:r>
-          </a:p>
-          <a:p>
-            <a:pPr marL="285750" indent="-285750">
-              <a:buFont typeface="Arial" panose="020B0604020202020204" pitchFamily="34" charset="0"/>
-              <a:buChar char="•"/>
-            </a:pPr>
-            <a:r>
-              <a:rPr lang="ru-RU" dirty="0"/>
-              <a:t>Нарисованы изображения объектов на экране</a:t>
-            </a:r>
-          </a:p>
-          <a:p>
-            <a:pPr marL="285750" indent="-285750">
-              <a:buFont typeface="Arial" panose="020B0604020202020204" pitchFamily="34" charset="0"/>
-              <a:buChar char="•"/>
-            </a:pPr>
-            <a:r>
-              <a:rPr lang="ru-RU" dirty="0"/>
-              <a:t>Реализована логика поведения каждого грузовика</a:t>
-            </a:r>
-          </a:p>
-          <a:p>
-            <a:pPr marL="285750" indent="-285750">
-              <a:buFont typeface="Arial" panose="020B0604020202020204" pitchFamily="34" charset="0"/>
-              <a:buChar char="•"/>
-            </a:pPr>
-            <a:r>
-              <a:rPr lang="ru-RU" dirty="0"/>
-              <a:t>Проведены эксперименты</a:t>
-            </a:r>
-          </a:p>
-          <a:p>
-            <a:pPr marL="285750" indent="-285750">
-              <a:buFont typeface="Arial" panose="020B0604020202020204" pitchFamily="34" charset="0"/>
-              <a:buChar char="•"/>
-            </a:pPr>
-            <a:r>
-              <a:rPr lang="ru-RU" dirty="0"/>
-              <a:t>Проведён анализ различных экспериментов</a:t>
-            </a:r>
-          </a:p>
-          <a:p>
-            <a:pPr marL="285750" indent="-285750">
-              <a:buFont typeface="Arial" panose="020B0604020202020204" pitchFamily="34" charset="0"/>
-              <a:buChar char="•"/>
-            </a:pPr>
-            <a:endParaRPr lang="en-US" dirty="0"/>
-          </a:p>
-        </p:txBody>
-      </p:sp>
-      <p:pic>
-        <p:nvPicPr>
-          <p:cNvPr id="7" name="Рисунок 6"/>
-          <p:cNvPicPr/>
-          <p:nvPr/>
-        </p:nvPicPr>
-        <p:blipFill>
-          <a:blip r:embed="rId2"/>
-          <a:stretch>
-            <a:fillRect/>
-          </a:stretch>
-        </p:blipFill>
-        <p:spPr>
-          <a:xfrm>
-            <a:off x="6526635" y="1394014"/>
-            <a:ext cx="4188902" cy="3700856"/>
-          </a:xfrm>
-          <a:prstGeom prst="rect">
-            <a:avLst/>
-          </a:prstGeom>
-        </p:spPr>
-      </p:pic>
-    </p:spTree>
-    <p:extLst>
-      <p:ext uri="{BB962C8B-B14F-4D97-AF65-F5344CB8AC3E}">
-        <p14:creationId xmlns:p14="http://schemas.microsoft.com/office/powerpoint/2010/main" val="2489557925"/>
-      </p:ext>
-    </p:extLst>
-  </p:cSld>
-  <p:clrMapOvr>
-    <a:masterClrMapping/>
-  </p:clrMapOvr>
-</p:sld>
-</file>
-
 <file path=ppt/slides/slide2.xml><?xml version="1.0" encoding="utf-8"?>
 <p:sld xmlns:a="http://schemas.openxmlformats.org/drawingml/2006/main" xmlns:r="http://schemas.openxmlformats.org/officeDocument/2006/relationships" xmlns:p="http://schemas.openxmlformats.org/presentationml/2006/main">
   <p:cSld>
@@ -6345,6 +3591,231 @@
           </a:p>
         </p:txBody>
       </p:sp>
+      <p:pic>
+        <p:nvPicPr>
+          <p:cNvPr id="4" name="Рисунок 3">
+            <a:extLst>
+              <a:ext uri="{FF2B5EF4-FFF2-40B4-BE49-F238E27FC236}">
+                <a16:creationId xmlns:a16="http://schemas.microsoft.com/office/drawing/2014/main" id="{E5916B6D-EA73-4792-8AB4-EE2079F602F5}"/>
+              </a:ext>
+            </a:extLst>
+          </p:cNvPr>
+          <p:cNvPicPr>
+            <a:picLocks noChangeAspect="1"/>
+          </p:cNvPicPr>
+          <p:nvPr/>
+        </p:nvPicPr>
+        <p:blipFill>
+          <a:blip r:embed="rId2">
+            <a:extLst>
+              <a:ext uri="{28A0092B-C50C-407E-A947-70E740481C1C}">
+                <a14:useLocalDpi xmlns:a14="http://schemas.microsoft.com/office/drawing/2010/main" val="0"/>
+              </a:ext>
+            </a:extLst>
+          </a:blip>
+          <a:stretch>
+            <a:fillRect/>
+          </a:stretch>
+        </p:blipFill>
+        <p:spPr>
+          <a:xfrm>
+            <a:off x="3165271" y="1166594"/>
+            <a:ext cx="2262406" cy="2262406"/>
+          </a:xfrm>
+          <a:prstGeom prst="rect">
+            <a:avLst/>
+          </a:prstGeom>
+        </p:spPr>
+      </p:pic>
+      <p:pic>
+        <p:nvPicPr>
+          <p:cNvPr id="8" name="Рисунок 7">
+            <a:extLst>
+              <a:ext uri="{FF2B5EF4-FFF2-40B4-BE49-F238E27FC236}">
+                <a16:creationId xmlns:a16="http://schemas.microsoft.com/office/drawing/2014/main" id="{4107FE26-CA2C-47CD-811A-A8257C20BEB7}"/>
+              </a:ext>
+            </a:extLst>
+          </p:cNvPr>
+          <p:cNvPicPr>
+            <a:picLocks noChangeAspect="1"/>
+          </p:cNvPicPr>
+          <p:nvPr/>
+        </p:nvPicPr>
+        <p:blipFill>
+          <a:blip r:embed="rId3">
+            <a:extLst>
+              <a:ext uri="{28A0092B-C50C-407E-A947-70E740481C1C}">
+                <a14:useLocalDpi xmlns:a14="http://schemas.microsoft.com/office/drawing/2010/main" val="0"/>
+              </a:ext>
+            </a:extLst>
+          </a:blip>
+          <a:stretch>
+            <a:fillRect/>
+          </a:stretch>
+        </p:blipFill>
+        <p:spPr>
+          <a:xfrm>
+            <a:off x="6764325" y="1166594"/>
+            <a:ext cx="2262406" cy="2262406"/>
+          </a:xfrm>
+          <a:prstGeom prst="rect">
+            <a:avLst/>
+          </a:prstGeom>
+        </p:spPr>
+      </p:pic>
+      <p:cxnSp>
+        <p:nvCxnSpPr>
+          <p:cNvPr id="10" name="Прямая со стрелкой 9">
+            <a:extLst>
+              <a:ext uri="{FF2B5EF4-FFF2-40B4-BE49-F238E27FC236}">
+                <a16:creationId xmlns:a16="http://schemas.microsoft.com/office/drawing/2014/main" id="{6A35D81E-8551-4287-A01B-1DC42D2FFE34}"/>
+              </a:ext>
+            </a:extLst>
+          </p:cNvPr>
+          <p:cNvCxnSpPr>
+            <a:stCxn id="4" idx="3"/>
+            <a:endCxn id="8" idx="1"/>
+          </p:cNvCxnSpPr>
+          <p:nvPr/>
+        </p:nvCxnSpPr>
+        <p:spPr>
+          <a:xfrm>
+            <a:off x="5427677" y="2297797"/>
+            <a:ext cx="1336648" cy="0"/>
+          </a:xfrm>
+          <a:prstGeom prst="straightConnector1">
+            <a:avLst/>
+          </a:prstGeom>
+          <a:ln>
+            <a:tailEnd type="triangle"/>
+          </a:ln>
+        </p:spPr>
+        <p:style>
+          <a:lnRef idx="1">
+            <a:schemeClr val="accent1"/>
+          </a:lnRef>
+          <a:fillRef idx="0">
+            <a:schemeClr val="accent1"/>
+          </a:fillRef>
+          <a:effectRef idx="0">
+            <a:schemeClr val="accent1"/>
+          </a:effectRef>
+          <a:fontRef idx="minor">
+            <a:schemeClr val="tx1"/>
+          </a:fontRef>
+        </p:style>
+      </p:cxnSp>
+      <p:pic>
+        <p:nvPicPr>
+          <p:cNvPr id="20" name="Рисунок 19">
+            <a:extLst>
+              <a:ext uri="{FF2B5EF4-FFF2-40B4-BE49-F238E27FC236}">
+                <a16:creationId xmlns:a16="http://schemas.microsoft.com/office/drawing/2014/main" id="{F4E8E0DB-E39E-43A1-B9EB-1690476BB92C}"/>
+              </a:ext>
+            </a:extLst>
+          </p:cNvPr>
+          <p:cNvPicPr>
+            <a:picLocks noChangeAspect="1"/>
+          </p:cNvPicPr>
+          <p:nvPr/>
+        </p:nvPicPr>
+        <p:blipFill>
+          <a:blip r:embed="rId4">
+            <a:extLst>
+              <a:ext uri="{28A0092B-C50C-407E-A947-70E740481C1C}">
+                <a14:useLocalDpi xmlns:a14="http://schemas.microsoft.com/office/drawing/2010/main" val="0"/>
+              </a:ext>
+            </a:extLst>
+          </a:blip>
+          <a:stretch>
+            <a:fillRect/>
+          </a:stretch>
+        </p:blipFill>
+        <p:spPr>
+          <a:xfrm>
+            <a:off x="3165270" y="3960861"/>
+            <a:ext cx="2262405" cy="2262405"/>
+          </a:xfrm>
+          <a:prstGeom prst="rect">
+            <a:avLst/>
+          </a:prstGeom>
+        </p:spPr>
+      </p:pic>
+      <p:pic>
+        <p:nvPicPr>
+          <p:cNvPr id="22" name="Рисунок 21">
+            <a:extLst>
+              <a:ext uri="{FF2B5EF4-FFF2-40B4-BE49-F238E27FC236}">
+                <a16:creationId xmlns:a16="http://schemas.microsoft.com/office/drawing/2014/main" id="{346A49AF-8E47-4977-807E-A6893F5996CE}"/>
+              </a:ext>
+            </a:extLst>
+          </p:cNvPr>
+          <p:cNvPicPr>
+            <a:picLocks noChangeAspect="1"/>
+          </p:cNvPicPr>
+          <p:nvPr/>
+        </p:nvPicPr>
+        <p:blipFill>
+          <a:blip r:embed="rId5">
+            <a:extLst>
+              <a:ext uri="{28A0092B-C50C-407E-A947-70E740481C1C}">
+                <a14:useLocalDpi xmlns:a14="http://schemas.microsoft.com/office/drawing/2010/main" val="0"/>
+              </a:ext>
+            </a:extLst>
+          </a:blip>
+          <a:stretch>
+            <a:fillRect/>
+          </a:stretch>
+        </p:blipFill>
+        <p:spPr>
+          <a:xfrm>
+            <a:off x="6764325" y="3953215"/>
+            <a:ext cx="2262404" cy="2262404"/>
+          </a:xfrm>
+          <a:prstGeom prst="rect">
+            <a:avLst/>
+          </a:prstGeom>
+        </p:spPr>
+      </p:pic>
+      <p:cxnSp>
+        <p:nvCxnSpPr>
+          <p:cNvPr id="23" name="Прямая со стрелкой 22">
+            <a:extLst>
+              <a:ext uri="{FF2B5EF4-FFF2-40B4-BE49-F238E27FC236}">
+                <a16:creationId xmlns:a16="http://schemas.microsoft.com/office/drawing/2014/main" id="{6F0BDA85-3B43-4867-B7E1-6E2B9110E4D5}"/>
+              </a:ext>
+            </a:extLst>
+          </p:cNvPr>
+          <p:cNvCxnSpPr/>
+          <p:nvPr/>
+        </p:nvCxnSpPr>
+        <p:spPr>
+          <a:xfrm>
+            <a:off x="5427675" y="5143063"/>
+            <a:ext cx="1336648" cy="0"/>
+          </a:xfrm>
+          <a:prstGeom prst="straightConnector1">
+            <a:avLst/>
+          </a:prstGeom>
+          <a:ln>
+            <a:tailEnd type="triangle"/>
+          </a:ln>
+        </p:spPr>
+        <p:style>
+          <a:lnRef idx="1">
+            <a:schemeClr val="accent1"/>
+          </a:lnRef>
+          <a:fillRef idx="0">
+            <a:schemeClr val="accent1"/>
+          </a:fillRef>
+          <a:effectRef idx="0">
+            <a:schemeClr val="accent1"/>
+          </a:effectRef>
+          <a:fontRef idx="minor">
+            <a:schemeClr val="tx1"/>
+          </a:fontRef>
+        </p:style>
+      </p:cxnSp>
     </p:spTree>
     <p:extLst>
       <p:ext uri="{BB962C8B-B14F-4D97-AF65-F5344CB8AC3E}">
@@ -6383,8 +3854,8 @@
         </p:nvSpPr>
         <p:spPr>
           <a:xfrm>
-            <a:off x="0" y="136579"/>
-            <a:ext cx="12191999" cy="369332"/>
+            <a:off x="0" y="278340"/>
+            <a:ext cx="12192000" cy="369332"/>
           </a:xfrm>
           <a:prstGeom prst="rect">
             <a:avLst/>
@@ -6400,148 +3871,1061 @@
             <a:pPr algn="ctr"/>
             <a:r>
               <a:rPr lang="ru-RU" dirty="0"/>
-              <a:t>Структура классов</a:t>
-            </a:r>
-          </a:p>
-        </p:txBody>
-      </p:sp>
-      <p:sp>
-        <p:nvSpPr>
-          <p:cNvPr id="2" name="TextBox 1"/>
-          <p:cNvSpPr txBox="1"/>
-          <p:nvPr/>
-        </p:nvSpPr>
-        <p:spPr>
-          <a:xfrm>
-            <a:off x="620785" y="998290"/>
-            <a:ext cx="4563611" cy="646331"/>
+              <a:t>Предобработка изображений библиотекой </a:t>
+            </a:r>
+            <a:r>
+              <a:rPr lang="en-US" dirty="0" err="1"/>
+              <a:t>BarPy</a:t>
+            </a:r>
+            <a:endParaRPr lang="ru-RU" dirty="0"/>
+          </a:p>
+        </p:txBody>
+      </p:sp>
+      <p:sp>
+        <p:nvSpPr>
+          <p:cNvPr id="2" name="Прямоугольник 1">
+            <a:extLst>
+              <a:ext uri="{FF2B5EF4-FFF2-40B4-BE49-F238E27FC236}">
+                <a16:creationId xmlns:a16="http://schemas.microsoft.com/office/drawing/2014/main" id="{A66F6C03-D191-42D9-A3FD-B4C58F7D6C51}"/>
+              </a:ext>
+            </a:extLst>
+          </p:cNvPr>
+          <p:cNvSpPr/>
+          <p:nvPr/>
+        </p:nvSpPr>
+        <p:spPr>
+          <a:xfrm>
+            <a:off x="2662106" y="1358492"/>
+            <a:ext cx="7757020" cy="4524315"/>
           </a:xfrm>
           <a:prstGeom prst="rect">
             <a:avLst/>
           </a:prstGeom>
-          <a:noFill/>
-        </p:spPr>
-        <p:txBody>
-          <a:bodyPr wrap="square" rtlCol="0">
+        </p:spPr>
+        <p:txBody>
+          <a:bodyPr wrap="square">
             <a:spAutoFit/>
           </a:bodyPr>
           <a:lstStyle/>
           <a:p>
             <a:r>
-              <a:rPr lang="ru-RU" dirty="0"/>
-              <a:t>Класс </a:t>
-            </a:r>
-            <a:r>
-              <a:rPr lang="en-US" dirty="0"/>
-              <a:t>Device </a:t>
-            </a:r>
-            <a:r>
-              <a:rPr lang="ru-RU" dirty="0"/>
-              <a:t>– хранит информацию об устройстве.</a:t>
-            </a:r>
-          </a:p>
-        </p:txBody>
-      </p:sp>
-      <p:sp>
-        <p:nvSpPr>
-          <p:cNvPr id="6" name="Прямоугольник 5"/>
-          <p:cNvSpPr/>
-          <p:nvPr/>
-        </p:nvSpPr>
-        <p:spPr>
-          <a:xfrm>
-            <a:off x="6890157" y="2107058"/>
-            <a:ext cx="6096000" cy="2308324"/>
-          </a:xfrm>
-          <a:prstGeom prst="rect">
-            <a:avLst/>
-          </a:prstGeom>
-        </p:spPr>
-        <p:txBody>
-          <a:bodyPr>
-            <a:spAutoFit/>
-          </a:bodyPr>
-          <a:lstStyle/>
-          <a:p>
-            <a:r>
-              <a:rPr lang="en-US" dirty="0" err="1"/>
-              <a:t>self.queue</a:t>
-            </a:r>
-            <a:r>
-              <a:rPr lang="en-US" dirty="0"/>
-              <a:t> = []</a:t>
-            </a:r>
-          </a:p>
-          <a:p>
-            <a:r>
-              <a:rPr lang="en-US" dirty="0" err="1"/>
-              <a:t>self.sort_key</a:t>
-            </a:r>
-            <a:r>
-              <a:rPr lang="en-US" dirty="0"/>
-              <a:t> = </a:t>
-            </a:r>
-            <a:r>
-              <a:rPr lang="en-US" dirty="0" err="1"/>
-              <a:t>sort_key</a:t>
-            </a:r>
-            <a:endParaRPr lang="en-US" dirty="0"/>
-          </a:p>
-          <a:p>
-            <a:r>
-              <a:rPr lang="en-US" dirty="0" err="1"/>
-              <a:t>self.rev</a:t>
-            </a:r>
-            <a:r>
-              <a:rPr lang="en-US" dirty="0"/>
-              <a:t> = rev</a:t>
-            </a:r>
-          </a:p>
-          <a:p>
-            <a:r>
-              <a:rPr lang="en-US" dirty="0"/>
-              <a:t>self.name = name</a:t>
-            </a:r>
-          </a:p>
-          <a:p>
-            <a:r>
-              <a:rPr lang="en-US" dirty="0" err="1"/>
-              <a:t>self.busy</a:t>
-            </a:r>
-            <a:r>
-              <a:rPr lang="en-US" dirty="0"/>
-              <a:t> = False</a:t>
-            </a:r>
-          </a:p>
-          <a:p>
-            <a:r>
-              <a:rPr lang="en-US" dirty="0" err="1"/>
-              <a:t>self.busy_time</a:t>
-            </a:r>
-            <a:r>
-              <a:rPr lang="en-US" dirty="0"/>
-              <a:t> = 0</a:t>
-            </a:r>
-          </a:p>
-          <a:p>
-            <a:r>
-              <a:rPr lang="en-US" dirty="0"/>
-              <a:t>self.count_of_20_trucks = 0</a:t>
-            </a:r>
-          </a:p>
-          <a:p>
-            <a:r>
-              <a:rPr lang="en-US" dirty="0"/>
-              <a:t>self.count_of_50_trucks = 0</a:t>
-            </a:r>
-            <a:endParaRPr lang="ru-RU" dirty="0"/>
+              <a:rPr lang="en-US" dirty="0">
+                <a:solidFill>
+                  <a:srgbClr val="D4D4D4"/>
+                </a:solidFill>
+                <a:highlight>
+                  <a:srgbClr val="000000"/>
+                </a:highlight>
+                <a:latin typeface="Consolas" panose="020B0609020204030204" pitchFamily="49" charset="0"/>
+              </a:rPr>
+              <a:t>image = cv2.imread(</a:t>
+            </a:r>
+            <a:r>
+              <a:rPr lang="en-US" dirty="0" err="1">
+                <a:solidFill>
+                  <a:srgbClr val="D4D4D4"/>
+                </a:solidFill>
+                <a:highlight>
+                  <a:srgbClr val="000000"/>
+                </a:highlight>
+                <a:latin typeface="Consolas" panose="020B0609020204030204" pitchFamily="49" charset="0"/>
+              </a:rPr>
+              <a:t>filepath</a:t>
+            </a:r>
+            <a:r>
+              <a:rPr lang="en-US" dirty="0">
+                <a:solidFill>
+                  <a:srgbClr val="D4D4D4"/>
+                </a:solidFill>
+                <a:highlight>
+                  <a:srgbClr val="000000"/>
+                </a:highlight>
+                <a:latin typeface="Consolas" panose="020B0609020204030204" pitchFamily="49" charset="0"/>
+              </a:rPr>
+              <a:t> + </a:t>
+            </a:r>
+            <a:r>
+              <a:rPr lang="en-US" dirty="0">
+                <a:solidFill>
+                  <a:srgbClr val="CE9178"/>
+                </a:solidFill>
+                <a:highlight>
+                  <a:srgbClr val="000000"/>
+                </a:highlight>
+                <a:latin typeface="Consolas" panose="020B0609020204030204" pitchFamily="49" charset="0"/>
+              </a:rPr>
+              <a:t>"/"</a:t>
+            </a:r>
+            <a:r>
+              <a:rPr lang="en-US" dirty="0">
+                <a:solidFill>
+                  <a:srgbClr val="D4D4D4"/>
+                </a:solidFill>
+                <a:highlight>
+                  <a:srgbClr val="000000"/>
+                </a:highlight>
+                <a:latin typeface="Consolas" panose="020B0609020204030204" pitchFamily="49" charset="0"/>
+              </a:rPr>
+              <a:t> + </a:t>
+            </a:r>
+            <a:r>
+              <a:rPr lang="en-US" dirty="0" err="1">
+                <a:solidFill>
+                  <a:srgbClr val="D4D4D4"/>
+                </a:solidFill>
+                <a:highlight>
+                  <a:srgbClr val="000000"/>
+                </a:highlight>
+                <a:latin typeface="Consolas" panose="020B0609020204030204" pitchFamily="49" charset="0"/>
+              </a:rPr>
+              <a:t>imagename</a:t>
+            </a:r>
+            <a:r>
+              <a:rPr lang="en-US" dirty="0">
+                <a:solidFill>
+                  <a:srgbClr val="D4D4D4"/>
+                </a:solidFill>
+                <a:highlight>
+                  <a:srgbClr val="000000"/>
+                </a:highlight>
+                <a:latin typeface="Consolas" panose="020B0609020204030204" pitchFamily="49" charset="0"/>
+              </a:rPr>
+              <a:t>, </a:t>
+            </a:r>
+            <a:r>
+              <a:rPr lang="en-US" dirty="0">
+                <a:solidFill>
+                  <a:srgbClr val="B5CEA8"/>
+                </a:solidFill>
+                <a:highlight>
+                  <a:srgbClr val="000000"/>
+                </a:highlight>
+                <a:latin typeface="Consolas" panose="020B0609020204030204" pitchFamily="49" charset="0"/>
+              </a:rPr>
+              <a:t>0</a:t>
+            </a:r>
+            <a:r>
+              <a:rPr lang="en-US" dirty="0">
+                <a:solidFill>
+                  <a:srgbClr val="D4D4D4"/>
+                </a:solidFill>
+                <a:highlight>
+                  <a:srgbClr val="000000"/>
+                </a:highlight>
+                <a:latin typeface="Consolas" panose="020B0609020204030204" pitchFamily="49" charset="0"/>
+              </a:rPr>
+              <a:t>)</a:t>
+            </a:r>
+          </a:p>
+          <a:p>
+            <a:r>
+              <a:rPr lang="en-US" dirty="0">
+                <a:solidFill>
+                  <a:srgbClr val="D4D4D4"/>
+                </a:solidFill>
+                <a:highlight>
+                  <a:srgbClr val="000000"/>
+                </a:highlight>
+                <a:latin typeface="Consolas" panose="020B0609020204030204" pitchFamily="49" charset="0"/>
+              </a:rPr>
+              <a:t>    cv2.imshow(</a:t>
+            </a:r>
+            <a:r>
+              <a:rPr lang="en-US" dirty="0">
+                <a:solidFill>
+                  <a:srgbClr val="CE9178"/>
+                </a:solidFill>
+                <a:highlight>
+                  <a:srgbClr val="000000"/>
+                </a:highlight>
+                <a:latin typeface="Consolas" panose="020B0609020204030204" pitchFamily="49" charset="0"/>
+              </a:rPr>
+              <a:t>'Image'</a:t>
+            </a:r>
+            <a:r>
+              <a:rPr lang="en-US" dirty="0">
+                <a:solidFill>
+                  <a:srgbClr val="D4D4D4"/>
+                </a:solidFill>
+                <a:highlight>
+                  <a:srgbClr val="000000"/>
+                </a:highlight>
+                <a:latin typeface="Consolas" panose="020B0609020204030204" pitchFamily="49" charset="0"/>
+              </a:rPr>
+              <a:t>, image)</a:t>
+            </a:r>
+          </a:p>
+          <a:p>
+            <a:r>
+              <a:rPr lang="en-US" dirty="0">
+                <a:solidFill>
+                  <a:srgbClr val="D4D4D4"/>
+                </a:solidFill>
+                <a:highlight>
+                  <a:srgbClr val="000000"/>
+                </a:highlight>
+                <a:latin typeface="Consolas" panose="020B0609020204030204" pitchFamily="49" charset="0"/>
+              </a:rPr>
+              <a:t>    container = </a:t>
+            </a:r>
+            <a:r>
+              <a:rPr lang="en-US" dirty="0" err="1">
+                <a:solidFill>
+                  <a:srgbClr val="D4D4D4"/>
+                </a:solidFill>
+                <a:highlight>
+                  <a:srgbClr val="000000"/>
+                </a:highlight>
+                <a:latin typeface="Consolas" panose="020B0609020204030204" pitchFamily="49" charset="0"/>
+              </a:rPr>
+              <a:t>barcodeFactory.createBarcode</a:t>
+            </a:r>
+            <a:r>
+              <a:rPr lang="en-US" dirty="0">
+                <a:solidFill>
+                  <a:srgbClr val="D4D4D4"/>
+                </a:solidFill>
+                <a:highlight>
+                  <a:srgbClr val="000000"/>
+                </a:highlight>
+                <a:latin typeface="Consolas" panose="020B0609020204030204" pitchFamily="49" charset="0"/>
+              </a:rPr>
+              <a:t>(image, struct)</a:t>
+            </a:r>
+          </a:p>
+          <a:p>
+            <a:r>
+              <a:rPr lang="en-US" dirty="0">
+                <a:solidFill>
+                  <a:srgbClr val="D4D4D4"/>
+                </a:solidFill>
+                <a:highlight>
+                  <a:srgbClr val="000000"/>
+                </a:highlight>
+                <a:latin typeface="Consolas" panose="020B0609020204030204" pitchFamily="49" charset="0"/>
+              </a:rPr>
+              <a:t>   </a:t>
+            </a:r>
+          </a:p>
+          <a:p>
+            <a:r>
+              <a:rPr lang="ru-RU" dirty="0">
+                <a:solidFill>
+                  <a:srgbClr val="D4D4D4"/>
+                </a:solidFill>
+                <a:highlight>
+                  <a:srgbClr val="000000"/>
+                </a:highlight>
+                <a:latin typeface="Consolas" panose="020B0609020204030204" pitchFamily="49" charset="0"/>
+              </a:rPr>
+              <a:t>    </a:t>
+            </a:r>
+            <a:r>
+              <a:rPr lang="en-US" dirty="0">
+                <a:solidFill>
+                  <a:srgbClr val="D4D4D4"/>
+                </a:solidFill>
+                <a:highlight>
+                  <a:srgbClr val="000000"/>
+                </a:highlight>
+                <a:latin typeface="Consolas" panose="020B0609020204030204" pitchFamily="49" charset="0"/>
+              </a:rPr>
+              <a:t>item = </a:t>
+            </a:r>
+            <a:r>
+              <a:rPr lang="en-US" dirty="0" err="1">
+                <a:solidFill>
+                  <a:srgbClr val="D4D4D4"/>
+                </a:solidFill>
+                <a:highlight>
+                  <a:srgbClr val="000000"/>
+                </a:highlight>
+                <a:latin typeface="Consolas" panose="020B0609020204030204" pitchFamily="49" charset="0"/>
+              </a:rPr>
+              <a:t>container.get</a:t>
+            </a:r>
+            <a:r>
+              <a:rPr lang="en-US" dirty="0">
+                <a:solidFill>
+                  <a:srgbClr val="D4D4D4"/>
+                </a:solidFill>
+                <a:highlight>
+                  <a:srgbClr val="000000"/>
+                </a:highlight>
+                <a:latin typeface="Consolas" panose="020B0609020204030204" pitchFamily="49" charset="0"/>
+              </a:rPr>
+              <a:t>(</a:t>
+            </a:r>
+            <a:r>
+              <a:rPr lang="en-US" dirty="0">
+                <a:solidFill>
+                  <a:srgbClr val="B5CEA8"/>
+                </a:solidFill>
+                <a:highlight>
+                  <a:srgbClr val="000000"/>
+                </a:highlight>
+                <a:latin typeface="Consolas" panose="020B0609020204030204" pitchFamily="49" charset="0"/>
+              </a:rPr>
+              <a:t>0</a:t>
+            </a:r>
+            <a:r>
+              <a:rPr lang="en-US" dirty="0">
+                <a:solidFill>
+                  <a:srgbClr val="D4D4D4"/>
+                </a:solidFill>
+                <a:highlight>
+                  <a:srgbClr val="000000"/>
+                </a:highlight>
+                <a:latin typeface="Consolas" panose="020B0609020204030204" pitchFamily="49" charset="0"/>
+              </a:rPr>
+              <a:t>)</a:t>
+            </a:r>
+          </a:p>
+          <a:p>
+            <a:r>
+              <a:rPr lang="en-US" dirty="0">
+                <a:solidFill>
+                  <a:srgbClr val="D4D4D4"/>
+                </a:solidFill>
+                <a:highlight>
+                  <a:srgbClr val="000000"/>
+                </a:highlight>
+                <a:latin typeface="Consolas" panose="020B0609020204030204" pitchFamily="49" charset="0"/>
+              </a:rPr>
+              <a:t>    bar = </a:t>
+            </a:r>
+            <a:r>
+              <a:rPr lang="en-US" dirty="0" err="1">
+                <a:solidFill>
+                  <a:srgbClr val="D4D4D4"/>
+                </a:solidFill>
+                <a:highlight>
+                  <a:srgbClr val="000000"/>
+                </a:highlight>
+                <a:latin typeface="Consolas" panose="020B0609020204030204" pitchFamily="49" charset="0"/>
+              </a:rPr>
+              <a:t>item.getBar</a:t>
+            </a:r>
+            <a:r>
+              <a:rPr lang="en-US" dirty="0">
+                <a:solidFill>
+                  <a:srgbClr val="D4D4D4"/>
+                </a:solidFill>
+                <a:highlight>
+                  <a:srgbClr val="000000"/>
+                </a:highlight>
+                <a:latin typeface="Consolas" panose="020B0609020204030204" pitchFamily="49" charset="0"/>
+              </a:rPr>
+              <a:t>()</a:t>
+            </a:r>
+          </a:p>
+          <a:p>
+            <a:br>
+              <a:rPr lang="en-US" dirty="0">
+                <a:solidFill>
+                  <a:srgbClr val="D4D4D4"/>
+                </a:solidFill>
+                <a:highlight>
+                  <a:srgbClr val="000000"/>
+                </a:highlight>
+                <a:latin typeface="Consolas" panose="020B0609020204030204" pitchFamily="49" charset="0"/>
+              </a:rPr>
+            </a:br>
+            <a:r>
+              <a:rPr lang="en-US" dirty="0">
+                <a:solidFill>
+                  <a:srgbClr val="D4D4D4"/>
+                </a:solidFill>
+                <a:highlight>
+                  <a:srgbClr val="000000"/>
+                </a:highlight>
+                <a:latin typeface="Consolas" panose="020B0609020204030204" pitchFamily="49" charset="0"/>
+              </a:rPr>
+              <a:t>    </a:t>
+            </a:r>
+            <a:r>
+              <a:rPr lang="en-US" dirty="0" err="1">
+                <a:solidFill>
+                  <a:srgbClr val="D4D4D4"/>
+                </a:solidFill>
+                <a:highlight>
+                  <a:srgbClr val="000000"/>
+                </a:highlight>
+                <a:latin typeface="Consolas" panose="020B0609020204030204" pitchFamily="49" charset="0"/>
+              </a:rPr>
+              <a:t>bar.sort</a:t>
+            </a:r>
+            <a:r>
+              <a:rPr lang="en-US" dirty="0">
+                <a:solidFill>
+                  <a:srgbClr val="D4D4D4"/>
+                </a:solidFill>
+                <a:highlight>
+                  <a:srgbClr val="000000"/>
+                </a:highlight>
+                <a:latin typeface="Consolas" panose="020B0609020204030204" pitchFamily="49" charset="0"/>
+              </a:rPr>
+              <a:t>(</a:t>
+            </a:r>
+            <a:r>
+              <a:rPr lang="en-US" dirty="0">
+                <a:solidFill>
+                  <a:srgbClr val="9CDCFE"/>
+                </a:solidFill>
+                <a:highlight>
+                  <a:srgbClr val="000000"/>
+                </a:highlight>
+                <a:latin typeface="Consolas" panose="020B0609020204030204" pitchFamily="49" charset="0"/>
+              </a:rPr>
+              <a:t>key</a:t>
+            </a:r>
+            <a:r>
+              <a:rPr lang="en-US" dirty="0">
+                <a:solidFill>
+                  <a:srgbClr val="D4D4D4"/>
+                </a:solidFill>
+                <a:highlight>
+                  <a:srgbClr val="000000"/>
+                </a:highlight>
+                <a:latin typeface="Consolas" panose="020B0609020204030204" pitchFamily="49" charset="0"/>
+              </a:rPr>
+              <a:t>=</a:t>
+            </a:r>
+            <a:r>
+              <a:rPr lang="en-US" dirty="0">
+                <a:solidFill>
+                  <a:srgbClr val="569CD6"/>
+                </a:solidFill>
+                <a:highlight>
+                  <a:srgbClr val="000000"/>
+                </a:highlight>
+                <a:latin typeface="Consolas" panose="020B0609020204030204" pitchFamily="49" charset="0"/>
+              </a:rPr>
+              <a:t>lambda</a:t>
+            </a:r>
+            <a:r>
+              <a:rPr lang="en-US" dirty="0">
+                <a:solidFill>
+                  <a:srgbClr val="D4D4D4"/>
+                </a:solidFill>
+                <a:highlight>
+                  <a:srgbClr val="000000"/>
+                </a:highlight>
+                <a:latin typeface="Consolas" panose="020B0609020204030204" pitchFamily="49" charset="0"/>
+              </a:rPr>
+              <a:t> </a:t>
+            </a:r>
+            <a:r>
+              <a:rPr lang="en-US" dirty="0">
+                <a:solidFill>
+                  <a:srgbClr val="9CDCFE"/>
+                </a:solidFill>
+                <a:highlight>
+                  <a:srgbClr val="000000"/>
+                </a:highlight>
+                <a:latin typeface="Consolas" panose="020B0609020204030204" pitchFamily="49" charset="0"/>
+              </a:rPr>
+              <a:t>x</a:t>
+            </a:r>
+            <a:r>
+              <a:rPr lang="en-US" dirty="0">
+                <a:solidFill>
+                  <a:srgbClr val="D4D4D4"/>
+                </a:solidFill>
+                <a:highlight>
+                  <a:srgbClr val="000000"/>
+                </a:highlight>
+                <a:latin typeface="Consolas" panose="020B0609020204030204" pitchFamily="49" charset="0"/>
+              </a:rPr>
+              <a:t> : </a:t>
+            </a:r>
+            <a:r>
+              <a:rPr lang="en-US" dirty="0" err="1">
+                <a:solidFill>
+                  <a:srgbClr val="D4D4D4"/>
+                </a:solidFill>
+                <a:highlight>
+                  <a:srgbClr val="000000"/>
+                </a:highlight>
+                <a:latin typeface="Consolas" panose="020B0609020204030204" pitchFamily="49" charset="0"/>
+              </a:rPr>
+              <a:t>x.len</a:t>
+            </a:r>
+            <a:r>
+              <a:rPr lang="en-US" dirty="0">
+                <a:solidFill>
+                  <a:srgbClr val="D4D4D4"/>
+                </a:solidFill>
+                <a:highlight>
+                  <a:srgbClr val="000000"/>
+                </a:highlight>
+                <a:latin typeface="Consolas" panose="020B0609020204030204" pitchFamily="49" charset="0"/>
+              </a:rPr>
+              <a:t>, </a:t>
+            </a:r>
+            <a:r>
+              <a:rPr lang="en-US" dirty="0">
+                <a:solidFill>
+                  <a:srgbClr val="9CDCFE"/>
+                </a:solidFill>
+                <a:highlight>
+                  <a:srgbClr val="000000"/>
+                </a:highlight>
+                <a:latin typeface="Consolas" panose="020B0609020204030204" pitchFamily="49" charset="0"/>
+              </a:rPr>
+              <a:t>reverse</a:t>
+            </a:r>
+            <a:r>
+              <a:rPr lang="en-US" dirty="0">
+                <a:solidFill>
+                  <a:srgbClr val="D4D4D4"/>
+                </a:solidFill>
+                <a:highlight>
+                  <a:srgbClr val="000000"/>
+                </a:highlight>
+                <a:latin typeface="Consolas" panose="020B0609020204030204" pitchFamily="49" charset="0"/>
+              </a:rPr>
+              <a:t>=</a:t>
+            </a:r>
+            <a:r>
+              <a:rPr lang="en-US" dirty="0">
+                <a:solidFill>
+                  <a:srgbClr val="569CD6"/>
+                </a:solidFill>
+                <a:highlight>
+                  <a:srgbClr val="000000"/>
+                </a:highlight>
+                <a:latin typeface="Consolas" panose="020B0609020204030204" pitchFamily="49" charset="0"/>
+              </a:rPr>
+              <a:t>True</a:t>
+            </a:r>
+            <a:r>
+              <a:rPr lang="en-US" dirty="0">
+                <a:solidFill>
+                  <a:srgbClr val="D4D4D4"/>
+                </a:solidFill>
+                <a:highlight>
+                  <a:srgbClr val="000000"/>
+                </a:highlight>
+                <a:latin typeface="Consolas" panose="020B0609020204030204" pitchFamily="49" charset="0"/>
+              </a:rPr>
+              <a:t>)</a:t>
+            </a:r>
+          </a:p>
+          <a:p>
+            <a:br>
+              <a:rPr lang="ru-RU" dirty="0">
+                <a:solidFill>
+                  <a:srgbClr val="D4D4D4"/>
+                </a:solidFill>
+                <a:highlight>
+                  <a:srgbClr val="000000"/>
+                </a:highlight>
+                <a:latin typeface="Consolas" panose="020B0609020204030204" pitchFamily="49" charset="0"/>
+              </a:rPr>
+            </a:br>
+            <a:r>
+              <a:rPr lang="ru-RU" dirty="0">
+                <a:solidFill>
+                  <a:srgbClr val="D4D4D4"/>
+                </a:solidFill>
+                <a:highlight>
+                  <a:srgbClr val="000000"/>
+                </a:highlight>
+                <a:latin typeface="Consolas" panose="020B0609020204030204" pitchFamily="49" charset="0"/>
+              </a:rPr>
+              <a:t>    </a:t>
+            </a:r>
+            <a:r>
+              <a:rPr lang="en-US" dirty="0" err="1">
+                <a:solidFill>
+                  <a:srgbClr val="D4D4D4"/>
+                </a:solidFill>
+                <a:highlight>
+                  <a:srgbClr val="000000"/>
+                </a:highlight>
+                <a:latin typeface="Consolas" panose="020B0609020204030204" pitchFamily="49" charset="0"/>
+              </a:rPr>
+              <a:t>binmap</a:t>
+            </a:r>
+            <a:r>
+              <a:rPr lang="en-US" dirty="0">
+                <a:solidFill>
+                  <a:srgbClr val="D4D4D4"/>
+                </a:solidFill>
+                <a:highlight>
+                  <a:srgbClr val="000000"/>
+                </a:highlight>
+                <a:latin typeface="Consolas" panose="020B0609020204030204" pitchFamily="49" charset="0"/>
+              </a:rPr>
+              <a:t> = </a:t>
+            </a:r>
+            <a:r>
+              <a:rPr lang="en-US" dirty="0" err="1">
+                <a:solidFill>
+                  <a:srgbClr val="D4D4D4"/>
+                </a:solidFill>
+                <a:highlight>
+                  <a:srgbClr val="000000"/>
+                </a:highlight>
+                <a:latin typeface="Consolas" panose="020B0609020204030204" pitchFamily="49" charset="0"/>
+              </a:rPr>
+              <a:t>np.zeros_like</a:t>
+            </a:r>
+            <a:r>
+              <a:rPr lang="en-US" dirty="0">
+                <a:solidFill>
+                  <a:srgbClr val="D4D4D4"/>
+                </a:solidFill>
+                <a:highlight>
+                  <a:srgbClr val="000000"/>
+                </a:highlight>
+                <a:latin typeface="Consolas" panose="020B0609020204030204" pitchFamily="49" charset="0"/>
+              </a:rPr>
+              <a:t>(image)</a:t>
+            </a:r>
+          </a:p>
+          <a:p>
+            <a:r>
+              <a:rPr lang="en-US" dirty="0">
+                <a:solidFill>
+                  <a:srgbClr val="D4D4D4"/>
+                </a:solidFill>
+                <a:highlight>
+                  <a:srgbClr val="000000"/>
+                </a:highlight>
+                <a:latin typeface="Consolas" panose="020B0609020204030204" pitchFamily="49" charset="0"/>
+              </a:rPr>
+              <a:t>    </a:t>
+            </a:r>
+            <a:r>
+              <a:rPr lang="en-US" dirty="0" err="1">
+                <a:solidFill>
+                  <a:srgbClr val="D4D4D4"/>
+                </a:solidFill>
+                <a:highlight>
+                  <a:srgbClr val="000000"/>
+                </a:highlight>
+                <a:latin typeface="Consolas" panose="020B0609020204030204" pitchFamily="49" charset="0"/>
+              </a:rPr>
+              <a:t>keyvals</a:t>
+            </a:r>
+            <a:r>
+              <a:rPr lang="en-US" dirty="0">
+                <a:solidFill>
+                  <a:srgbClr val="D4D4D4"/>
+                </a:solidFill>
+                <a:highlight>
+                  <a:srgbClr val="000000"/>
+                </a:highlight>
+                <a:latin typeface="Consolas" panose="020B0609020204030204" pitchFamily="49" charset="0"/>
+              </a:rPr>
+              <a:t> = bar[</a:t>
+            </a:r>
+            <a:r>
+              <a:rPr lang="en-US" dirty="0">
+                <a:solidFill>
+                  <a:srgbClr val="B5CEA8"/>
+                </a:solidFill>
+                <a:highlight>
+                  <a:srgbClr val="000000"/>
+                </a:highlight>
+                <a:latin typeface="Consolas" panose="020B0609020204030204" pitchFamily="49" charset="0"/>
+              </a:rPr>
+              <a:t>0</a:t>
+            </a:r>
+            <a:r>
+              <a:rPr lang="en-US" dirty="0">
+                <a:solidFill>
+                  <a:srgbClr val="D4D4D4"/>
+                </a:solidFill>
+                <a:highlight>
+                  <a:srgbClr val="000000"/>
+                </a:highlight>
+                <a:latin typeface="Consolas" panose="020B0609020204030204" pitchFamily="49" charset="0"/>
+              </a:rPr>
+              <a:t>].</a:t>
+            </a:r>
+            <a:r>
+              <a:rPr lang="en-US" dirty="0" err="1">
+                <a:solidFill>
+                  <a:srgbClr val="D4D4D4"/>
+                </a:solidFill>
+                <a:highlight>
+                  <a:srgbClr val="000000"/>
+                </a:highlight>
+                <a:latin typeface="Consolas" panose="020B0609020204030204" pitchFamily="49" charset="0"/>
+              </a:rPr>
+              <a:t>getPoints</a:t>
+            </a:r>
+            <a:r>
+              <a:rPr lang="en-US" dirty="0">
+                <a:solidFill>
+                  <a:srgbClr val="D4D4D4"/>
+                </a:solidFill>
+                <a:highlight>
+                  <a:srgbClr val="000000"/>
+                </a:highlight>
+                <a:latin typeface="Consolas" panose="020B0609020204030204" pitchFamily="49" charset="0"/>
+              </a:rPr>
+              <a:t>().items()</a:t>
+            </a:r>
+          </a:p>
+          <a:p>
+            <a:r>
+              <a:rPr lang="en-US" dirty="0">
+                <a:solidFill>
+                  <a:srgbClr val="D4D4D4"/>
+                </a:solidFill>
+                <a:highlight>
+                  <a:srgbClr val="000000"/>
+                </a:highlight>
+                <a:latin typeface="Consolas" panose="020B0609020204030204" pitchFamily="49" charset="0"/>
+              </a:rPr>
+              <a:t>    </a:t>
+            </a:r>
+            <a:r>
+              <a:rPr lang="en-US" dirty="0">
+                <a:solidFill>
+                  <a:srgbClr val="C586C0"/>
+                </a:solidFill>
+                <a:highlight>
+                  <a:srgbClr val="000000"/>
+                </a:highlight>
+                <a:latin typeface="Consolas" panose="020B0609020204030204" pitchFamily="49" charset="0"/>
+              </a:rPr>
+              <a:t>for</a:t>
+            </a:r>
+            <a:r>
+              <a:rPr lang="en-US" dirty="0">
+                <a:solidFill>
+                  <a:srgbClr val="D4D4D4"/>
+                </a:solidFill>
+                <a:highlight>
+                  <a:srgbClr val="000000"/>
+                </a:highlight>
+                <a:latin typeface="Consolas" panose="020B0609020204030204" pitchFamily="49" charset="0"/>
+              </a:rPr>
+              <a:t> p </a:t>
+            </a:r>
+            <a:r>
+              <a:rPr lang="en-US" dirty="0">
+                <a:solidFill>
+                  <a:srgbClr val="C586C0"/>
+                </a:solidFill>
+                <a:highlight>
+                  <a:srgbClr val="000000"/>
+                </a:highlight>
+                <a:latin typeface="Consolas" panose="020B0609020204030204" pitchFamily="49" charset="0"/>
+              </a:rPr>
+              <a:t>in</a:t>
+            </a:r>
+            <a:r>
+              <a:rPr lang="en-US" dirty="0">
+                <a:solidFill>
+                  <a:srgbClr val="D4D4D4"/>
+                </a:solidFill>
+                <a:highlight>
+                  <a:srgbClr val="000000"/>
+                </a:highlight>
+                <a:latin typeface="Consolas" panose="020B0609020204030204" pitchFamily="49" charset="0"/>
+              </a:rPr>
+              <a:t> </a:t>
+            </a:r>
+            <a:r>
+              <a:rPr lang="en-US" dirty="0" err="1">
+                <a:solidFill>
+                  <a:srgbClr val="D4D4D4"/>
+                </a:solidFill>
+                <a:highlight>
+                  <a:srgbClr val="000000"/>
+                </a:highlight>
+                <a:latin typeface="Consolas" panose="020B0609020204030204" pitchFamily="49" charset="0"/>
+              </a:rPr>
+              <a:t>keyvals</a:t>
+            </a:r>
+            <a:r>
+              <a:rPr lang="en-US" dirty="0">
+                <a:solidFill>
+                  <a:srgbClr val="D4D4D4"/>
+                </a:solidFill>
+                <a:highlight>
+                  <a:srgbClr val="000000"/>
+                </a:highlight>
+                <a:latin typeface="Consolas" panose="020B0609020204030204" pitchFamily="49" charset="0"/>
+              </a:rPr>
+              <a:t>:</a:t>
+            </a:r>
+          </a:p>
+          <a:p>
+            <a:r>
+              <a:rPr lang="en-US" dirty="0">
+                <a:solidFill>
+                  <a:srgbClr val="D4D4D4"/>
+                </a:solidFill>
+                <a:highlight>
+                  <a:srgbClr val="000000"/>
+                </a:highlight>
+                <a:latin typeface="Consolas" panose="020B0609020204030204" pitchFamily="49" charset="0"/>
+              </a:rPr>
+              <a:t>        </a:t>
+            </a:r>
+            <a:r>
+              <a:rPr lang="en-US" dirty="0" err="1">
+                <a:solidFill>
+                  <a:srgbClr val="D4D4D4"/>
+                </a:solidFill>
+                <a:highlight>
+                  <a:srgbClr val="000000"/>
+                </a:highlight>
+                <a:latin typeface="Consolas" panose="020B0609020204030204" pitchFamily="49" charset="0"/>
+              </a:rPr>
+              <a:t>binmap</a:t>
+            </a:r>
+            <a:r>
+              <a:rPr lang="en-US" dirty="0">
+                <a:solidFill>
+                  <a:srgbClr val="D4D4D4"/>
+                </a:solidFill>
+                <a:highlight>
+                  <a:srgbClr val="000000"/>
+                </a:highlight>
+                <a:latin typeface="Consolas" panose="020B0609020204030204" pitchFamily="49" charset="0"/>
+              </a:rPr>
+              <a:t>[p[</a:t>
+            </a:r>
+            <a:r>
+              <a:rPr lang="en-US" dirty="0">
+                <a:solidFill>
+                  <a:srgbClr val="B5CEA8"/>
+                </a:solidFill>
+                <a:highlight>
+                  <a:srgbClr val="000000"/>
+                </a:highlight>
+                <a:latin typeface="Consolas" panose="020B0609020204030204" pitchFamily="49" charset="0"/>
+              </a:rPr>
+              <a:t>0</a:t>
+            </a:r>
+            <a:r>
+              <a:rPr lang="en-US" dirty="0">
+                <a:solidFill>
+                  <a:srgbClr val="D4D4D4"/>
+                </a:solidFill>
+                <a:highlight>
+                  <a:srgbClr val="000000"/>
+                </a:highlight>
+                <a:latin typeface="Consolas" panose="020B0609020204030204" pitchFamily="49" charset="0"/>
+              </a:rPr>
+              <a:t>].y, p[</a:t>
+            </a:r>
+            <a:r>
+              <a:rPr lang="en-US" dirty="0">
+                <a:solidFill>
+                  <a:srgbClr val="B5CEA8"/>
+                </a:solidFill>
+                <a:highlight>
+                  <a:srgbClr val="000000"/>
+                </a:highlight>
+                <a:latin typeface="Consolas" panose="020B0609020204030204" pitchFamily="49" charset="0"/>
+              </a:rPr>
+              <a:t>0</a:t>
+            </a:r>
+            <a:r>
+              <a:rPr lang="en-US" dirty="0">
+                <a:solidFill>
+                  <a:srgbClr val="D4D4D4"/>
+                </a:solidFill>
+                <a:highlight>
+                  <a:srgbClr val="000000"/>
+                </a:highlight>
+                <a:latin typeface="Consolas" panose="020B0609020204030204" pitchFamily="49" charset="0"/>
+              </a:rPr>
+              <a:t>].x] += p[</a:t>
+            </a:r>
+            <a:r>
+              <a:rPr lang="en-US" dirty="0">
+                <a:solidFill>
+                  <a:srgbClr val="B5CEA8"/>
+                </a:solidFill>
+                <a:highlight>
+                  <a:srgbClr val="000000"/>
+                </a:highlight>
+                <a:latin typeface="Consolas" panose="020B0609020204030204" pitchFamily="49" charset="0"/>
+              </a:rPr>
+              <a:t>1</a:t>
+            </a:r>
+            <a:r>
+              <a:rPr lang="en-US" dirty="0">
+                <a:solidFill>
+                  <a:srgbClr val="D4D4D4"/>
+                </a:solidFill>
+                <a:highlight>
+                  <a:srgbClr val="000000"/>
+                </a:highlight>
+                <a:latin typeface="Consolas" panose="020B0609020204030204" pitchFamily="49" charset="0"/>
+              </a:rPr>
+              <a:t>]  </a:t>
+            </a:r>
+          </a:p>
+          <a:p>
+            <a:endParaRPr lang="en-US" dirty="0">
+              <a:solidFill>
+                <a:srgbClr val="D4D4D4"/>
+              </a:solidFill>
+              <a:highlight>
+                <a:srgbClr val="000000"/>
+              </a:highlight>
+              <a:latin typeface="Consolas" panose="020B0609020204030204" pitchFamily="49" charset="0"/>
+            </a:endParaRPr>
+          </a:p>
+          <a:p>
+            <a:r>
+              <a:rPr lang="en-US" dirty="0">
+                <a:solidFill>
+                  <a:srgbClr val="D4D4D4"/>
+                </a:solidFill>
+                <a:highlight>
+                  <a:srgbClr val="000000"/>
+                </a:highlight>
+                <a:latin typeface="Consolas" panose="020B0609020204030204" pitchFamily="49" charset="0"/>
+              </a:rPr>
+              <a:t>    </a:t>
+            </a:r>
+            <a:r>
+              <a:rPr lang="en-US" dirty="0">
+                <a:solidFill>
+                  <a:srgbClr val="6A9955"/>
+                </a:solidFill>
+                <a:highlight>
+                  <a:srgbClr val="000000"/>
+                </a:highlight>
+                <a:latin typeface="Consolas" panose="020B0609020204030204" pitchFamily="49" charset="0"/>
+              </a:rPr>
+              <a:t>cv2.imwrite(f'../Images/</a:t>
+            </a:r>
+            <a:r>
+              <a:rPr lang="en-US" dirty="0" err="1">
+                <a:solidFill>
+                  <a:srgbClr val="6A9955"/>
+                </a:solidFill>
+                <a:highlight>
+                  <a:srgbClr val="000000"/>
+                </a:highlight>
+                <a:latin typeface="Consolas" panose="020B0609020204030204" pitchFamily="49" charset="0"/>
+              </a:rPr>
+              <a:t>BarCars</a:t>
+            </a:r>
+            <a:r>
+              <a:rPr lang="en-US" dirty="0">
+                <a:solidFill>
+                  <a:srgbClr val="6A9955"/>
+                </a:solidFill>
+                <a:highlight>
+                  <a:srgbClr val="000000"/>
+                </a:highlight>
+                <a:latin typeface="Consolas" panose="020B0609020204030204" pitchFamily="49" charset="0"/>
+              </a:rPr>
+              <a:t>/{c}.</a:t>
+            </a:r>
+            <a:r>
+              <a:rPr lang="en-US" dirty="0" err="1">
+                <a:solidFill>
+                  <a:srgbClr val="6A9955"/>
+                </a:solidFill>
+                <a:highlight>
+                  <a:srgbClr val="000000"/>
+                </a:highlight>
+                <a:latin typeface="Consolas" panose="020B0609020204030204" pitchFamily="49" charset="0"/>
+              </a:rPr>
+              <a:t>png</a:t>
+            </a:r>
+            <a:r>
+              <a:rPr lang="en-US" dirty="0">
+                <a:solidFill>
+                  <a:srgbClr val="6A9955"/>
+                </a:solidFill>
+                <a:highlight>
+                  <a:srgbClr val="000000"/>
+                </a:highlight>
+                <a:latin typeface="Consolas" panose="020B0609020204030204" pitchFamily="49" charset="0"/>
+              </a:rPr>
+              <a:t>', </a:t>
+            </a:r>
+            <a:r>
+              <a:rPr lang="en-US" dirty="0" err="1">
+                <a:solidFill>
+                  <a:srgbClr val="6A9955"/>
+                </a:solidFill>
+                <a:highlight>
+                  <a:srgbClr val="000000"/>
+                </a:highlight>
+                <a:latin typeface="Consolas" panose="020B0609020204030204" pitchFamily="49" charset="0"/>
+              </a:rPr>
+              <a:t>binmap</a:t>
+            </a:r>
+            <a:r>
+              <a:rPr lang="en-US" dirty="0">
+                <a:solidFill>
+                  <a:srgbClr val="6A9955"/>
+                </a:solidFill>
+                <a:highlight>
+                  <a:srgbClr val="000000"/>
+                </a:highlight>
+                <a:latin typeface="Consolas" panose="020B0609020204030204" pitchFamily="49" charset="0"/>
+              </a:rPr>
+              <a:t>)</a:t>
+            </a:r>
+            <a:endParaRPr lang="en-US" dirty="0">
+              <a:solidFill>
+                <a:srgbClr val="D4D4D4"/>
+              </a:solidFill>
+              <a:highlight>
+                <a:srgbClr val="000000"/>
+              </a:highlight>
+              <a:latin typeface="Consolas" panose="020B0609020204030204" pitchFamily="49" charset="0"/>
+            </a:endParaRPr>
+          </a:p>
+          <a:p>
+            <a:r>
+              <a:rPr lang="en-US" dirty="0">
+                <a:solidFill>
+                  <a:srgbClr val="D4D4D4"/>
+                </a:solidFill>
+                <a:highlight>
+                  <a:srgbClr val="000000"/>
+                </a:highlight>
+                <a:latin typeface="Consolas" panose="020B0609020204030204" pitchFamily="49" charset="0"/>
+              </a:rPr>
+              <a:t>    c += </a:t>
+            </a:r>
+            <a:r>
+              <a:rPr lang="en-US" dirty="0">
+                <a:solidFill>
+                  <a:srgbClr val="B5CEA8"/>
+                </a:solidFill>
+                <a:highlight>
+                  <a:srgbClr val="000000"/>
+                </a:highlight>
+                <a:latin typeface="Consolas" panose="020B0609020204030204" pitchFamily="49" charset="0"/>
+              </a:rPr>
+              <a:t>1</a:t>
+            </a:r>
+            <a:endParaRPr lang="en-US" dirty="0">
+              <a:solidFill>
+                <a:srgbClr val="D4D4D4"/>
+              </a:solidFill>
+              <a:highlight>
+                <a:srgbClr val="000000"/>
+              </a:highlight>
+              <a:latin typeface="Consolas" panose="020B0609020204030204" pitchFamily="49" charset="0"/>
+            </a:endParaRPr>
           </a:p>
         </p:txBody>
       </p:sp>
     </p:spTree>
     <p:extLst>
       <p:ext uri="{BB962C8B-B14F-4D97-AF65-F5344CB8AC3E}">
-        <p14:creationId xmlns:p14="http://schemas.microsoft.com/office/powerpoint/2010/main" val="3907043462"/>
+        <p14:creationId xmlns:p14="http://schemas.microsoft.com/office/powerpoint/2010/main" val="4058507493"/>
       </p:ext>
     </p:extLst>
   </p:cSld>
@@ -6576,8 +4960,8 @@
         </p:nvSpPr>
         <p:spPr>
           <a:xfrm>
-            <a:off x="0" y="136579"/>
-            <a:ext cx="12191999" cy="369332"/>
+            <a:off x="0" y="278340"/>
+            <a:ext cx="12192000" cy="369332"/>
           </a:xfrm>
           <a:prstGeom prst="rect">
             <a:avLst/>
@@ -6593,180 +4977,131 @@
             <a:pPr algn="ctr"/>
             <a:r>
               <a:rPr lang="ru-RU" dirty="0"/>
-              <a:t>Структура классов</a:t>
-            </a:r>
-          </a:p>
-        </p:txBody>
-      </p:sp>
-      <p:sp>
-        <p:nvSpPr>
-          <p:cNvPr id="2" name="TextBox 1"/>
-          <p:cNvSpPr txBox="1"/>
-          <p:nvPr/>
-        </p:nvSpPr>
-        <p:spPr>
-          <a:xfrm>
-            <a:off x="620785" y="998290"/>
-            <a:ext cx="4563611" cy="1477328"/>
+              <a:t>Предобработка изображений библиотекой </a:t>
+            </a:r>
+            <a:r>
+              <a:rPr lang="en-US" dirty="0" err="1"/>
+              <a:t>BarPy</a:t>
+            </a:r>
+            <a:endParaRPr lang="ru-RU" dirty="0"/>
+          </a:p>
+        </p:txBody>
+      </p:sp>
+      <p:pic>
+        <p:nvPicPr>
+          <p:cNvPr id="4" name="Рисунок 3" descr="https://sun9-23.userapi.com/impg/hesLe2PxRoQ6CqsU185F15v-2Rhfk-1-2ZCOjg/13QUi3RQlZo.jpg?size=673x706&amp;quality=96&amp;sign=88465553c9e53cfb51cd70f0f3f58b6b&amp;type=album">
+            <a:extLst>
+              <a:ext uri="{FF2B5EF4-FFF2-40B4-BE49-F238E27FC236}">
+                <a16:creationId xmlns:a16="http://schemas.microsoft.com/office/drawing/2014/main" id="{42189D88-763D-4646-A4C0-DDA49F941724}"/>
+              </a:ext>
+            </a:extLst>
+          </p:cNvPr>
+          <p:cNvPicPr/>
+          <p:nvPr/>
+        </p:nvPicPr>
+        <p:blipFill>
+          <a:blip r:embed="rId2">
+            <a:extLst>
+              <a:ext uri="{28A0092B-C50C-407E-A947-70E740481C1C}">
+                <a14:useLocalDpi xmlns:a14="http://schemas.microsoft.com/office/drawing/2010/main" val="0"/>
+              </a:ext>
+            </a:extLst>
+          </a:blip>
+          <a:srcRect/>
+          <a:stretch>
+            <a:fillRect/>
+          </a:stretch>
+        </p:blipFill>
+        <p:spPr bwMode="auto">
+          <a:xfrm>
+            <a:off x="6676072" y="1495107"/>
+            <a:ext cx="3488055" cy="3658235"/>
           </a:xfrm>
           <a:prstGeom prst="rect">
             <a:avLst/>
           </a:prstGeom>
           <a:noFill/>
-        </p:spPr>
-        <p:txBody>
-          <a:bodyPr wrap="square" rtlCol="0">
-            <a:spAutoFit/>
-          </a:bodyPr>
-          <a:lstStyle/>
-          <a:p>
-            <a:r>
-              <a:rPr lang="ru-RU" dirty="0"/>
-              <a:t>Класс </a:t>
-            </a:r>
-            <a:r>
-              <a:rPr lang="en-US" dirty="0"/>
-              <a:t>Device </a:t>
-            </a:r>
-            <a:r>
-              <a:rPr lang="ru-RU" dirty="0"/>
-              <a:t>– хранит информацию об устройстве.</a:t>
-            </a:r>
-          </a:p>
-          <a:p>
-            <a:endParaRPr lang="ru-RU" dirty="0"/>
-          </a:p>
-          <a:p>
-            <a:r>
-              <a:rPr lang="ru-RU" dirty="0"/>
-              <a:t>Класс </a:t>
-            </a:r>
-            <a:r>
-              <a:rPr lang="en-US" dirty="0"/>
-              <a:t>Step – </a:t>
-            </a:r>
-            <a:r>
-              <a:rPr lang="ru-RU" dirty="0"/>
-              <a:t>хранит координаты для моделей и объект класс </a:t>
-            </a:r>
-            <a:r>
-              <a:rPr lang="en-US" dirty="0"/>
-              <a:t>Device</a:t>
-            </a:r>
-            <a:endParaRPr lang="ru-RU" dirty="0"/>
-          </a:p>
-        </p:txBody>
-      </p:sp>
-      <p:sp>
-        <p:nvSpPr>
-          <p:cNvPr id="5" name="Прямоугольник 4"/>
-          <p:cNvSpPr/>
-          <p:nvPr/>
-        </p:nvSpPr>
-        <p:spPr>
-          <a:xfrm>
-            <a:off x="5304638" y="1736954"/>
-            <a:ext cx="6096000" cy="2585323"/>
+          <a:ln>
+            <a:noFill/>
+          </a:ln>
+        </p:spPr>
+      </p:pic>
+      <p:pic>
+        <p:nvPicPr>
+          <p:cNvPr id="5" name="Рисунок 4">
+            <a:extLst>
+              <a:ext uri="{FF2B5EF4-FFF2-40B4-BE49-F238E27FC236}">
+                <a16:creationId xmlns:a16="http://schemas.microsoft.com/office/drawing/2014/main" id="{167E2BDE-13A3-4444-AA2B-C7604335553B}"/>
+              </a:ext>
+            </a:extLst>
+          </p:cNvPr>
+          <p:cNvPicPr>
+            <a:picLocks noChangeAspect="1"/>
+          </p:cNvPicPr>
+          <p:nvPr/>
+        </p:nvPicPr>
+        <p:blipFill>
+          <a:blip r:embed="rId3"/>
+          <a:stretch>
+            <a:fillRect/>
+          </a:stretch>
+        </p:blipFill>
+        <p:spPr>
+          <a:xfrm>
+            <a:off x="1765666" y="1495107"/>
+            <a:ext cx="3646299" cy="3658235"/>
           </a:xfrm>
           <a:prstGeom prst="rect">
             <a:avLst/>
           </a:prstGeom>
         </p:spPr>
-        <p:txBody>
-          <a:bodyPr>
-            <a:spAutoFit/>
-          </a:bodyPr>
-          <a:lstStyle/>
-          <a:p>
-            <a:r>
-              <a:rPr lang="en-US" dirty="0"/>
-              <a:t>        '''</a:t>
-            </a:r>
-          </a:p>
-          <a:p>
-            <a:r>
-              <a:rPr lang="en-US" dirty="0"/>
-              <a:t>        </a:t>
-            </a:r>
-            <a:r>
-              <a:rPr lang="en-US" dirty="0" err="1"/>
-              <a:t>way_points</a:t>
-            </a:r>
-            <a:r>
-              <a:rPr lang="en-US" dirty="0"/>
-              <a:t> is a tuple that must contain 3 tuple of points</a:t>
-            </a:r>
-          </a:p>
-          <a:p>
-            <a:r>
-              <a:rPr lang="en-US" dirty="0"/>
-              <a:t>            0 - (x, y) of road begin</a:t>
-            </a:r>
-          </a:p>
-          <a:p>
-            <a:r>
-              <a:rPr lang="en-US" dirty="0"/>
-              <a:t>            1 - (x, y) of queue begin</a:t>
-            </a:r>
-          </a:p>
-          <a:p>
-            <a:r>
-              <a:rPr lang="en-US" dirty="0"/>
-              <a:t>            2 - (x, y) of device begin</a:t>
-            </a:r>
-          </a:p>
-          <a:p>
-            <a:r>
-              <a:rPr lang="en-US" dirty="0"/>
-              <a:t>        device -&gt; Device      </a:t>
-            </a:r>
-          </a:p>
-          <a:p>
-            <a:r>
-              <a:rPr lang="en-US" dirty="0"/>
-              <a:t>        '''</a:t>
-            </a:r>
-          </a:p>
-          <a:p>
-            <a:r>
-              <a:rPr lang="en-US" dirty="0"/>
-              <a:t>        </a:t>
-            </a:r>
-            <a:r>
-              <a:rPr lang="en-US" dirty="0" err="1"/>
-              <a:t>self.way_points</a:t>
-            </a:r>
-            <a:r>
-              <a:rPr lang="en-US" dirty="0"/>
-              <a:t> = </a:t>
-            </a:r>
-            <a:r>
-              <a:rPr lang="en-US" dirty="0" err="1"/>
-              <a:t>way_points</a:t>
-            </a:r>
-            <a:endParaRPr lang="en-US" dirty="0"/>
-          </a:p>
-          <a:p>
-            <a:r>
-              <a:rPr lang="en-US" dirty="0"/>
-              <a:t>        </a:t>
-            </a:r>
-            <a:r>
-              <a:rPr lang="en-US" dirty="0" err="1"/>
-              <a:t>self.device</a:t>
-            </a:r>
-            <a:r>
-              <a:rPr lang="en-US" dirty="0"/>
-              <a:t> = device</a:t>
-            </a:r>
-            <a:endParaRPr lang="ru-RU" dirty="0"/>
-          </a:p>
-        </p:txBody>
-      </p:sp>
+      </p:pic>
+      <p:cxnSp>
+        <p:nvCxnSpPr>
+          <p:cNvPr id="7" name="Прямая со стрелкой 6">
+            <a:extLst>
+              <a:ext uri="{FF2B5EF4-FFF2-40B4-BE49-F238E27FC236}">
+                <a16:creationId xmlns:a16="http://schemas.microsoft.com/office/drawing/2014/main" id="{249EF1F5-0530-48E2-8434-7EE43EE6C0A9}"/>
+              </a:ext>
+            </a:extLst>
+          </p:cNvPr>
+          <p:cNvCxnSpPr>
+            <a:stCxn id="5" idx="3"/>
+            <a:endCxn id="4" idx="1"/>
+          </p:cNvCxnSpPr>
+          <p:nvPr/>
+        </p:nvCxnSpPr>
+        <p:spPr>
+          <a:xfrm>
+            <a:off x="5411965" y="3324225"/>
+            <a:ext cx="1264107" cy="0"/>
+          </a:xfrm>
+          <a:prstGeom prst="straightConnector1">
+            <a:avLst/>
+          </a:prstGeom>
+          <a:ln>
+            <a:tailEnd type="triangle"/>
+          </a:ln>
+        </p:spPr>
+        <p:style>
+          <a:lnRef idx="1">
+            <a:schemeClr val="accent1"/>
+          </a:lnRef>
+          <a:fillRef idx="0">
+            <a:schemeClr val="accent1"/>
+          </a:fillRef>
+          <a:effectRef idx="0">
+            <a:schemeClr val="accent1"/>
+          </a:effectRef>
+          <a:fontRef idx="minor">
+            <a:schemeClr val="tx1"/>
+          </a:fontRef>
+        </p:style>
+      </p:cxnSp>
     </p:spTree>
     <p:extLst>
       <p:ext uri="{BB962C8B-B14F-4D97-AF65-F5344CB8AC3E}">
-        <p14:creationId xmlns:p14="http://schemas.microsoft.com/office/powerpoint/2010/main" val="1409155321"/>
+        <p14:creationId xmlns:p14="http://schemas.microsoft.com/office/powerpoint/2010/main" val="2264947509"/>
       </p:ext>
     </p:extLst>
   </p:cSld>
@@ -6818,21 +5153,743 @@
             <a:pPr algn="ctr"/>
             <a:r>
               <a:rPr lang="ru-RU" dirty="0"/>
-              <a:t>Структура классов</a:t>
-            </a:r>
-          </a:p>
-        </p:txBody>
-      </p:sp>
-      <p:sp>
-        <p:nvSpPr>
-          <p:cNvPr id="2" name="TextBox 1"/>
+              <a:t>Создание модели нейронной сети</a:t>
+            </a:r>
+          </a:p>
+        </p:txBody>
+      </p:sp>
+      <p:sp>
+        <p:nvSpPr>
+          <p:cNvPr id="4" name="Прямоугольник 3">
+            <a:extLst>
+              <a:ext uri="{FF2B5EF4-FFF2-40B4-BE49-F238E27FC236}">
+                <a16:creationId xmlns:a16="http://schemas.microsoft.com/office/drawing/2014/main" id="{8BEE6E3A-2D70-4105-8277-74BED3D5AEE0}"/>
+              </a:ext>
+            </a:extLst>
+          </p:cNvPr>
+          <p:cNvSpPr/>
+          <p:nvPr/>
+        </p:nvSpPr>
+        <p:spPr>
+          <a:xfrm>
+            <a:off x="2490131" y="941313"/>
+            <a:ext cx="7392100" cy="923330"/>
+          </a:xfrm>
+          <a:prstGeom prst="rect">
+            <a:avLst/>
+          </a:prstGeom>
+        </p:spPr>
+        <p:txBody>
+          <a:bodyPr wrap="square">
+            <a:spAutoFit/>
+          </a:bodyPr>
+          <a:lstStyle/>
+          <a:p>
+            <a:r>
+              <a:rPr lang="en-US" dirty="0">
+                <a:solidFill>
+                  <a:srgbClr val="D4D4D4"/>
+                </a:solidFill>
+                <a:highlight>
+                  <a:srgbClr val="000000"/>
+                </a:highlight>
+                <a:latin typeface="Consolas" panose="020B0609020204030204" pitchFamily="49" charset="0"/>
+              </a:rPr>
+              <a:t>model = Sequential()</a:t>
+            </a:r>
+          </a:p>
+          <a:p>
+            <a:r>
+              <a:rPr lang="en-US" dirty="0" err="1">
+                <a:solidFill>
+                  <a:srgbClr val="D4D4D4"/>
+                </a:solidFill>
+                <a:highlight>
+                  <a:srgbClr val="000000"/>
+                </a:highlight>
+                <a:latin typeface="Consolas" panose="020B0609020204030204" pitchFamily="49" charset="0"/>
+              </a:rPr>
+              <a:t>model.add</a:t>
+            </a:r>
+            <a:r>
+              <a:rPr lang="en-US" dirty="0">
+                <a:solidFill>
+                  <a:srgbClr val="D4D4D4"/>
+                </a:solidFill>
+                <a:highlight>
+                  <a:srgbClr val="000000"/>
+                </a:highlight>
+                <a:latin typeface="Consolas" panose="020B0609020204030204" pitchFamily="49" charset="0"/>
+              </a:rPr>
+              <a:t>(</a:t>
+            </a:r>
+            <a:r>
+              <a:rPr lang="ru-RU" dirty="0">
+                <a:solidFill>
+                  <a:srgbClr val="D4D4D4"/>
+                </a:solidFill>
+                <a:highlight>
+                  <a:srgbClr val="000000"/>
+                </a:highlight>
+                <a:latin typeface="Consolas" panose="020B0609020204030204" pitchFamily="49" charset="0"/>
+              </a:rPr>
+              <a:t> </a:t>
+            </a:r>
+            <a:r>
+              <a:rPr lang="en-US" dirty="0">
+                <a:solidFill>
+                  <a:srgbClr val="D4D4D4"/>
+                </a:solidFill>
+                <a:highlight>
+                  <a:srgbClr val="000000"/>
+                </a:highlight>
+                <a:latin typeface="Consolas" panose="020B0609020204030204" pitchFamily="49" charset="0"/>
+              </a:rPr>
+              <a:t>Dense(</a:t>
+            </a:r>
+            <a:r>
+              <a:rPr lang="en-US" dirty="0">
+                <a:solidFill>
+                  <a:srgbClr val="B5CEA8"/>
+                </a:solidFill>
+                <a:highlight>
+                  <a:srgbClr val="000000"/>
+                </a:highlight>
+                <a:latin typeface="Consolas" panose="020B0609020204030204" pitchFamily="49" charset="0"/>
+              </a:rPr>
+              <a:t>400</a:t>
+            </a:r>
+            <a:r>
+              <a:rPr lang="en-US" dirty="0">
+                <a:solidFill>
+                  <a:srgbClr val="D4D4D4"/>
+                </a:solidFill>
+                <a:highlight>
+                  <a:srgbClr val="000000"/>
+                </a:highlight>
+                <a:latin typeface="Consolas" panose="020B0609020204030204" pitchFamily="49" charset="0"/>
+              </a:rPr>
+              <a:t>, </a:t>
+            </a:r>
+            <a:r>
+              <a:rPr lang="en-US" dirty="0" err="1">
+                <a:solidFill>
+                  <a:srgbClr val="9CDCFE"/>
+                </a:solidFill>
+                <a:highlight>
+                  <a:srgbClr val="000000"/>
+                </a:highlight>
+                <a:latin typeface="Consolas" panose="020B0609020204030204" pitchFamily="49" charset="0"/>
+              </a:rPr>
+              <a:t>input_dim</a:t>
+            </a:r>
+            <a:r>
+              <a:rPr lang="en-US" dirty="0">
+                <a:solidFill>
+                  <a:srgbClr val="D4D4D4"/>
+                </a:solidFill>
+                <a:highlight>
+                  <a:srgbClr val="000000"/>
+                </a:highlight>
+                <a:latin typeface="Consolas" panose="020B0609020204030204" pitchFamily="49" charset="0"/>
+              </a:rPr>
+              <a:t>=</a:t>
+            </a:r>
+            <a:r>
+              <a:rPr lang="en-US" dirty="0">
+                <a:solidFill>
+                  <a:srgbClr val="B5CEA8"/>
+                </a:solidFill>
+                <a:highlight>
+                  <a:srgbClr val="000000"/>
+                </a:highlight>
+                <a:latin typeface="Consolas" panose="020B0609020204030204" pitchFamily="49" charset="0"/>
+              </a:rPr>
+              <a:t>400</a:t>
+            </a:r>
+            <a:r>
+              <a:rPr lang="en-US" dirty="0">
+                <a:solidFill>
+                  <a:srgbClr val="D4D4D4"/>
+                </a:solidFill>
+                <a:highlight>
+                  <a:srgbClr val="000000"/>
+                </a:highlight>
+                <a:latin typeface="Consolas" panose="020B0609020204030204" pitchFamily="49" charset="0"/>
+              </a:rPr>
+              <a:t>, </a:t>
+            </a:r>
+            <a:r>
+              <a:rPr lang="en-US" dirty="0">
+                <a:solidFill>
+                  <a:srgbClr val="9CDCFE"/>
+                </a:solidFill>
+                <a:highlight>
+                  <a:srgbClr val="000000"/>
+                </a:highlight>
+                <a:latin typeface="Consolas" panose="020B0609020204030204" pitchFamily="49" charset="0"/>
+              </a:rPr>
+              <a:t>activation</a:t>
+            </a:r>
+            <a:r>
+              <a:rPr lang="en-US" dirty="0">
+                <a:solidFill>
+                  <a:srgbClr val="D4D4D4"/>
+                </a:solidFill>
+                <a:highlight>
+                  <a:srgbClr val="000000"/>
+                </a:highlight>
+                <a:latin typeface="Consolas" panose="020B0609020204030204" pitchFamily="49" charset="0"/>
+              </a:rPr>
+              <a:t>=</a:t>
+            </a:r>
+            <a:r>
+              <a:rPr lang="en-US" dirty="0">
+                <a:solidFill>
+                  <a:srgbClr val="CE9178"/>
+                </a:solidFill>
+                <a:highlight>
+                  <a:srgbClr val="000000"/>
+                </a:highlight>
+                <a:latin typeface="Consolas" panose="020B0609020204030204" pitchFamily="49" charset="0"/>
+              </a:rPr>
+              <a:t>"</a:t>
+            </a:r>
+            <a:r>
+              <a:rPr lang="en-US" dirty="0" err="1">
+                <a:solidFill>
+                  <a:srgbClr val="CE9178"/>
+                </a:solidFill>
+                <a:highlight>
+                  <a:srgbClr val="000000"/>
+                </a:highlight>
+                <a:latin typeface="Consolas" panose="020B0609020204030204" pitchFamily="49" charset="0"/>
+              </a:rPr>
+              <a:t>relu</a:t>
+            </a:r>
+            <a:r>
+              <a:rPr lang="en-US" dirty="0">
+                <a:solidFill>
+                  <a:srgbClr val="CE9178"/>
+                </a:solidFill>
+                <a:highlight>
+                  <a:srgbClr val="000000"/>
+                </a:highlight>
+                <a:latin typeface="Consolas" panose="020B0609020204030204" pitchFamily="49" charset="0"/>
+              </a:rPr>
+              <a:t>"</a:t>
+            </a:r>
+            <a:r>
+              <a:rPr lang="en-US" dirty="0">
+                <a:solidFill>
+                  <a:srgbClr val="D4D4D4"/>
+                </a:solidFill>
+                <a:highlight>
+                  <a:srgbClr val="000000"/>
+                </a:highlight>
+                <a:latin typeface="Consolas" panose="020B0609020204030204" pitchFamily="49" charset="0"/>
+              </a:rPr>
+              <a:t>)</a:t>
+            </a:r>
+            <a:r>
+              <a:rPr lang="ru-RU" dirty="0">
+                <a:solidFill>
+                  <a:srgbClr val="D4D4D4"/>
+                </a:solidFill>
+                <a:highlight>
+                  <a:srgbClr val="000000"/>
+                </a:highlight>
+                <a:latin typeface="Consolas" panose="020B0609020204030204" pitchFamily="49" charset="0"/>
+              </a:rPr>
+              <a:t> </a:t>
+            </a:r>
+            <a:r>
+              <a:rPr lang="en-US" dirty="0">
+                <a:solidFill>
+                  <a:srgbClr val="D4D4D4"/>
+                </a:solidFill>
+                <a:highlight>
+                  <a:srgbClr val="000000"/>
+                </a:highlight>
+                <a:latin typeface="Consolas" panose="020B0609020204030204" pitchFamily="49" charset="0"/>
+              </a:rPr>
+              <a:t>)</a:t>
+            </a:r>
+          </a:p>
+          <a:p>
+            <a:r>
+              <a:rPr lang="en-US" dirty="0" err="1">
+                <a:solidFill>
+                  <a:srgbClr val="D4D4D4"/>
+                </a:solidFill>
+                <a:highlight>
+                  <a:srgbClr val="000000"/>
+                </a:highlight>
+                <a:latin typeface="Consolas" panose="020B0609020204030204" pitchFamily="49" charset="0"/>
+              </a:rPr>
+              <a:t>model.add</a:t>
+            </a:r>
+            <a:r>
+              <a:rPr lang="en-US" dirty="0">
+                <a:solidFill>
+                  <a:srgbClr val="D4D4D4"/>
+                </a:solidFill>
+                <a:highlight>
+                  <a:srgbClr val="000000"/>
+                </a:highlight>
+                <a:latin typeface="Consolas" panose="020B0609020204030204" pitchFamily="49" charset="0"/>
+              </a:rPr>
+              <a:t>(</a:t>
+            </a:r>
+            <a:r>
+              <a:rPr lang="ru-RU" dirty="0">
+                <a:solidFill>
+                  <a:srgbClr val="D4D4D4"/>
+                </a:solidFill>
+                <a:highlight>
+                  <a:srgbClr val="000000"/>
+                </a:highlight>
+                <a:latin typeface="Consolas" panose="020B0609020204030204" pitchFamily="49" charset="0"/>
+              </a:rPr>
+              <a:t> </a:t>
+            </a:r>
+            <a:r>
+              <a:rPr lang="en-US" dirty="0">
+                <a:solidFill>
+                  <a:srgbClr val="D4D4D4"/>
+                </a:solidFill>
+                <a:highlight>
+                  <a:srgbClr val="000000"/>
+                </a:highlight>
+                <a:latin typeface="Consolas" panose="020B0609020204030204" pitchFamily="49" charset="0"/>
+              </a:rPr>
+              <a:t>Dense(</a:t>
+            </a:r>
+            <a:r>
+              <a:rPr lang="en-US" dirty="0">
+                <a:solidFill>
+                  <a:srgbClr val="B5CEA8"/>
+                </a:solidFill>
+                <a:highlight>
+                  <a:srgbClr val="000000"/>
+                </a:highlight>
+                <a:latin typeface="Consolas" panose="020B0609020204030204" pitchFamily="49" charset="0"/>
+              </a:rPr>
+              <a:t>2</a:t>
+            </a:r>
+            <a:r>
+              <a:rPr lang="en-US" dirty="0">
+                <a:solidFill>
+                  <a:srgbClr val="D4D4D4"/>
+                </a:solidFill>
+                <a:highlight>
+                  <a:srgbClr val="000000"/>
+                </a:highlight>
+                <a:latin typeface="Consolas" panose="020B0609020204030204" pitchFamily="49" charset="0"/>
+              </a:rPr>
+              <a:t>, </a:t>
+            </a:r>
+            <a:r>
+              <a:rPr lang="en-US" dirty="0">
+                <a:solidFill>
+                  <a:srgbClr val="9CDCFE"/>
+                </a:solidFill>
+                <a:highlight>
+                  <a:srgbClr val="000000"/>
+                </a:highlight>
+                <a:latin typeface="Consolas" panose="020B0609020204030204" pitchFamily="49" charset="0"/>
+              </a:rPr>
+              <a:t>activation</a:t>
+            </a:r>
+            <a:r>
+              <a:rPr lang="en-US" dirty="0">
+                <a:solidFill>
+                  <a:srgbClr val="D4D4D4"/>
+                </a:solidFill>
+                <a:highlight>
+                  <a:srgbClr val="000000"/>
+                </a:highlight>
+                <a:latin typeface="Consolas" panose="020B0609020204030204" pitchFamily="49" charset="0"/>
+              </a:rPr>
+              <a:t>=</a:t>
+            </a:r>
+            <a:r>
+              <a:rPr lang="en-US" dirty="0">
+                <a:solidFill>
+                  <a:srgbClr val="CE9178"/>
+                </a:solidFill>
+                <a:highlight>
+                  <a:srgbClr val="000000"/>
+                </a:highlight>
+                <a:latin typeface="Consolas" panose="020B0609020204030204" pitchFamily="49" charset="0"/>
+              </a:rPr>
+              <a:t>"</a:t>
+            </a:r>
+            <a:r>
+              <a:rPr lang="en-US" dirty="0" err="1">
+                <a:solidFill>
+                  <a:srgbClr val="CE9178"/>
+                </a:solidFill>
+                <a:highlight>
+                  <a:srgbClr val="000000"/>
+                </a:highlight>
+                <a:latin typeface="Consolas" panose="020B0609020204030204" pitchFamily="49" charset="0"/>
+              </a:rPr>
+              <a:t>softmax</a:t>
+            </a:r>
+            <a:r>
+              <a:rPr lang="en-US" dirty="0">
+                <a:solidFill>
+                  <a:srgbClr val="CE9178"/>
+                </a:solidFill>
+                <a:highlight>
+                  <a:srgbClr val="000000"/>
+                </a:highlight>
+                <a:latin typeface="Consolas" panose="020B0609020204030204" pitchFamily="49" charset="0"/>
+              </a:rPr>
+              <a:t>"</a:t>
+            </a:r>
+            <a:r>
+              <a:rPr lang="en-US" dirty="0">
+                <a:solidFill>
+                  <a:srgbClr val="D4D4D4"/>
+                </a:solidFill>
+                <a:highlight>
+                  <a:srgbClr val="000000"/>
+                </a:highlight>
+                <a:latin typeface="Consolas" panose="020B0609020204030204" pitchFamily="49" charset="0"/>
+              </a:rPr>
+              <a:t>)</a:t>
+            </a:r>
+            <a:r>
+              <a:rPr lang="ru-RU" dirty="0">
+                <a:solidFill>
+                  <a:srgbClr val="D4D4D4"/>
+                </a:solidFill>
+                <a:highlight>
+                  <a:srgbClr val="000000"/>
+                </a:highlight>
+                <a:latin typeface="Consolas" panose="020B0609020204030204" pitchFamily="49" charset="0"/>
+              </a:rPr>
+              <a:t> </a:t>
+            </a:r>
+            <a:r>
+              <a:rPr lang="en-US" dirty="0">
+                <a:solidFill>
+                  <a:srgbClr val="D4D4D4"/>
+                </a:solidFill>
+                <a:highlight>
+                  <a:srgbClr val="000000"/>
+                </a:highlight>
+                <a:latin typeface="Consolas" panose="020B0609020204030204" pitchFamily="49" charset="0"/>
+              </a:rPr>
+              <a:t>)</a:t>
+            </a:r>
+            <a:endParaRPr lang="en-US" b="0" dirty="0">
+              <a:solidFill>
+                <a:srgbClr val="D4D4D4"/>
+              </a:solidFill>
+              <a:effectLst/>
+              <a:highlight>
+                <a:srgbClr val="000000"/>
+              </a:highlight>
+              <a:latin typeface="Consolas" panose="020B0609020204030204" pitchFamily="49" charset="0"/>
+            </a:endParaRPr>
+          </a:p>
+        </p:txBody>
+      </p:sp>
+      <p:sp>
+        <p:nvSpPr>
+          <p:cNvPr id="5" name="Овал 4">
+            <a:extLst>
+              <a:ext uri="{FF2B5EF4-FFF2-40B4-BE49-F238E27FC236}">
+                <a16:creationId xmlns:a16="http://schemas.microsoft.com/office/drawing/2014/main" id="{ACD6C828-0307-42C0-8190-751839102051}"/>
+              </a:ext>
+            </a:extLst>
+          </p:cNvPr>
+          <p:cNvSpPr/>
+          <p:nvPr/>
+        </p:nvSpPr>
+        <p:spPr>
+          <a:xfrm>
+            <a:off x="5510342" y="2739195"/>
+            <a:ext cx="352337" cy="360727"/>
+          </a:xfrm>
+          <a:prstGeom prst="ellipse">
+            <a:avLst/>
+          </a:prstGeom>
+        </p:spPr>
+        <p:style>
+          <a:lnRef idx="2">
+            <a:schemeClr val="dk1">
+              <a:shade val="50000"/>
+            </a:schemeClr>
+          </a:lnRef>
+          <a:fillRef idx="1">
+            <a:schemeClr val="dk1"/>
+          </a:fillRef>
+          <a:effectRef idx="0">
+            <a:schemeClr val="dk1"/>
+          </a:effectRef>
+          <a:fontRef idx="minor">
+            <a:schemeClr val="lt1"/>
+          </a:fontRef>
+        </p:style>
+        <p:txBody>
+          <a:bodyPr rtlCol="0" anchor="ctr"/>
+          <a:lstStyle/>
+          <a:p>
+            <a:pPr algn="ctr"/>
+            <a:endParaRPr lang="ru-RU"/>
+          </a:p>
+        </p:txBody>
+      </p:sp>
+      <p:sp>
+        <p:nvSpPr>
+          <p:cNvPr id="7" name="Овал 6">
+            <a:extLst>
+              <a:ext uri="{FF2B5EF4-FFF2-40B4-BE49-F238E27FC236}">
+                <a16:creationId xmlns:a16="http://schemas.microsoft.com/office/drawing/2014/main" id="{D93156BD-55BD-4D07-AB7F-03B33A92C860}"/>
+              </a:ext>
+            </a:extLst>
+          </p:cNvPr>
+          <p:cNvSpPr/>
+          <p:nvPr/>
+        </p:nvSpPr>
+        <p:spPr>
+          <a:xfrm>
+            <a:off x="5518733" y="3248636"/>
+            <a:ext cx="352337" cy="360727"/>
+          </a:xfrm>
+          <a:prstGeom prst="ellipse">
+            <a:avLst/>
+          </a:prstGeom>
+        </p:spPr>
+        <p:style>
+          <a:lnRef idx="2">
+            <a:schemeClr val="dk1">
+              <a:shade val="50000"/>
+            </a:schemeClr>
+          </a:lnRef>
+          <a:fillRef idx="1">
+            <a:schemeClr val="dk1"/>
+          </a:fillRef>
+          <a:effectRef idx="0">
+            <a:schemeClr val="dk1"/>
+          </a:effectRef>
+          <a:fontRef idx="minor">
+            <a:schemeClr val="lt1"/>
+          </a:fontRef>
+        </p:style>
+        <p:txBody>
+          <a:bodyPr rtlCol="0" anchor="ctr"/>
+          <a:lstStyle/>
+          <a:p>
+            <a:pPr algn="ctr"/>
+            <a:endParaRPr lang="ru-RU"/>
+          </a:p>
+        </p:txBody>
+      </p:sp>
+      <p:sp>
+        <p:nvSpPr>
+          <p:cNvPr id="8" name="Овал 7">
+            <a:extLst>
+              <a:ext uri="{FF2B5EF4-FFF2-40B4-BE49-F238E27FC236}">
+                <a16:creationId xmlns:a16="http://schemas.microsoft.com/office/drawing/2014/main" id="{6913F44A-091D-44B9-9764-70B8FDA0C505}"/>
+              </a:ext>
+            </a:extLst>
+          </p:cNvPr>
+          <p:cNvSpPr/>
+          <p:nvPr/>
+        </p:nvSpPr>
+        <p:spPr>
+          <a:xfrm>
+            <a:off x="5510343" y="3758077"/>
+            <a:ext cx="352337" cy="360727"/>
+          </a:xfrm>
+          <a:prstGeom prst="ellipse">
+            <a:avLst/>
+          </a:prstGeom>
+        </p:spPr>
+        <p:style>
+          <a:lnRef idx="2">
+            <a:schemeClr val="dk1">
+              <a:shade val="50000"/>
+            </a:schemeClr>
+          </a:lnRef>
+          <a:fillRef idx="1">
+            <a:schemeClr val="dk1"/>
+          </a:fillRef>
+          <a:effectRef idx="0">
+            <a:schemeClr val="dk1"/>
+          </a:effectRef>
+          <a:fontRef idx="minor">
+            <a:schemeClr val="lt1"/>
+          </a:fontRef>
+        </p:style>
+        <p:txBody>
+          <a:bodyPr rtlCol="0" anchor="ctr"/>
+          <a:lstStyle/>
+          <a:p>
+            <a:pPr algn="ctr"/>
+            <a:endParaRPr lang="ru-RU"/>
+          </a:p>
+        </p:txBody>
+      </p:sp>
+      <p:sp>
+        <p:nvSpPr>
+          <p:cNvPr id="9" name="Овал 8">
+            <a:extLst>
+              <a:ext uri="{FF2B5EF4-FFF2-40B4-BE49-F238E27FC236}">
+                <a16:creationId xmlns:a16="http://schemas.microsoft.com/office/drawing/2014/main" id="{20F2EF03-98DD-4CB6-8DC5-E51A5D6EE0A6}"/>
+              </a:ext>
+            </a:extLst>
+          </p:cNvPr>
+          <p:cNvSpPr/>
+          <p:nvPr/>
+        </p:nvSpPr>
+        <p:spPr>
+          <a:xfrm>
+            <a:off x="5510341" y="4267518"/>
+            <a:ext cx="352337" cy="360727"/>
+          </a:xfrm>
+          <a:prstGeom prst="ellipse">
+            <a:avLst/>
+          </a:prstGeom>
+        </p:spPr>
+        <p:style>
+          <a:lnRef idx="2">
+            <a:schemeClr val="dk1">
+              <a:shade val="50000"/>
+            </a:schemeClr>
+          </a:lnRef>
+          <a:fillRef idx="1">
+            <a:schemeClr val="dk1"/>
+          </a:fillRef>
+          <a:effectRef idx="0">
+            <a:schemeClr val="dk1"/>
+          </a:effectRef>
+          <a:fontRef idx="minor">
+            <a:schemeClr val="lt1"/>
+          </a:fontRef>
+        </p:style>
+        <p:txBody>
+          <a:bodyPr rtlCol="0" anchor="ctr"/>
+          <a:lstStyle/>
+          <a:p>
+            <a:pPr algn="ctr"/>
+            <a:endParaRPr lang="ru-RU"/>
+          </a:p>
+        </p:txBody>
+      </p:sp>
+      <p:sp>
+        <p:nvSpPr>
+          <p:cNvPr id="10" name="Овал 9">
+            <a:extLst>
+              <a:ext uri="{FF2B5EF4-FFF2-40B4-BE49-F238E27FC236}">
+                <a16:creationId xmlns:a16="http://schemas.microsoft.com/office/drawing/2014/main" id="{178FCDBF-147B-4F0D-ADA7-C1B166C75E65}"/>
+              </a:ext>
+            </a:extLst>
+          </p:cNvPr>
+          <p:cNvSpPr/>
+          <p:nvPr/>
+        </p:nvSpPr>
+        <p:spPr>
+          <a:xfrm>
+            <a:off x="5510341" y="5253225"/>
+            <a:ext cx="352337" cy="360727"/>
+          </a:xfrm>
+          <a:prstGeom prst="ellipse">
+            <a:avLst/>
+          </a:prstGeom>
+        </p:spPr>
+        <p:style>
+          <a:lnRef idx="2">
+            <a:schemeClr val="dk1">
+              <a:shade val="50000"/>
+            </a:schemeClr>
+          </a:lnRef>
+          <a:fillRef idx="1">
+            <a:schemeClr val="dk1"/>
+          </a:fillRef>
+          <a:effectRef idx="0">
+            <a:schemeClr val="dk1"/>
+          </a:effectRef>
+          <a:fontRef idx="minor">
+            <a:schemeClr val="lt1"/>
+          </a:fontRef>
+        </p:style>
+        <p:txBody>
+          <a:bodyPr rtlCol="0" anchor="ctr"/>
+          <a:lstStyle/>
+          <a:p>
+            <a:pPr algn="ctr"/>
+            <a:endParaRPr lang="ru-RU"/>
+          </a:p>
+        </p:txBody>
+      </p:sp>
+      <p:sp>
+        <p:nvSpPr>
+          <p:cNvPr id="11" name="Овал 10">
+            <a:extLst>
+              <a:ext uri="{FF2B5EF4-FFF2-40B4-BE49-F238E27FC236}">
+                <a16:creationId xmlns:a16="http://schemas.microsoft.com/office/drawing/2014/main" id="{0934A936-478D-40B4-9389-C1A5278402CF}"/>
+              </a:ext>
+            </a:extLst>
+          </p:cNvPr>
+          <p:cNvSpPr/>
+          <p:nvPr/>
+        </p:nvSpPr>
+        <p:spPr>
+          <a:xfrm>
+            <a:off x="5510340" y="5762666"/>
+            <a:ext cx="352337" cy="360727"/>
+          </a:xfrm>
+          <a:prstGeom prst="ellipse">
+            <a:avLst/>
+          </a:prstGeom>
+        </p:spPr>
+        <p:style>
+          <a:lnRef idx="2">
+            <a:schemeClr val="dk1">
+              <a:shade val="50000"/>
+            </a:schemeClr>
+          </a:lnRef>
+          <a:fillRef idx="1">
+            <a:schemeClr val="dk1"/>
+          </a:fillRef>
+          <a:effectRef idx="0">
+            <a:schemeClr val="dk1"/>
+          </a:effectRef>
+          <a:fontRef idx="minor">
+            <a:schemeClr val="lt1"/>
+          </a:fontRef>
+        </p:style>
+        <p:txBody>
+          <a:bodyPr rtlCol="0" anchor="ctr"/>
+          <a:lstStyle/>
+          <a:p>
+            <a:pPr algn="ctr"/>
+            <a:endParaRPr lang="ru-RU"/>
+          </a:p>
+        </p:txBody>
+      </p:sp>
+      <p:sp>
+        <p:nvSpPr>
+          <p:cNvPr id="12" name="TextBox 11">
+            <a:extLst>
+              <a:ext uri="{FF2B5EF4-FFF2-40B4-BE49-F238E27FC236}">
+                <a16:creationId xmlns:a16="http://schemas.microsoft.com/office/drawing/2014/main" id="{883D53A2-FBF8-486B-8635-2FF69B943A5E}"/>
+              </a:ext>
+            </a:extLst>
+          </p:cNvPr>
           <p:cNvSpPr txBox="1"/>
           <p:nvPr/>
         </p:nvSpPr>
         <p:spPr>
           <a:xfrm>
-            <a:off x="620785" y="998290"/>
-            <a:ext cx="4563611" cy="2031325"/>
+            <a:off x="5518733" y="4690566"/>
+            <a:ext cx="352337" cy="369332"/>
           </a:xfrm>
           <a:prstGeom prst="rect">
             <a:avLst/>
@@ -6847,437 +5904,2141 @@
           <a:p>
             <a:r>
               <a:rPr lang="ru-RU" dirty="0"/>
-              <a:t>Класс </a:t>
-            </a:r>
-            <a:r>
-              <a:rPr lang="en-US" dirty="0"/>
-              <a:t>Device </a:t>
-            </a:r>
-            <a:r>
-              <a:rPr lang="ru-RU" dirty="0"/>
-              <a:t>– хранит информацию об устройстве.</a:t>
-            </a:r>
-          </a:p>
-          <a:p>
-            <a:endParaRPr lang="ru-RU" dirty="0"/>
-          </a:p>
-          <a:p>
-            <a:r>
-              <a:rPr lang="ru-RU" dirty="0"/>
-              <a:t>Класс </a:t>
-            </a:r>
-            <a:r>
-              <a:rPr lang="en-US" dirty="0"/>
-              <a:t>Step – </a:t>
-            </a:r>
-            <a:r>
-              <a:rPr lang="ru-RU" dirty="0"/>
-              <a:t>хранит координаты для моделей и объект класс </a:t>
-            </a:r>
-            <a:r>
-              <a:rPr lang="en-US" dirty="0"/>
-              <a:t>Device</a:t>
-            </a:r>
-          </a:p>
-          <a:p>
-            <a:endParaRPr lang="en-US" dirty="0"/>
-          </a:p>
-          <a:p>
-            <a:r>
-              <a:rPr lang="ru-RU" dirty="0"/>
-              <a:t>Класс </a:t>
-            </a:r>
-            <a:r>
-              <a:rPr lang="en-US" dirty="0"/>
-              <a:t>Truck – </a:t>
-            </a:r>
-            <a:r>
-              <a:rPr lang="ru-RU" dirty="0"/>
-              <a:t>хранит список объектов </a:t>
-            </a:r>
-            <a:r>
-              <a:rPr lang="en-US" dirty="0"/>
-              <a:t>Step</a:t>
-            </a:r>
-            <a:endParaRPr lang="ru-RU" dirty="0"/>
-          </a:p>
-        </p:txBody>
-      </p:sp>
-      <p:sp>
-        <p:nvSpPr>
-          <p:cNvPr id="7" name="Прямоугольник 6"/>
+              <a:t>…</a:t>
+            </a:r>
+          </a:p>
+        </p:txBody>
+      </p:sp>
+      <p:pic>
+        <p:nvPicPr>
+          <p:cNvPr id="13" name="Рисунок 12">
+            <a:extLst>
+              <a:ext uri="{FF2B5EF4-FFF2-40B4-BE49-F238E27FC236}">
+                <a16:creationId xmlns:a16="http://schemas.microsoft.com/office/drawing/2014/main" id="{C2CEDBF6-1B6C-4825-87DA-10A82914677A}"/>
+              </a:ext>
+            </a:extLst>
+          </p:cNvPr>
+          <p:cNvPicPr>
+            <a:picLocks noChangeAspect="1"/>
+          </p:cNvPicPr>
+          <p:nvPr/>
+        </p:nvPicPr>
+        <p:blipFill>
+          <a:blip r:embed="rId2">
+            <a:extLst>
+              <a:ext uri="{28A0092B-C50C-407E-A947-70E740481C1C}">
+                <a14:useLocalDpi xmlns:a14="http://schemas.microsoft.com/office/drawing/2010/main" val="0"/>
+              </a:ext>
+            </a:extLst>
+          </a:blip>
+          <a:stretch>
+            <a:fillRect/>
+          </a:stretch>
+        </p:blipFill>
+        <p:spPr>
+          <a:xfrm>
+            <a:off x="3097111" y="3803327"/>
+            <a:ext cx="1289107" cy="1289107"/>
+          </a:xfrm>
+          <a:prstGeom prst="rect">
+            <a:avLst/>
+          </a:prstGeom>
+        </p:spPr>
+      </p:pic>
+      <p:cxnSp>
+        <p:nvCxnSpPr>
+          <p:cNvPr id="15" name="Прямая соединительная линия 14">
+            <a:extLst>
+              <a:ext uri="{FF2B5EF4-FFF2-40B4-BE49-F238E27FC236}">
+                <a16:creationId xmlns:a16="http://schemas.microsoft.com/office/drawing/2014/main" id="{B1896496-9C97-4F8B-B575-E0A6C2527705}"/>
+              </a:ext>
+            </a:extLst>
+          </p:cNvPr>
+          <p:cNvCxnSpPr>
+            <a:cxnSpLocks/>
+            <a:endCxn id="5" idx="2"/>
+          </p:cNvCxnSpPr>
+          <p:nvPr/>
+        </p:nvCxnSpPr>
+        <p:spPr>
+          <a:xfrm flipV="1">
+            <a:off x="4386218" y="2919559"/>
+            <a:ext cx="1124124" cy="883768"/>
+          </a:xfrm>
+          <a:prstGeom prst="line">
+            <a:avLst/>
+          </a:prstGeom>
+        </p:spPr>
+        <p:style>
+          <a:lnRef idx="1">
+            <a:schemeClr val="accent1"/>
+          </a:lnRef>
+          <a:fillRef idx="0">
+            <a:schemeClr val="accent1"/>
+          </a:fillRef>
+          <a:effectRef idx="0">
+            <a:schemeClr val="accent1"/>
+          </a:effectRef>
+          <a:fontRef idx="minor">
+            <a:schemeClr val="tx1"/>
+          </a:fontRef>
+        </p:style>
+      </p:cxnSp>
+      <p:cxnSp>
+        <p:nvCxnSpPr>
+          <p:cNvPr id="17" name="Прямая соединительная линия 16">
+            <a:extLst>
+              <a:ext uri="{FF2B5EF4-FFF2-40B4-BE49-F238E27FC236}">
+                <a16:creationId xmlns:a16="http://schemas.microsoft.com/office/drawing/2014/main" id="{A344372A-5B91-43B8-8183-9EF33E741650}"/>
+              </a:ext>
+            </a:extLst>
+          </p:cNvPr>
+          <p:cNvCxnSpPr>
+            <a:cxnSpLocks/>
+            <a:endCxn id="7" idx="2"/>
+          </p:cNvCxnSpPr>
+          <p:nvPr/>
+        </p:nvCxnSpPr>
+        <p:spPr>
+          <a:xfrm flipV="1">
+            <a:off x="4386217" y="3429000"/>
+            <a:ext cx="1132516" cy="507194"/>
+          </a:xfrm>
+          <a:prstGeom prst="line">
+            <a:avLst/>
+          </a:prstGeom>
+        </p:spPr>
+        <p:style>
+          <a:lnRef idx="1">
+            <a:schemeClr val="accent1"/>
+          </a:lnRef>
+          <a:fillRef idx="0">
+            <a:schemeClr val="accent1"/>
+          </a:fillRef>
+          <a:effectRef idx="0">
+            <a:schemeClr val="accent1"/>
+          </a:effectRef>
+          <a:fontRef idx="minor">
+            <a:schemeClr val="tx1"/>
+          </a:fontRef>
+        </p:style>
+      </p:cxnSp>
+      <p:cxnSp>
+        <p:nvCxnSpPr>
+          <p:cNvPr id="20" name="Прямая соединительная линия 19">
+            <a:extLst>
+              <a:ext uri="{FF2B5EF4-FFF2-40B4-BE49-F238E27FC236}">
+                <a16:creationId xmlns:a16="http://schemas.microsoft.com/office/drawing/2014/main" id="{04251826-9254-44DF-866A-81BB53816AB3}"/>
+              </a:ext>
+            </a:extLst>
+          </p:cNvPr>
+          <p:cNvCxnSpPr>
+            <a:cxnSpLocks/>
+            <a:endCxn id="8" idx="2"/>
+          </p:cNvCxnSpPr>
+          <p:nvPr/>
+        </p:nvCxnSpPr>
+        <p:spPr>
+          <a:xfrm flipV="1">
+            <a:off x="4394609" y="3938441"/>
+            <a:ext cx="1115734" cy="89864"/>
+          </a:xfrm>
+          <a:prstGeom prst="line">
+            <a:avLst/>
+          </a:prstGeom>
+        </p:spPr>
+        <p:style>
+          <a:lnRef idx="1">
+            <a:schemeClr val="accent1"/>
+          </a:lnRef>
+          <a:fillRef idx="0">
+            <a:schemeClr val="accent1"/>
+          </a:fillRef>
+          <a:effectRef idx="0">
+            <a:schemeClr val="accent1"/>
+          </a:effectRef>
+          <a:fontRef idx="minor">
+            <a:schemeClr val="tx1"/>
+          </a:fontRef>
+        </p:style>
+      </p:cxnSp>
+      <p:cxnSp>
+        <p:nvCxnSpPr>
+          <p:cNvPr id="23" name="Прямая соединительная линия 22">
+            <a:extLst>
+              <a:ext uri="{FF2B5EF4-FFF2-40B4-BE49-F238E27FC236}">
+                <a16:creationId xmlns:a16="http://schemas.microsoft.com/office/drawing/2014/main" id="{CE855E67-1A75-415C-AF52-76D9371D7C25}"/>
+              </a:ext>
+            </a:extLst>
+          </p:cNvPr>
+          <p:cNvCxnSpPr>
+            <a:cxnSpLocks/>
+            <a:endCxn id="9" idx="2"/>
+          </p:cNvCxnSpPr>
+          <p:nvPr/>
+        </p:nvCxnSpPr>
+        <p:spPr>
+          <a:xfrm>
+            <a:off x="4386217" y="4185216"/>
+            <a:ext cx="1124124" cy="262666"/>
+          </a:xfrm>
+          <a:prstGeom prst="line">
+            <a:avLst/>
+          </a:prstGeom>
+        </p:spPr>
+        <p:style>
+          <a:lnRef idx="1">
+            <a:schemeClr val="accent1"/>
+          </a:lnRef>
+          <a:fillRef idx="0">
+            <a:schemeClr val="accent1"/>
+          </a:fillRef>
+          <a:effectRef idx="0">
+            <a:schemeClr val="accent1"/>
+          </a:effectRef>
+          <a:fontRef idx="minor">
+            <a:schemeClr val="tx1"/>
+          </a:fontRef>
+        </p:style>
+      </p:cxnSp>
+      <p:cxnSp>
+        <p:nvCxnSpPr>
+          <p:cNvPr id="26" name="Прямая соединительная линия 25">
+            <a:extLst>
+              <a:ext uri="{FF2B5EF4-FFF2-40B4-BE49-F238E27FC236}">
+                <a16:creationId xmlns:a16="http://schemas.microsoft.com/office/drawing/2014/main" id="{96352296-942D-4AE0-9503-FDD5F08CD038}"/>
+              </a:ext>
+            </a:extLst>
+          </p:cNvPr>
+          <p:cNvCxnSpPr>
+            <a:cxnSpLocks/>
+            <a:endCxn id="10" idx="2"/>
+          </p:cNvCxnSpPr>
+          <p:nvPr/>
+        </p:nvCxnSpPr>
+        <p:spPr>
+          <a:xfrm>
+            <a:off x="4377826" y="4937749"/>
+            <a:ext cx="1132515" cy="495840"/>
+          </a:xfrm>
+          <a:prstGeom prst="line">
+            <a:avLst/>
+          </a:prstGeom>
+        </p:spPr>
+        <p:style>
+          <a:lnRef idx="1">
+            <a:schemeClr val="accent1"/>
+          </a:lnRef>
+          <a:fillRef idx="0">
+            <a:schemeClr val="accent1"/>
+          </a:fillRef>
+          <a:effectRef idx="0">
+            <a:schemeClr val="accent1"/>
+          </a:effectRef>
+          <a:fontRef idx="minor">
+            <a:schemeClr val="tx1"/>
+          </a:fontRef>
+        </p:style>
+      </p:cxnSp>
+      <p:cxnSp>
+        <p:nvCxnSpPr>
+          <p:cNvPr id="29" name="Прямая соединительная линия 28">
+            <a:extLst>
+              <a:ext uri="{FF2B5EF4-FFF2-40B4-BE49-F238E27FC236}">
+                <a16:creationId xmlns:a16="http://schemas.microsoft.com/office/drawing/2014/main" id="{7B779CE5-9073-446C-AF27-1195A677A0F7}"/>
+              </a:ext>
+            </a:extLst>
+          </p:cNvPr>
+          <p:cNvCxnSpPr>
+            <a:cxnSpLocks/>
+            <a:endCxn id="11" idx="2"/>
+          </p:cNvCxnSpPr>
+          <p:nvPr/>
+        </p:nvCxnSpPr>
+        <p:spPr>
+          <a:xfrm>
+            <a:off x="4377826" y="5081887"/>
+            <a:ext cx="1132514" cy="861143"/>
+          </a:xfrm>
+          <a:prstGeom prst="line">
+            <a:avLst/>
+          </a:prstGeom>
+        </p:spPr>
+        <p:style>
+          <a:lnRef idx="1">
+            <a:schemeClr val="accent1"/>
+          </a:lnRef>
+          <a:fillRef idx="0">
+            <a:schemeClr val="accent1"/>
+          </a:fillRef>
+          <a:effectRef idx="0">
+            <a:schemeClr val="accent1"/>
+          </a:effectRef>
+          <a:fontRef idx="minor">
+            <a:schemeClr val="tx1"/>
+          </a:fontRef>
+        </p:style>
+      </p:cxnSp>
+      <p:cxnSp>
+        <p:nvCxnSpPr>
+          <p:cNvPr id="32" name="Прямая соединительная линия 31">
+            <a:extLst>
+              <a:ext uri="{FF2B5EF4-FFF2-40B4-BE49-F238E27FC236}">
+                <a16:creationId xmlns:a16="http://schemas.microsoft.com/office/drawing/2014/main" id="{B691ED24-EA3A-4B4B-8021-C0BA0C565ACA}"/>
+              </a:ext>
+            </a:extLst>
+          </p:cNvPr>
+          <p:cNvCxnSpPr>
+            <a:cxnSpLocks/>
+            <a:endCxn id="7" idx="2"/>
+          </p:cNvCxnSpPr>
+          <p:nvPr/>
+        </p:nvCxnSpPr>
+        <p:spPr>
+          <a:xfrm flipV="1">
+            <a:off x="4377826" y="3429000"/>
+            <a:ext cx="1140907" cy="381191"/>
+          </a:xfrm>
+          <a:prstGeom prst="line">
+            <a:avLst/>
+          </a:prstGeom>
+        </p:spPr>
+        <p:style>
+          <a:lnRef idx="1">
+            <a:schemeClr val="accent1"/>
+          </a:lnRef>
+          <a:fillRef idx="0">
+            <a:schemeClr val="accent1"/>
+          </a:fillRef>
+          <a:effectRef idx="0">
+            <a:schemeClr val="accent1"/>
+          </a:effectRef>
+          <a:fontRef idx="minor">
+            <a:schemeClr val="tx1"/>
+          </a:fontRef>
+        </p:style>
+      </p:cxnSp>
+      <p:cxnSp>
+        <p:nvCxnSpPr>
+          <p:cNvPr id="35" name="Прямая соединительная линия 34">
+            <a:extLst>
+              <a:ext uri="{FF2B5EF4-FFF2-40B4-BE49-F238E27FC236}">
+                <a16:creationId xmlns:a16="http://schemas.microsoft.com/office/drawing/2014/main" id="{27CDC2C0-4879-4ED3-9EE7-E9FD354EC650}"/>
+              </a:ext>
+            </a:extLst>
+          </p:cNvPr>
+          <p:cNvCxnSpPr>
+            <a:cxnSpLocks/>
+            <a:endCxn id="8" idx="2"/>
+          </p:cNvCxnSpPr>
+          <p:nvPr/>
+        </p:nvCxnSpPr>
+        <p:spPr>
+          <a:xfrm>
+            <a:off x="4394608" y="3798116"/>
+            <a:ext cx="1115735" cy="140325"/>
+          </a:xfrm>
+          <a:prstGeom prst="line">
+            <a:avLst/>
+          </a:prstGeom>
+        </p:spPr>
+        <p:style>
+          <a:lnRef idx="1">
+            <a:schemeClr val="accent1"/>
+          </a:lnRef>
+          <a:fillRef idx="0">
+            <a:schemeClr val="accent1"/>
+          </a:fillRef>
+          <a:effectRef idx="0">
+            <a:schemeClr val="accent1"/>
+          </a:effectRef>
+          <a:fontRef idx="minor">
+            <a:schemeClr val="tx1"/>
+          </a:fontRef>
+        </p:style>
+      </p:cxnSp>
+      <p:cxnSp>
+        <p:nvCxnSpPr>
+          <p:cNvPr id="38" name="Прямая соединительная линия 37">
+            <a:extLst>
+              <a:ext uri="{FF2B5EF4-FFF2-40B4-BE49-F238E27FC236}">
+                <a16:creationId xmlns:a16="http://schemas.microsoft.com/office/drawing/2014/main" id="{E7BCAC11-0E72-43D4-AAC8-9C28F8BCC929}"/>
+              </a:ext>
+            </a:extLst>
+          </p:cNvPr>
+          <p:cNvCxnSpPr>
+            <a:cxnSpLocks/>
+            <a:endCxn id="9" idx="2"/>
+          </p:cNvCxnSpPr>
+          <p:nvPr/>
+        </p:nvCxnSpPr>
+        <p:spPr>
+          <a:xfrm>
+            <a:off x="4394608" y="3811970"/>
+            <a:ext cx="1115733" cy="635912"/>
+          </a:xfrm>
+          <a:prstGeom prst="line">
+            <a:avLst/>
+          </a:prstGeom>
+        </p:spPr>
+        <p:style>
+          <a:lnRef idx="1">
+            <a:schemeClr val="accent1"/>
+          </a:lnRef>
+          <a:fillRef idx="0">
+            <a:schemeClr val="accent1"/>
+          </a:fillRef>
+          <a:effectRef idx="0">
+            <a:schemeClr val="accent1"/>
+          </a:effectRef>
+          <a:fontRef idx="minor">
+            <a:schemeClr val="tx1"/>
+          </a:fontRef>
+        </p:style>
+      </p:cxnSp>
+      <p:cxnSp>
+        <p:nvCxnSpPr>
+          <p:cNvPr id="41" name="Прямая соединительная линия 40">
+            <a:extLst>
+              <a:ext uri="{FF2B5EF4-FFF2-40B4-BE49-F238E27FC236}">
+                <a16:creationId xmlns:a16="http://schemas.microsoft.com/office/drawing/2014/main" id="{A7C4F21B-C019-4C04-9016-767DB275F588}"/>
+              </a:ext>
+            </a:extLst>
+          </p:cNvPr>
+          <p:cNvCxnSpPr>
+            <a:cxnSpLocks/>
+            <a:endCxn id="5" idx="2"/>
+          </p:cNvCxnSpPr>
+          <p:nvPr/>
+        </p:nvCxnSpPr>
+        <p:spPr>
+          <a:xfrm flipV="1">
+            <a:off x="4386215" y="2919559"/>
+            <a:ext cx="1124127" cy="1016634"/>
+          </a:xfrm>
+          <a:prstGeom prst="line">
+            <a:avLst/>
+          </a:prstGeom>
+        </p:spPr>
+        <p:style>
+          <a:lnRef idx="1">
+            <a:schemeClr val="accent1"/>
+          </a:lnRef>
+          <a:fillRef idx="0">
+            <a:schemeClr val="accent1"/>
+          </a:fillRef>
+          <a:effectRef idx="0">
+            <a:schemeClr val="accent1"/>
+          </a:effectRef>
+          <a:fontRef idx="minor">
+            <a:schemeClr val="tx1"/>
+          </a:fontRef>
+        </p:style>
+      </p:cxnSp>
+      <p:cxnSp>
+        <p:nvCxnSpPr>
+          <p:cNvPr id="44" name="Прямая соединительная линия 43">
+            <a:extLst>
+              <a:ext uri="{FF2B5EF4-FFF2-40B4-BE49-F238E27FC236}">
+                <a16:creationId xmlns:a16="http://schemas.microsoft.com/office/drawing/2014/main" id="{391519D7-296D-409F-B560-AA326D50A67E}"/>
+              </a:ext>
+            </a:extLst>
+          </p:cNvPr>
+          <p:cNvCxnSpPr>
+            <a:cxnSpLocks/>
+            <a:endCxn id="8" idx="2"/>
+          </p:cNvCxnSpPr>
+          <p:nvPr/>
+        </p:nvCxnSpPr>
+        <p:spPr>
+          <a:xfrm>
+            <a:off x="4386213" y="3938441"/>
+            <a:ext cx="1124130" cy="0"/>
+          </a:xfrm>
+          <a:prstGeom prst="line">
+            <a:avLst/>
+          </a:prstGeom>
+        </p:spPr>
+        <p:style>
+          <a:lnRef idx="1">
+            <a:schemeClr val="accent1"/>
+          </a:lnRef>
+          <a:fillRef idx="0">
+            <a:schemeClr val="accent1"/>
+          </a:fillRef>
+          <a:effectRef idx="0">
+            <a:schemeClr val="accent1"/>
+          </a:effectRef>
+          <a:fontRef idx="minor">
+            <a:schemeClr val="tx1"/>
+          </a:fontRef>
+        </p:style>
+      </p:cxnSp>
+      <p:cxnSp>
+        <p:nvCxnSpPr>
+          <p:cNvPr id="47" name="Прямая соединительная линия 46">
+            <a:extLst>
+              <a:ext uri="{FF2B5EF4-FFF2-40B4-BE49-F238E27FC236}">
+                <a16:creationId xmlns:a16="http://schemas.microsoft.com/office/drawing/2014/main" id="{A4745202-E630-476C-945D-188027531DA7}"/>
+              </a:ext>
+            </a:extLst>
+          </p:cNvPr>
+          <p:cNvCxnSpPr>
+            <a:cxnSpLocks/>
+            <a:endCxn id="9" idx="2"/>
+          </p:cNvCxnSpPr>
+          <p:nvPr/>
+        </p:nvCxnSpPr>
+        <p:spPr>
+          <a:xfrm>
+            <a:off x="4394606" y="3944836"/>
+            <a:ext cx="1115735" cy="503046"/>
+          </a:xfrm>
+          <a:prstGeom prst="line">
+            <a:avLst/>
+          </a:prstGeom>
+        </p:spPr>
+        <p:style>
+          <a:lnRef idx="1">
+            <a:schemeClr val="accent1"/>
+          </a:lnRef>
+          <a:fillRef idx="0">
+            <a:schemeClr val="accent1"/>
+          </a:fillRef>
+          <a:effectRef idx="0">
+            <a:schemeClr val="accent1"/>
+          </a:effectRef>
+          <a:fontRef idx="minor">
+            <a:schemeClr val="tx1"/>
+          </a:fontRef>
+        </p:style>
+      </p:cxnSp>
+      <p:cxnSp>
+        <p:nvCxnSpPr>
+          <p:cNvPr id="50" name="Прямая соединительная линия 49">
+            <a:extLst>
+              <a:ext uri="{FF2B5EF4-FFF2-40B4-BE49-F238E27FC236}">
+                <a16:creationId xmlns:a16="http://schemas.microsoft.com/office/drawing/2014/main" id="{9EEA0FC0-F35F-436A-BFFA-294CEFF28F1C}"/>
+              </a:ext>
+            </a:extLst>
+          </p:cNvPr>
+          <p:cNvCxnSpPr>
+            <a:cxnSpLocks/>
+            <a:endCxn id="10" idx="2"/>
+          </p:cNvCxnSpPr>
+          <p:nvPr/>
+        </p:nvCxnSpPr>
+        <p:spPr>
+          <a:xfrm>
+            <a:off x="4394604" y="3816585"/>
+            <a:ext cx="1115737" cy="1617004"/>
+          </a:xfrm>
+          <a:prstGeom prst="line">
+            <a:avLst/>
+          </a:prstGeom>
+        </p:spPr>
+        <p:style>
+          <a:lnRef idx="1">
+            <a:schemeClr val="accent1"/>
+          </a:lnRef>
+          <a:fillRef idx="0">
+            <a:schemeClr val="accent1"/>
+          </a:fillRef>
+          <a:effectRef idx="0">
+            <a:schemeClr val="accent1"/>
+          </a:effectRef>
+          <a:fontRef idx="minor">
+            <a:schemeClr val="tx1"/>
+          </a:fontRef>
+        </p:style>
+      </p:cxnSp>
+      <p:cxnSp>
+        <p:nvCxnSpPr>
+          <p:cNvPr id="53" name="Прямая соединительная линия 52">
+            <a:extLst>
+              <a:ext uri="{FF2B5EF4-FFF2-40B4-BE49-F238E27FC236}">
+                <a16:creationId xmlns:a16="http://schemas.microsoft.com/office/drawing/2014/main" id="{397B864E-92C2-4CF6-B9AD-798A04DE1AE6}"/>
+              </a:ext>
+            </a:extLst>
+          </p:cNvPr>
+          <p:cNvCxnSpPr>
+            <a:cxnSpLocks/>
+            <a:endCxn id="11" idx="2"/>
+          </p:cNvCxnSpPr>
+          <p:nvPr/>
+        </p:nvCxnSpPr>
+        <p:spPr>
+          <a:xfrm>
+            <a:off x="4386212" y="3805106"/>
+            <a:ext cx="1124128" cy="2137924"/>
+          </a:xfrm>
+          <a:prstGeom prst="line">
+            <a:avLst/>
+          </a:prstGeom>
+        </p:spPr>
+        <p:style>
+          <a:lnRef idx="1">
+            <a:schemeClr val="accent1"/>
+          </a:lnRef>
+          <a:fillRef idx="0">
+            <a:schemeClr val="accent1"/>
+          </a:fillRef>
+          <a:effectRef idx="0">
+            <a:schemeClr val="accent1"/>
+          </a:effectRef>
+          <a:fontRef idx="minor">
+            <a:schemeClr val="tx1"/>
+          </a:fontRef>
+        </p:style>
+      </p:cxnSp>
+      <p:cxnSp>
+        <p:nvCxnSpPr>
+          <p:cNvPr id="56" name="Прямая соединительная линия 55">
+            <a:extLst>
+              <a:ext uri="{FF2B5EF4-FFF2-40B4-BE49-F238E27FC236}">
+                <a16:creationId xmlns:a16="http://schemas.microsoft.com/office/drawing/2014/main" id="{B1882B8A-6899-46D5-9622-966A814D988C}"/>
+              </a:ext>
+            </a:extLst>
+          </p:cNvPr>
+          <p:cNvCxnSpPr>
+            <a:cxnSpLocks/>
+            <a:endCxn id="5" idx="2"/>
+          </p:cNvCxnSpPr>
+          <p:nvPr/>
+        </p:nvCxnSpPr>
+        <p:spPr>
+          <a:xfrm flipV="1">
+            <a:off x="4394602" y="2919559"/>
+            <a:ext cx="1115740" cy="1108746"/>
+          </a:xfrm>
+          <a:prstGeom prst="line">
+            <a:avLst/>
+          </a:prstGeom>
+        </p:spPr>
+        <p:style>
+          <a:lnRef idx="1">
+            <a:schemeClr val="accent1"/>
+          </a:lnRef>
+          <a:fillRef idx="0">
+            <a:schemeClr val="accent1"/>
+          </a:fillRef>
+          <a:effectRef idx="0">
+            <a:schemeClr val="accent1"/>
+          </a:effectRef>
+          <a:fontRef idx="minor">
+            <a:schemeClr val="tx1"/>
+          </a:fontRef>
+        </p:style>
+      </p:cxnSp>
+      <p:cxnSp>
+        <p:nvCxnSpPr>
+          <p:cNvPr id="59" name="Прямая соединительная линия 58">
+            <a:extLst>
+              <a:ext uri="{FF2B5EF4-FFF2-40B4-BE49-F238E27FC236}">
+                <a16:creationId xmlns:a16="http://schemas.microsoft.com/office/drawing/2014/main" id="{13D498D4-9DA7-4C03-98D1-81532B36D59F}"/>
+              </a:ext>
+            </a:extLst>
+          </p:cNvPr>
+          <p:cNvCxnSpPr>
+            <a:cxnSpLocks/>
+            <a:endCxn id="5" idx="2"/>
+          </p:cNvCxnSpPr>
+          <p:nvPr/>
+        </p:nvCxnSpPr>
+        <p:spPr>
+          <a:xfrm flipV="1">
+            <a:off x="4394602" y="2919559"/>
+            <a:ext cx="1115740" cy="1267012"/>
+          </a:xfrm>
+          <a:prstGeom prst="line">
+            <a:avLst/>
+          </a:prstGeom>
+        </p:spPr>
+        <p:style>
+          <a:lnRef idx="1">
+            <a:schemeClr val="accent1"/>
+          </a:lnRef>
+          <a:fillRef idx="0">
+            <a:schemeClr val="accent1"/>
+          </a:fillRef>
+          <a:effectRef idx="0">
+            <a:schemeClr val="accent1"/>
+          </a:effectRef>
+          <a:fontRef idx="minor">
+            <a:schemeClr val="tx1"/>
+          </a:fontRef>
+        </p:style>
+      </p:cxnSp>
+      <p:cxnSp>
+        <p:nvCxnSpPr>
+          <p:cNvPr id="62" name="Прямая соединительная линия 61">
+            <a:extLst>
+              <a:ext uri="{FF2B5EF4-FFF2-40B4-BE49-F238E27FC236}">
+                <a16:creationId xmlns:a16="http://schemas.microsoft.com/office/drawing/2014/main" id="{C34D32C9-EEBF-4225-BE37-9353C9C2B7CD}"/>
+              </a:ext>
+            </a:extLst>
+          </p:cNvPr>
+          <p:cNvCxnSpPr>
+            <a:cxnSpLocks/>
+            <a:endCxn id="5" idx="2"/>
+          </p:cNvCxnSpPr>
+          <p:nvPr/>
+        </p:nvCxnSpPr>
+        <p:spPr>
+          <a:xfrm flipV="1">
+            <a:off x="4386210" y="2919559"/>
+            <a:ext cx="1124132" cy="2011328"/>
+          </a:xfrm>
+          <a:prstGeom prst="line">
+            <a:avLst/>
+          </a:prstGeom>
+        </p:spPr>
+        <p:style>
+          <a:lnRef idx="1">
+            <a:schemeClr val="accent1"/>
+          </a:lnRef>
+          <a:fillRef idx="0">
+            <a:schemeClr val="accent1"/>
+          </a:fillRef>
+          <a:effectRef idx="0">
+            <a:schemeClr val="accent1"/>
+          </a:effectRef>
+          <a:fontRef idx="minor">
+            <a:schemeClr val="tx1"/>
+          </a:fontRef>
+        </p:style>
+      </p:cxnSp>
+      <p:cxnSp>
+        <p:nvCxnSpPr>
+          <p:cNvPr id="65" name="Прямая соединительная линия 64">
+            <a:extLst>
+              <a:ext uri="{FF2B5EF4-FFF2-40B4-BE49-F238E27FC236}">
+                <a16:creationId xmlns:a16="http://schemas.microsoft.com/office/drawing/2014/main" id="{642733F1-7CAE-4EDF-8001-4BCA9E04BBE0}"/>
+              </a:ext>
+            </a:extLst>
+          </p:cNvPr>
+          <p:cNvCxnSpPr>
+            <a:cxnSpLocks/>
+            <a:endCxn id="5" idx="2"/>
+          </p:cNvCxnSpPr>
+          <p:nvPr/>
+        </p:nvCxnSpPr>
+        <p:spPr>
+          <a:xfrm flipV="1">
+            <a:off x="4386208" y="2919559"/>
+            <a:ext cx="1124134" cy="2160044"/>
+          </a:xfrm>
+          <a:prstGeom prst="line">
+            <a:avLst/>
+          </a:prstGeom>
+        </p:spPr>
+        <p:style>
+          <a:lnRef idx="1">
+            <a:schemeClr val="accent1"/>
+          </a:lnRef>
+          <a:fillRef idx="0">
+            <a:schemeClr val="accent1"/>
+          </a:fillRef>
+          <a:effectRef idx="0">
+            <a:schemeClr val="accent1"/>
+          </a:effectRef>
+          <a:fontRef idx="minor">
+            <a:schemeClr val="tx1"/>
+          </a:fontRef>
+        </p:style>
+      </p:cxnSp>
+      <p:cxnSp>
+        <p:nvCxnSpPr>
+          <p:cNvPr id="68" name="Прямая соединительная линия 67">
+            <a:extLst>
+              <a:ext uri="{FF2B5EF4-FFF2-40B4-BE49-F238E27FC236}">
+                <a16:creationId xmlns:a16="http://schemas.microsoft.com/office/drawing/2014/main" id="{828A7DA4-0BC5-4EB7-81DD-8654C5E8021D}"/>
+              </a:ext>
+            </a:extLst>
+          </p:cNvPr>
+          <p:cNvCxnSpPr>
+            <a:cxnSpLocks/>
+            <a:endCxn id="10" idx="2"/>
+          </p:cNvCxnSpPr>
+          <p:nvPr/>
+        </p:nvCxnSpPr>
+        <p:spPr>
+          <a:xfrm>
+            <a:off x="4394600" y="3944835"/>
+            <a:ext cx="1115741" cy="1488754"/>
+          </a:xfrm>
+          <a:prstGeom prst="line">
+            <a:avLst/>
+          </a:prstGeom>
+        </p:spPr>
+        <p:style>
+          <a:lnRef idx="1">
+            <a:schemeClr val="accent1"/>
+          </a:lnRef>
+          <a:fillRef idx="0">
+            <a:schemeClr val="accent1"/>
+          </a:fillRef>
+          <a:effectRef idx="0">
+            <a:schemeClr val="accent1"/>
+          </a:effectRef>
+          <a:fontRef idx="minor">
+            <a:schemeClr val="tx1"/>
+          </a:fontRef>
+        </p:style>
+      </p:cxnSp>
+      <p:cxnSp>
+        <p:nvCxnSpPr>
+          <p:cNvPr id="71" name="Прямая соединительная линия 70">
+            <a:extLst>
+              <a:ext uri="{FF2B5EF4-FFF2-40B4-BE49-F238E27FC236}">
+                <a16:creationId xmlns:a16="http://schemas.microsoft.com/office/drawing/2014/main" id="{A7AB4E8F-4E89-489A-9F01-AB41C009AA03}"/>
+              </a:ext>
+            </a:extLst>
+          </p:cNvPr>
+          <p:cNvCxnSpPr>
+            <a:cxnSpLocks/>
+            <a:endCxn id="11" idx="2"/>
+          </p:cNvCxnSpPr>
+          <p:nvPr/>
+        </p:nvCxnSpPr>
+        <p:spPr>
+          <a:xfrm>
+            <a:off x="4386206" y="3931534"/>
+            <a:ext cx="1124134" cy="2011496"/>
+          </a:xfrm>
+          <a:prstGeom prst="line">
+            <a:avLst/>
+          </a:prstGeom>
+        </p:spPr>
+        <p:style>
+          <a:lnRef idx="1">
+            <a:schemeClr val="accent1"/>
+          </a:lnRef>
+          <a:fillRef idx="0">
+            <a:schemeClr val="accent1"/>
+          </a:fillRef>
+          <a:effectRef idx="0">
+            <a:schemeClr val="accent1"/>
+          </a:effectRef>
+          <a:fontRef idx="minor">
+            <a:schemeClr val="tx1"/>
+          </a:fontRef>
+        </p:style>
+      </p:cxnSp>
+      <p:cxnSp>
+        <p:nvCxnSpPr>
+          <p:cNvPr id="74" name="Прямая соединительная линия 73">
+            <a:extLst>
+              <a:ext uri="{FF2B5EF4-FFF2-40B4-BE49-F238E27FC236}">
+                <a16:creationId xmlns:a16="http://schemas.microsoft.com/office/drawing/2014/main" id="{A9000001-84A2-4045-8F6E-27FDE3CD2605}"/>
+              </a:ext>
+            </a:extLst>
+          </p:cNvPr>
+          <p:cNvCxnSpPr>
+            <a:cxnSpLocks/>
+            <a:endCxn id="7" idx="2"/>
+          </p:cNvCxnSpPr>
+          <p:nvPr/>
+        </p:nvCxnSpPr>
+        <p:spPr>
+          <a:xfrm flipV="1">
+            <a:off x="4394598" y="3429000"/>
+            <a:ext cx="1124135" cy="609302"/>
+          </a:xfrm>
+          <a:prstGeom prst="line">
+            <a:avLst/>
+          </a:prstGeom>
+        </p:spPr>
+        <p:style>
+          <a:lnRef idx="1">
+            <a:schemeClr val="accent1"/>
+          </a:lnRef>
+          <a:fillRef idx="0">
+            <a:schemeClr val="accent1"/>
+          </a:fillRef>
+          <a:effectRef idx="0">
+            <a:schemeClr val="accent1"/>
+          </a:effectRef>
+          <a:fontRef idx="minor">
+            <a:schemeClr val="tx1"/>
+          </a:fontRef>
+        </p:style>
+      </p:cxnSp>
+      <p:cxnSp>
+        <p:nvCxnSpPr>
+          <p:cNvPr id="77" name="Прямая соединительная линия 76">
+            <a:extLst>
+              <a:ext uri="{FF2B5EF4-FFF2-40B4-BE49-F238E27FC236}">
+                <a16:creationId xmlns:a16="http://schemas.microsoft.com/office/drawing/2014/main" id="{95DB983F-E939-436E-9450-96699FAA436D}"/>
+              </a:ext>
+            </a:extLst>
+          </p:cNvPr>
+          <p:cNvCxnSpPr>
+            <a:cxnSpLocks/>
+          </p:cNvCxnSpPr>
+          <p:nvPr/>
+        </p:nvCxnSpPr>
+        <p:spPr>
+          <a:xfrm>
+            <a:off x="4394598" y="4038302"/>
+            <a:ext cx="1082277" cy="415973"/>
+          </a:xfrm>
+          <a:prstGeom prst="line">
+            <a:avLst/>
+          </a:prstGeom>
+        </p:spPr>
+        <p:style>
+          <a:lnRef idx="1">
+            <a:schemeClr val="accent1"/>
+          </a:lnRef>
+          <a:fillRef idx="0">
+            <a:schemeClr val="accent1"/>
+          </a:fillRef>
+          <a:effectRef idx="0">
+            <a:schemeClr val="accent1"/>
+          </a:effectRef>
+          <a:fontRef idx="minor">
+            <a:schemeClr val="tx1"/>
+          </a:fontRef>
+        </p:style>
+      </p:cxnSp>
+      <p:cxnSp>
+        <p:nvCxnSpPr>
+          <p:cNvPr id="80" name="Прямая соединительная линия 79">
+            <a:extLst>
+              <a:ext uri="{FF2B5EF4-FFF2-40B4-BE49-F238E27FC236}">
+                <a16:creationId xmlns:a16="http://schemas.microsoft.com/office/drawing/2014/main" id="{9B1020C2-8BD9-485E-B01C-B8C7BAB13460}"/>
+              </a:ext>
+            </a:extLst>
+          </p:cNvPr>
+          <p:cNvCxnSpPr>
+            <a:cxnSpLocks/>
+            <a:endCxn id="10" idx="2"/>
+          </p:cNvCxnSpPr>
+          <p:nvPr/>
+        </p:nvCxnSpPr>
+        <p:spPr>
+          <a:xfrm>
+            <a:off x="4394597" y="4034698"/>
+            <a:ext cx="1115744" cy="1398891"/>
+          </a:xfrm>
+          <a:prstGeom prst="line">
+            <a:avLst/>
+          </a:prstGeom>
+        </p:spPr>
+        <p:style>
+          <a:lnRef idx="1">
+            <a:schemeClr val="accent1"/>
+          </a:lnRef>
+          <a:fillRef idx="0">
+            <a:schemeClr val="accent1"/>
+          </a:fillRef>
+          <a:effectRef idx="0">
+            <a:schemeClr val="accent1"/>
+          </a:effectRef>
+          <a:fontRef idx="minor">
+            <a:schemeClr val="tx1"/>
+          </a:fontRef>
+        </p:style>
+      </p:cxnSp>
+      <p:cxnSp>
+        <p:nvCxnSpPr>
+          <p:cNvPr id="83" name="Прямая соединительная линия 82">
+            <a:extLst>
+              <a:ext uri="{FF2B5EF4-FFF2-40B4-BE49-F238E27FC236}">
+                <a16:creationId xmlns:a16="http://schemas.microsoft.com/office/drawing/2014/main" id="{CDF9FC72-6B67-447D-A0E9-9A55C0289347}"/>
+              </a:ext>
+            </a:extLst>
+          </p:cNvPr>
+          <p:cNvCxnSpPr>
+            <a:cxnSpLocks/>
+            <a:endCxn id="11" idx="2"/>
+          </p:cNvCxnSpPr>
+          <p:nvPr/>
+        </p:nvCxnSpPr>
+        <p:spPr>
+          <a:xfrm>
+            <a:off x="4394596" y="4041196"/>
+            <a:ext cx="1115744" cy="1901834"/>
+          </a:xfrm>
+          <a:prstGeom prst="line">
+            <a:avLst/>
+          </a:prstGeom>
+        </p:spPr>
+        <p:style>
+          <a:lnRef idx="1">
+            <a:schemeClr val="accent1"/>
+          </a:lnRef>
+          <a:fillRef idx="0">
+            <a:schemeClr val="accent1"/>
+          </a:fillRef>
+          <a:effectRef idx="0">
+            <a:schemeClr val="accent1"/>
+          </a:effectRef>
+          <a:fontRef idx="minor">
+            <a:schemeClr val="tx1"/>
+          </a:fontRef>
+        </p:style>
+      </p:cxnSp>
+      <p:cxnSp>
+        <p:nvCxnSpPr>
+          <p:cNvPr id="86" name="Прямая соединительная линия 85">
+            <a:extLst>
+              <a:ext uri="{FF2B5EF4-FFF2-40B4-BE49-F238E27FC236}">
+                <a16:creationId xmlns:a16="http://schemas.microsoft.com/office/drawing/2014/main" id="{7B77C466-81DE-40B9-B7FA-EDC00904BC8A}"/>
+              </a:ext>
+            </a:extLst>
+          </p:cNvPr>
+          <p:cNvCxnSpPr>
+            <a:cxnSpLocks/>
+            <a:endCxn id="7" idx="2"/>
+          </p:cNvCxnSpPr>
+          <p:nvPr/>
+        </p:nvCxnSpPr>
+        <p:spPr>
+          <a:xfrm flipV="1">
+            <a:off x="4394595" y="3429000"/>
+            <a:ext cx="1124138" cy="757572"/>
+          </a:xfrm>
+          <a:prstGeom prst="line">
+            <a:avLst/>
+          </a:prstGeom>
+        </p:spPr>
+        <p:style>
+          <a:lnRef idx="1">
+            <a:schemeClr val="accent1"/>
+          </a:lnRef>
+          <a:fillRef idx="0">
+            <a:schemeClr val="accent1"/>
+          </a:fillRef>
+          <a:effectRef idx="0">
+            <a:schemeClr val="accent1"/>
+          </a:effectRef>
+          <a:fontRef idx="minor">
+            <a:schemeClr val="tx1"/>
+          </a:fontRef>
+        </p:style>
+      </p:cxnSp>
+      <p:cxnSp>
+        <p:nvCxnSpPr>
+          <p:cNvPr id="89" name="Прямая соединительная линия 88">
+            <a:extLst>
+              <a:ext uri="{FF2B5EF4-FFF2-40B4-BE49-F238E27FC236}">
+                <a16:creationId xmlns:a16="http://schemas.microsoft.com/office/drawing/2014/main" id="{279A7630-7936-4CC3-8DB3-A4570E1F87CA}"/>
+              </a:ext>
+            </a:extLst>
+          </p:cNvPr>
+          <p:cNvCxnSpPr>
+            <a:cxnSpLocks/>
+            <a:endCxn id="8" idx="2"/>
+          </p:cNvCxnSpPr>
+          <p:nvPr/>
+        </p:nvCxnSpPr>
+        <p:spPr>
+          <a:xfrm flipV="1">
+            <a:off x="4394594" y="3938441"/>
+            <a:ext cx="1115749" cy="254524"/>
+          </a:xfrm>
+          <a:prstGeom prst="line">
+            <a:avLst/>
+          </a:prstGeom>
+        </p:spPr>
+        <p:style>
+          <a:lnRef idx="1">
+            <a:schemeClr val="accent1"/>
+          </a:lnRef>
+          <a:fillRef idx="0">
+            <a:schemeClr val="accent1"/>
+          </a:fillRef>
+          <a:effectRef idx="0">
+            <a:schemeClr val="accent1"/>
+          </a:effectRef>
+          <a:fontRef idx="minor">
+            <a:schemeClr val="tx1"/>
+          </a:fontRef>
+        </p:style>
+      </p:cxnSp>
+      <p:cxnSp>
+        <p:nvCxnSpPr>
+          <p:cNvPr id="94" name="Прямая соединительная линия 93">
+            <a:extLst>
+              <a:ext uri="{FF2B5EF4-FFF2-40B4-BE49-F238E27FC236}">
+                <a16:creationId xmlns:a16="http://schemas.microsoft.com/office/drawing/2014/main" id="{B347BB11-C343-4D9B-A4F9-F68FE7199319}"/>
+              </a:ext>
+            </a:extLst>
+          </p:cNvPr>
+          <p:cNvCxnSpPr>
+            <a:cxnSpLocks/>
+            <a:endCxn id="10" idx="2"/>
+          </p:cNvCxnSpPr>
+          <p:nvPr/>
+        </p:nvCxnSpPr>
+        <p:spPr>
+          <a:xfrm>
+            <a:off x="4394594" y="4199344"/>
+            <a:ext cx="1115747" cy="1234245"/>
+          </a:xfrm>
+          <a:prstGeom prst="line">
+            <a:avLst/>
+          </a:prstGeom>
+        </p:spPr>
+        <p:style>
+          <a:lnRef idx="1">
+            <a:schemeClr val="accent1"/>
+          </a:lnRef>
+          <a:fillRef idx="0">
+            <a:schemeClr val="accent1"/>
+          </a:fillRef>
+          <a:effectRef idx="0">
+            <a:schemeClr val="accent1"/>
+          </a:effectRef>
+          <a:fontRef idx="minor">
+            <a:schemeClr val="tx1"/>
+          </a:fontRef>
+        </p:style>
+      </p:cxnSp>
+      <p:cxnSp>
+        <p:nvCxnSpPr>
+          <p:cNvPr id="97" name="Прямая соединительная линия 96">
+            <a:extLst>
+              <a:ext uri="{FF2B5EF4-FFF2-40B4-BE49-F238E27FC236}">
+                <a16:creationId xmlns:a16="http://schemas.microsoft.com/office/drawing/2014/main" id="{82318FD2-41BE-4AC6-8D5F-EC3381DED5A4}"/>
+              </a:ext>
+            </a:extLst>
+          </p:cNvPr>
+          <p:cNvCxnSpPr>
+            <a:cxnSpLocks/>
+            <a:endCxn id="11" idx="2"/>
+          </p:cNvCxnSpPr>
+          <p:nvPr/>
+        </p:nvCxnSpPr>
+        <p:spPr>
+          <a:xfrm>
+            <a:off x="4394593" y="4199343"/>
+            <a:ext cx="1115747" cy="1743687"/>
+          </a:xfrm>
+          <a:prstGeom prst="line">
+            <a:avLst/>
+          </a:prstGeom>
+        </p:spPr>
+        <p:style>
+          <a:lnRef idx="1">
+            <a:schemeClr val="accent1"/>
+          </a:lnRef>
+          <a:fillRef idx="0">
+            <a:schemeClr val="accent1"/>
+          </a:fillRef>
+          <a:effectRef idx="0">
+            <a:schemeClr val="accent1"/>
+          </a:effectRef>
+          <a:fontRef idx="minor">
+            <a:schemeClr val="tx1"/>
+          </a:fontRef>
+        </p:style>
+      </p:cxnSp>
+      <p:cxnSp>
+        <p:nvCxnSpPr>
+          <p:cNvPr id="102" name="Прямая соединительная линия 101">
+            <a:extLst>
+              <a:ext uri="{FF2B5EF4-FFF2-40B4-BE49-F238E27FC236}">
+                <a16:creationId xmlns:a16="http://schemas.microsoft.com/office/drawing/2014/main" id="{E704709A-964E-4D23-97A3-E40CC2E918EC}"/>
+              </a:ext>
+            </a:extLst>
+          </p:cNvPr>
+          <p:cNvCxnSpPr>
+            <a:cxnSpLocks/>
+            <a:endCxn id="7" idx="2"/>
+          </p:cNvCxnSpPr>
+          <p:nvPr/>
+        </p:nvCxnSpPr>
+        <p:spPr>
+          <a:xfrm flipV="1">
+            <a:off x="4386202" y="3429000"/>
+            <a:ext cx="1132531" cy="1514658"/>
+          </a:xfrm>
+          <a:prstGeom prst="line">
+            <a:avLst/>
+          </a:prstGeom>
+        </p:spPr>
+        <p:style>
+          <a:lnRef idx="1">
+            <a:schemeClr val="accent1"/>
+          </a:lnRef>
+          <a:fillRef idx="0">
+            <a:schemeClr val="accent1"/>
+          </a:fillRef>
+          <a:effectRef idx="0">
+            <a:schemeClr val="accent1"/>
+          </a:effectRef>
+          <a:fontRef idx="minor">
+            <a:schemeClr val="tx1"/>
+          </a:fontRef>
+        </p:style>
+      </p:cxnSp>
+      <p:cxnSp>
+        <p:nvCxnSpPr>
+          <p:cNvPr id="105" name="Прямая соединительная линия 104">
+            <a:extLst>
+              <a:ext uri="{FF2B5EF4-FFF2-40B4-BE49-F238E27FC236}">
+                <a16:creationId xmlns:a16="http://schemas.microsoft.com/office/drawing/2014/main" id="{8A44DA3A-0A00-40C6-BD50-087AF9D7212B}"/>
+              </a:ext>
+            </a:extLst>
+          </p:cNvPr>
+          <p:cNvCxnSpPr>
+            <a:cxnSpLocks/>
+            <a:endCxn id="8" idx="2"/>
+          </p:cNvCxnSpPr>
+          <p:nvPr/>
+        </p:nvCxnSpPr>
+        <p:spPr>
+          <a:xfrm flipV="1">
+            <a:off x="4386200" y="3938441"/>
+            <a:ext cx="1124143" cy="1005218"/>
+          </a:xfrm>
+          <a:prstGeom prst="line">
+            <a:avLst/>
+          </a:prstGeom>
+        </p:spPr>
+        <p:style>
+          <a:lnRef idx="1">
+            <a:schemeClr val="accent1"/>
+          </a:lnRef>
+          <a:fillRef idx="0">
+            <a:schemeClr val="accent1"/>
+          </a:fillRef>
+          <a:effectRef idx="0">
+            <a:schemeClr val="accent1"/>
+          </a:effectRef>
+          <a:fontRef idx="minor">
+            <a:schemeClr val="tx1"/>
+          </a:fontRef>
+        </p:style>
+      </p:cxnSp>
+      <p:cxnSp>
+        <p:nvCxnSpPr>
+          <p:cNvPr id="108" name="Прямая соединительная линия 107">
+            <a:extLst>
+              <a:ext uri="{FF2B5EF4-FFF2-40B4-BE49-F238E27FC236}">
+                <a16:creationId xmlns:a16="http://schemas.microsoft.com/office/drawing/2014/main" id="{358B810E-D94A-4F3C-BC8F-CE2C33AB291F}"/>
+              </a:ext>
+            </a:extLst>
+          </p:cNvPr>
+          <p:cNvCxnSpPr>
+            <a:cxnSpLocks/>
+            <a:endCxn id="9" idx="2"/>
+          </p:cNvCxnSpPr>
+          <p:nvPr/>
+        </p:nvCxnSpPr>
+        <p:spPr>
+          <a:xfrm flipV="1">
+            <a:off x="4394592" y="4447882"/>
+            <a:ext cx="1115749" cy="502154"/>
+          </a:xfrm>
+          <a:prstGeom prst="line">
+            <a:avLst/>
+          </a:prstGeom>
+        </p:spPr>
+        <p:style>
+          <a:lnRef idx="1">
+            <a:schemeClr val="accent1"/>
+          </a:lnRef>
+          <a:fillRef idx="0">
+            <a:schemeClr val="accent1"/>
+          </a:fillRef>
+          <a:effectRef idx="0">
+            <a:schemeClr val="accent1"/>
+          </a:effectRef>
+          <a:fontRef idx="minor">
+            <a:schemeClr val="tx1"/>
+          </a:fontRef>
+        </p:style>
+      </p:cxnSp>
+      <p:cxnSp>
+        <p:nvCxnSpPr>
+          <p:cNvPr id="111" name="Прямая соединительная линия 110">
+            <a:extLst>
+              <a:ext uri="{FF2B5EF4-FFF2-40B4-BE49-F238E27FC236}">
+                <a16:creationId xmlns:a16="http://schemas.microsoft.com/office/drawing/2014/main" id="{73D7C283-7D04-43E5-B0FE-BC4500D33DF3}"/>
+              </a:ext>
+            </a:extLst>
+          </p:cNvPr>
+          <p:cNvCxnSpPr>
+            <a:cxnSpLocks/>
+            <a:endCxn id="7" idx="2"/>
+          </p:cNvCxnSpPr>
+          <p:nvPr/>
+        </p:nvCxnSpPr>
+        <p:spPr>
+          <a:xfrm flipV="1">
+            <a:off x="4394591" y="3429000"/>
+            <a:ext cx="1124142" cy="1637276"/>
+          </a:xfrm>
+          <a:prstGeom prst="line">
+            <a:avLst/>
+          </a:prstGeom>
+        </p:spPr>
+        <p:style>
+          <a:lnRef idx="1">
+            <a:schemeClr val="accent1"/>
+          </a:lnRef>
+          <a:fillRef idx="0">
+            <a:schemeClr val="accent1"/>
+          </a:fillRef>
+          <a:effectRef idx="0">
+            <a:schemeClr val="accent1"/>
+          </a:effectRef>
+          <a:fontRef idx="minor">
+            <a:schemeClr val="tx1"/>
+          </a:fontRef>
+        </p:style>
+      </p:cxnSp>
+      <p:cxnSp>
+        <p:nvCxnSpPr>
+          <p:cNvPr id="114" name="Прямая соединительная линия 113">
+            <a:extLst>
+              <a:ext uri="{FF2B5EF4-FFF2-40B4-BE49-F238E27FC236}">
+                <a16:creationId xmlns:a16="http://schemas.microsoft.com/office/drawing/2014/main" id="{100A8A40-70D8-46FD-B2C7-8F129BEE1C8F}"/>
+              </a:ext>
+            </a:extLst>
+          </p:cNvPr>
+          <p:cNvCxnSpPr>
+            <a:cxnSpLocks/>
+          </p:cNvCxnSpPr>
+          <p:nvPr/>
+        </p:nvCxnSpPr>
+        <p:spPr>
+          <a:xfrm flipV="1">
+            <a:off x="4386198" y="3945525"/>
+            <a:ext cx="1090677" cy="1146847"/>
+          </a:xfrm>
+          <a:prstGeom prst="line">
+            <a:avLst/>
+          </a:prstGeom>
+        </p:spPr>
+        <p:style>
+          <a:lnRef idx="1">
+            <a:schemeClr val="accent1"/>
+          </a:lnRef>
+          <a:fillRef idx="0">
+            <a:schemeClr val="accent1"/>
+          </a:fillRef>
+          <a:effectRef idx="0">
+            <a:schemeClr val="accent1"/>
+          </a:effectRef>
+          <a:fontRef idx="minor">
+            <a:schemeClr val="tx1"/>
+          </a:fontRef>
+        </p:style>
+      </p:cxnSp>
+      <p:cxnSp>
+        <p:nvCxnSpPr>
+          <p:cNvPr id="117" name="Прямая соединительная линия 116">
+            <a:extLst>
+              <a:ext uri="{FF2B5EF4-FFF2-40B4-BE49-F238E27FC236}">
+                <a16:creationId xmlns:a16="http://schemas.microsoft.com/office/drawing/2014/main" id="{3EB74862-AF73-43E8-B907-989109B70CF2}"/>
+              </a:ext>
+            </a:extLst>
+          </p:cNvPr>
+          <p:cNvCxnSpPr>
+            <a:cxnSpLocks/>
+            <a:endCxn id="9" idx="2"/>
+          </p:cNvCxnSpPr>
+          <p:nvPr/>
+        </p:nvCxnSpPr>
+        <p:spPr>
+          <a:xfrm flipV="1">
+            <a:off x="4394590" y="4447882"/>
+            <a:ext cx="1115751" cy="637488"/>
+          </a:xfrm>
+          <a:prstGeom prst="line">
+            <a:avLst/>
+          </a:prstGeom>
+        </p:spPr>
+        <p:style>
+          <a:lnRef idx="1">
+            <a:schemeClr val="accent1"/>
+          </a:lnRef>
+          <a:fillRef idx="0">
+            <a:schemeClr val="accent1"/>
+          </a:fillRef>
+          <a:effectRef idx="0">
+            <a:schemeClr val="accent1"/>
+          </a:effectRef>
+          <a:fontRef idx="minor">
+            <a:schemeClr val="tx1"/>
+          </a:fontRef>
+        </p:style>
+      </p:cxnSp>
+      <p:cxnSp>
+        <p:nvCxnSpPr>
+          <p:cNvPr id="120" name="Прямая соединительная линия 119">
+            <a:extLst>
+              <a:ext uri="{FF2B5EF4-FFF2-40B4-BE49-F238E27FC236}">
+                <a16:creationId xmlns:a16="http://schemas.microsoft.com/office/drawing/2014/main" id="{1882542D-43EB-448F-8AB0-5183EBDD1E1A}"/>
+              </a:ext>
+            </a:extLst>
+          </p:cNvPr>
+          <p:cNvCxnSpPr>
+            <a:cxnSpLocks/>
+            <a:endCxn id="10" idx="2"/>
+          </p:cNvCxnSpPr>
+          <p:nvPr/>
+        </p:nvCxnSpPr>
+        <p:spPr>
+          <a:xfrm>
+            <a:off x="4377807" y="5078992"/>
+            <a:ext cx="1132534" cy="354597"/>
+          </a:xfrm>
+          <a:prstGeom prst="line">
+            <a:avLst/>
+          </a:prstGeom>
+        </p:spPr>
+        <p:style>
+          <a:lnRef idx="1">
+            <a:schemeClr val="accent1"/>
+          </a:lnRef>
+          <a:fillRef idx="0">
+            <a:schemeClr val="accent1"/>
+          </a:fillRef>
+          <a:effectRef idx="0">
+            <a:schemeClr val="accent1"/>
+          </a:effectRef>
+          <a:fontRef idx="minor">
+            <a:schemeClr val="tx1"/>
+          </a:fontRef>
+        </p:style>
+      </p:cxnSp>
+      <p:sp>
+        <p:nvSpPr>
+          <p:cNvPr id="123" name="Овал 122">
+            <a:extLst>
+              <a:ext uri="{FF2B5EF4-FFF2-40B4-BE49-F238E27FC236}">
+                <a16:creationId xmlns:a16="http://schemas.microsoft.com/office/drawing/2014/main" id="{A9082349-F9A3-4776-8B4B-0418F879C542}"/>
+              </a:ext>
+            </a:extLst>
+          </p:cNvPr>
           <p:cNvSpPr/>
           <p:nvPr/>
         </p:nvSpPr>
         <p:spPr>
           <a:xfrm>
-            <a:off x="5078135" y="851039"/>
-            <a:ext cx="6859399" cy="5447645"/>
+            <a:off x="7448679" y="3769199"/>
+            <a:ext cx="352337" cy="360727"/>
+          </a:xfrm>
+          <a:prstGeom prst="ellipse">
+            <a:avLst/>
+          </a:prstGeom>
+        </p:spPr>
+        <p:style>
+          <a:lnRef idx="2">
+            <a:schemeClr val="dk1">
+              <a:shade val="50000"/>
+            </a:schemeClr>
+          </a:lnRef>
+          <a:fillRef idx="1">
+            <a:schemeClr val="dk1"/>
+          </a:fillRef>
+          <a:effectRef idx="0">
+            <a:schemeClr val="dk1"/>
+          </a:effectRef>
+          <a:fontRef idx="minor">
+            <a:schemeClr val="lt1"/>
+          </a:fontRef>
+        </p:style>
+        <p:txBody>
+          <a:bodyPr rtlCol="0" anchor="ctr"/>
+          <a:lstStyle/>
+          <a:p>
+            <a:pPr algn="ctr"/>
+            <a:endParaRPr lang="ru-RU"/>
+          </a:p>
+        </p:txBody>
+      </p:sp>
+      <p:sp>
+        <p:nvSpPr>
+          <p:cNvPr id="124" name="Овал 123">
+            <a:extLst>
+              <a:ext uri="{FF2B5EF4-FFF2-40B4-BE49-F238E27FC236}">
+                <a16:creationId xmlns:a16="http://schemas.microsoft.com/office/drawing/2014/main" id="{3F5E8916-6AE5-4D5B-A956-C4DD5DC125E6}"/>
+              </a:ext>
+            </a:extLst>
+          </p:cNvPr>
+          <p:cNvSpPr/>
+          <p:nvPr/>
+        </p:nvSpPr>
+        <p:spPr>
+          <a:xfrm>
+            <a:off x="7448679" y="4456206"/>
+            <a:ext cx="352337" cy="360727"/>
+          </a:xfrm>
+          <a:prstGeom prst="ellipse">
+            <a:avLst/>
+          </a:prstGeom>
+        </p:spPr>
+        <p:style>
+          <a:lnRef idx="2">
+            <a:schemeClr val="dk1">
+              <a:shade val="50000"/>
+            </a:schemeClr>
+          </a:lnRef>
+          <a:fillRef idx="1">
+            <a:schemeClr val="dk1"/>
+          </a:fillRef>
+          <a:effectRef idx="0">
+            <a:schemeClr val="dk1"/>
+          </a:effectRef>
+          <a:fontRef idx="minor">
+            <a:schemeClr val="lt1"/>
+          </a:fontRef>
+        </p:style>
+        <p:txBody>
+          <a:bodyPr rtlCol="0" anchor="ctr"/>
+          <a:lstStyle/>
+          <a:p>
+            <a:pPr algn="ctr"/>
+            <a:endParaRPr lang="ru-RU"/>
+          </a:p>
+        </p:txBody>
+      </p:sp>
+      <p:cxnSp>
+        <p:nvCxnSpPr>
+          <p:cNvPr id="125" name="Прямая соединительная линия 124">
+            <a:extLst>
+              <a:ext uri="{FF2B5EF4-FFF2-40B4-BE49-F238E27FC236}">
+                <a16:creationId xmlns:a16="http://schemas.microsoft.com/office/drawing/2014/main" id="{2F13A173-8F6A-4450-A090-3B4F49B23817}"/>
+              </a:ext>
+            </a:extLst>
+          </p:cNvPr>
+          <p:cNvCxnSpPr>
+            <a:cxnSpLocks/>
+            <a:stCxn id="123" idx="2"/>
+            <a:endCxn id="5" idx="6"/>
+          </p:cNvCxnSpPr>
+          <p:nvPr/>
+        </p:nvCxnSpPr>
+        <p:spPr>
+          <a:xfrm flipH="1" flipV="1">
+            <a:off x="5862679" y="2919559"/>
+            <a:ext cx="1586000" cy="1030004"/>
+          </a:xfrm>
+          <a:prstGeom prst="line">
+            <a:avLst/>
+          </a:prstGeom>
+        </p:spPr>
+        <p:style>
+          <a:lnRef idx="1">
+            <a:schemeClr val="accent1"/>
+          </a:lnRef>
+          <a:fillRef idx="0">
+            <a:schemeClr val="accent1"/>
+          </a:fillRef>
+          <a:effectRef idx="0">
+            <a:schemeClr val="accent1"/>
+          </a:effectRef>
+          <a:fontRef idx="minor">
+            <a:schemeClr val="tx1"/>
+          </a:fontRef>
+        </p:style>
+      </p:cxnSp>
+      <p:cxnSp>
+        <p:nvCxnSpPr>
+          <p:cNvPr id="128" name="Прямая соединительная линия 127">
+            <a:extLst>
+              <a:ext uri="{FF2B5EF4-FFF2-40B4-BE49-F238E27FC236}">
+                <a16:creationId xmlns:a16="http://schemas.microsoft.com/office/drawing/2014/main" id="{1329220A-E9F6-43E7-8EB6-B910F96CB442}"/>
+              </a:ext>
+            </a:extLst>
+          </p:cNvPr>
+          <p:cNvCxnSpPr>
+            <a:cxnSpLocks/>
+            <a:stCxn id="123" idx="2"/>
+            <a:endCxn id="7" idx="6"/>
+          </p:cNvCxnSpPr>
+          <p:nvPr/>
+        </p:nvCxnSpPr>
+        <p:spPr>
+          <a:xfrm flipH="1" flipV="1">
+            <a:off x="5871070" y="3429000"/>
+            <a:ext cx="1577609" cy="520563"/>
+          </a:xfrm>
+          <a:prstGeom prst="line">
+            <a:avLst/>
+          </a:prstGeom>
+        </p:spPr>
+        <p:style>
+          <a:lnRef idx="1">
+            <a:schemeClr val="accent1"/>
+          </a:lnRef>
+          <a:fillRef idx="0">
+            <a:schemeClr val="accent1"/>
+          </a:fillRef>
+          <a:effectRef idx="0">
+            <a:schemeClr val="accent1"/>
+          </a:effectRef>
+          <a:fontRef idx="minor">
+            <a:schemeClr val="tx1"/>
+          </a:fontRef>
+        </p:style>
+      </p:cxnSp>
+      <p:cxnSp>
+        <p:nvCxnSpPr>
+          <p:cNvPr id="131" name="Прямая соединительная линия 130">
+            <a:extLst>
+              <a:ext uri="{FF2B5EF4-FFF2-40B4-BE49-F238E27FC236}">
+                <a16:creationId xmlns:a16="http://schemas.microsoft.com/office/drawing/2014/main" id="{B5AE5091-A66E-498F-A93B-A823CAABB523}"/>
+              </a:ext>
+            </a:extLst>
+          </p:cNvPr>
+          <p:cNvCxnSpPr>
+            <a:cxnSpLocks/>
+            <a:stCxn id="123" idx="2"/>
+            <a:endCxn id="8" idx="6"/>
+          </p:cNvCxnSpPr>
+          <p:nvPr/>
+        </p:nvCxnSpPr>
+        <p:spPr>
+          <a:xfrm flipH="1" flipV="1">
+            <a:off x="5862680" y="3938441"/>
+            <a:ext cx="1585999" cy="11122"/>
+          </a:xfrm>
+          <a:prstGeom prst="line">
+            <a:avLst/>
+          </a:prstGeom>
+        </p:spPr>
+        <p:style>
+          <a:lnRef idx="1">
+            <a:schemeClr val="accent1"/>
+          </a:lnRef>
+          <a:fillRef idx="0">
+            <a:schemeClr val="accent1"/>
+          </a:fillRef>
+          <a:effectRef idx="0">
+            <a:schemeClr val="accent1"/>
+          </a:effectRef>
+          <a:fontRef idx="minor">
+            <a:schemeClr val="tx1"/>
+          </a:fontRef>
+        </p:style>
+      </p:cxnSp>
+      <p:cxnSp>
+        <p:nvCxnSpPr>
+          <p:cNvPr id="134" name="Прямая соединительная линия 133">
+            <a:extLst>
+              <a:ext uri="{FF2B5EF4-FFF2-40B4-BE49-F238E27FC236}">
+                <a16:creationId xmlns:a16="http://schemas.microsoft.com/office/drawing/2014/main" id="{4FE01EE3-6A7E-49D6-A41C-5A80E35161E4}"/>
+              </a:ext>
+            </a:extLst>
+          </p:cNvPr>
+          <p:cNvCxnSpPr>
+            <a:cxnSpLocks/>
+            <a:stCxn id="123" idx="2"/>
+            <a:endCxn id="9" idx="6"/>
+          </p:cNvCxnSpPr>
+          <p:nvPr/>
+        </p:nvCxnSpPr>
+        <p:spPr>
+          <a:xfrm flipH="1">
+            <a:off x="5862678" y="3949563"/>
+            <a:ext cx="1586001" cy="498319"/>
+          </a:xfrm>
+          <a:prstGeom prst="line">
+            <a:avLst/>
+          </a:prstGeom>
+        </p:spPr>
+        <p:style>
+          <a:lnRef idx="1">
+            <a:schemeClr val="accent1"/>
+          </a:lnRef>
+          <a:fillRef idx="0">
+            <a:schemeClr val="accent1"/>
+          </a:fillRef>
+          <a:effectRef idx="0">
+            <a:schemeClr val="accent1"/>
+          </a:effectRef>
+          <a:fontRef idx="minor">
+            <a:schemeClr val="tx1"/>
+          </a:fontRef>
+        </p:style>
+      </p:cxnSp>
+      <p:cxnSp>
+        <p:nvCxnSpPr>
+          <p:cNvPr id="137" name="Прямая соединительная линия 136">
+            <a:extLst>
+              <a:ext uri="{FF2B5EF4-FFF2-40B4-BE49-F238E27FC236}">
+                <a16:creationId xmlns:a16="http://schemas.microsoft.com/office/drawing/2014/main" id="{9438990F-0D14-46B6-BFCE-7C235D0BD39D}"/>
+              </a:ext>
+            </a:extLst>
+          </p:cNvPr>
+          <p:cNvCxnSpPr>
+            <a:cxnSpLocks/>
+            <a:stCxn id="123" idx="2"/>
+            <a:endCxn id="10" idx="6"/>
+          </p:cNvCxnSpPr>
+          <p:nvPr/>
+        </p:nvCxnSpPr>
+        <p:spPr>
+          <a:xfrm flipH="1">
+            <a:off x="5862678" y="3949563"/>
+            <a:ext cx="1586001" cy="1484026"/>
+          </a:xfrm>
+          <a:prstGeom prst="line">
+            <a:avLst/>
+          </a:prstGeom>
+        </p:spPr>
+        <p:style>
+          <a:lnRef idx="1">
+            <a:schemeClr val="accent1"/>
+          </a:lnRef>
+          <a:fillRef idx="0">
+            <a:schemeClr val="accent1"/>
+          </a:fillRef>
+          <a:effectRef idx="0">
+            <a:schemeClr val="accent1"/>
+          </a:effectRef>
+          <a:fontRef idx="minor">
+            <a:schemeClr val="tx1"/>
+          </a:fontRef>
+        </p:style>
+      </p:cxnSp>
+      <p:cxnSp>
+        <p:nvCxnSpPr>
+          <p:cNvPr id="141" name="Прямая соединительная линия 140">
+            <a:extLst>
+              <a:ext uri="{FF2B5EF4-FFF2-40B4-BE49-F238E27FC236}">
+                <a16:creationId xmlns:a16="http://schemas.microsoft.com/office/drawing/2014/main" id="{DACAF897-790B-4848-8ED8-FD0CA7625474}"/>
+              </a:ext>
+            </a:extLst>
+          </p:cNvPr>
+          <p:cNvCxnSpPr>
+            <a:cxnSpLocks/>
+            <a:stCxn id="123" idx="2"/>
+            <a:endCxn id="11" idx="6"/>
+          </p:cNvCxnSpPr>
+          <p:nvPr/>
+        </p:nvCxnSpPr>
+        <p:spPr>
+          <a:xfrm flipH="1">
+            <a:off x="5862677" y="3949563"/>
+            <a:ext cx="1586002" cy="1993467"/>
+          </a:xfrm>
+          <a:prstGeom prst="line">
+            <a:avLst/>
+          </a:prstGeom>
+        </p:spPr>
+        <p:style>
+          <a:lnRef idx="1">
+            <a:schemeClr val="accent1"/>
+          </a:lnRef>
+          <a:fillRef idx="0">
+            <a:schemeClr val="accent1"/>
+          </a:fillRef>
+          <a:effectRef idx="0">
+            <a:schemeClr val="accent1"/>
+          </a:effectRef>
+          <a:fontRef idx="minor">
+            <a:schemeClr val="tx1"/>
+          </a:fontRef>
+        </p:style>
+      </p:cxnSp>
+      <p:cxnSp>
+        <p:nvCxnSpPr>
+          <p:cNvPr id="144" name="Прямая соединительная линия 143">
+            <a:extLst>
+              <a:ext uri="{FF2B5EF4-FFF2-40B4-BE49-F238E27FC236}">
+                <a16:creationId xmlns:a16="http://schemas.microsoft.com/office/drawing/2014/main" id="{9CD4B7B4-5AA4-403F-9782-C2BE51525811}"/>
+              </a:ext>
+            </a:extLst>
+          </p:cNvPr>
+          <p:cNvCxnSpPr>
+            <a:cxnSpLocks/>
+            <a:stCxn id="124" idx="2"/>
+            <a:endCxn id="5" idx="6"/>
+          </p:cNvCxnSpPr>
+          <p:nvPr/>
+        </p:nvCxnSpPr>
+        <p:spPr>
+          <a:xfrm flipH="1" flipV="1">
+            <a:off x="5862679" y="2919559"/>
+            <a:ext cx="1586000" cy="1717011"/>
+          </a:xfrm>
+          <a:prstGeom prst="line">
+            <a:avLst/>
+          </a:prstGeom>
+        </p:spPr>
+        <p:style>
+          <a:lnRef idx="1">
+            <a:schemeClr val="accent1"/>
+          </a:lnRef>
+          <a:fillRef idx="0">
+            <a:schemeClr val="accent1"/>
+          </a:fillRef>
+          <a:effectRef idx="0">
+            <a:schemeClr val="accent1"/>
+          </a:effectRef>
+          <a:fontRef idx="minor">
+            <a:schemeClr val="tx1"/>
+          </a:fontRef>
+        </p:style>
+      </p:cxnSp>
+      <p:cxnSp>
+        <p:nvCxnSpPr>
+          <p:cNvPr id="147" name="Прямая соединительная линия 146">
+            <a:extLst>
+              <a:ext uri="{FF2B5EF4-FFF2-40B4-BE49-F238E27FC236}">
+                <a16:creationId xmlns:a16="http://schemas.microsoft.com/office/drawing/2014/main" id="{A8405556-75EE-455B-9ED7-F5C21E8AFDAC}"/>
+              </a:ext>
+            </a:extLst>
+          </p:cNvPr>
+          <p:cNvCxnSpPr>
+            <a:cxnSpLocks/>
+            <a:stCxn id="124" idx="2"/>
+            <a:endCxn id="7" idx="6"/>
+          </p:cNvCxnSpPr>
+          <p:nvPr/>
+        </p:nvCxnSpPr>
+        <p:spPr>
+          <a:xfrm flipH="1" flipV="1">
+            <a:off x="5871070" y="3429000"/>
+            <a:ext cx="1577609" cy="1207570"/>
+          </a:xfrm>
+          <a:prstGeom prst="line">
+            <a:avLst/>
+          </a:prstGeom>
+        </p:spPr>
+        <p:style>
+          <a:lnRef idx="1">
+            <a:schemeClr val="accent1"/>
+          </a:lnRef>
+          <a:fillRef idx="0">
+            <a:schemeClr val="accent1"/>
+          </a:fillRef>
+          <a:effectRef idx="0">
+            <a:schemeClr val="accent1"/>
+          </a:effectRef>
+          <a:fontRef idx="minor">
+            <a:schemeClr val="tx1"/>
+          </a:fontRef>
+        </p:style>
+      </p:cxnSp>
+      <p:cxnSp>
+        <p:nvCxnSpPr>
+          <p:cNvPr id="150" name="Прямая соединительная линия 149">
+            <a:extLst>
+              <a:ext uri="{FF2B5EF4-FFF2-40B4-BE49-F238E27FC236}">
+                <a16:creationId xmlns:a16="http://schemas.microsoft.com/office/drawing/2014/main" id="{5D28EFFA-150F-4573-99FA-B2727E4F6110}"/>
+              </a:ext>
+            </a:extLst>
+          </p:cNvPr>
+          <p:cNvCxnSpPr>
+            <a:cxnSpLocks/>
+            <a:stCxn id="124" idx="2"/>
+            <a:endCxn id="8" idx="6"/>
+          </p:cNvCxnSpPr>
+          <p:nvPr/>
+        </p:nvCxnSpPr>
+        <p:spPr>
+          <a:xfrm flipH="1" flipV="1">
+            <a:off x="5862680" y="3938441"/>
+            <a:ext cx="1585999" cy="698129"/>
+          </a:xfrm>
+          <a:prstGeom prst="line">
+            <a:avLst/>
+          </a:prstGeom>
+        </p:spPr>
+        <p:style>
+          <a:lnRef idx="1">
+            <a:schemeClr val="accent1"/>
+          </a:lnRef>
+          <a:fillRef idx="0">
+            <a:schemeClr val="accent1"/>
+          </a:fillRef>
+          <a:effectRef idx="0">
+            <a:schemeClr val="accent1"/>
+          </a:effectRef>
+          <a:fontRef idx="minor">
+            <a:schemeClr val="tx1"/>
+          </a:fontRef>
+        </p:style>
+      </p:cxnSp>
+      <p:cxnSp>
+        <p:nvCxnSpPr>
+          <p:cNvPr id="153" name="Прямая соединительная линия 152">
+            <a:extLst>
+              <a:ext uri="{FF2B5EF4-FFF2-40B4-BE49-F238E27FC236}">
+                <a16:creationId xmlns:a16="http://schemas.microsoft.com/office/drawing/2014/main" id="{0D6A1FBE-3EB7-4000-9EFA-975DF81534DC}"/>
+              </a:ext>
+            </a:extLst>
+          </p:cNvPr>
+          <p:cNvCxnSpPr>
+            <a:cxnSpLocks/>
+            <a:stCxn id="124" idx="2"/>
+            <a:endCxn id="9" idx="6"/>
+          </p:cNvCxnSpPr>
+          <p:nvPr/>
+        </p:nvCxnSpPr>
+        <p:spPr>
+          <a:xfrm flipH="1" flipV="1">
+            <a:off x="5862678" y="4447882"/>
+            <a:ext cx="1586001" cy="188688"/>
+          </a:xfrm>
+          <a:prstGeom prst="line">
+            <a:avLst/>
+          </a:prstGeom>
+        </p:spPr>
+        <p:style>
+          <a:lnRef idx="1">
+            <a:schemeClr val="accent1"/>
+          </a:lnRef>
+          <a:fillRef idx="0">
+            <a:schemeClr val="accent1"/>
+          </a:fillRef>
+          <a:effectRef idx="0">
+            <a:schemeClr val="accent1"/>
+          </a:effectRef>
+          <a:fontRef idx="minor">
+            <a:schemeClr val="tx1"/>
+          </a:fontRef>
+        </p:style>
+      </p:cxnSp>
+      <p:cxnSp>
+        <p:nvCxnSpPr>
+          <p:cNvPr id="156" name="Прямая соединительная линия 155">
+            <a:extLst>
+              <a:ext uri="{FF2B5EF4-FFF2-40B4-BE49-F238E27FC236}">
+                <a16:creationId xmlns:a16="http://schemas.microsoft.com/office/drawing/2014/main" id="{934E6C6C-2581-4964-BCC8-4979652EA7F8}"/>
+              </a:ext>
+            </a:extLst>
+          </p:cNvPr>
+          <p:cNvCxnSpPr>
+            <a:cxnSpLocks/>
+            <a:stCxn id="124" idx="2"/>
+            <a:endCxn id="10" idx="6"/>
+          </p:cNvCxnSpPr>
+          <p:nvPr/>
+        </p:nvCxnSpPr>
+        <p:spPr>
+          <a:xfrm flipH="1">
+            <a:off x="5862678" y="4636570"/>
+            <a:ext cx="1586001" cy="797019"/>
+          </a:xfrm>
+          <a:prstGeom prst="line">
+            <a:avLst/>
+          </a:prstGeom>
+        </p:spPr>
+        <p:style>
+          <a:lnRef idx="1">
+            <a:schemeClr val="accent1"/>
+          </a:lnRef>
+          <a:fillRef idx="0">
+            <a:schemeClr val="accent1"/>
+          </a:fillRef>
+          <a:effectRef idx="0">
+            <a:schemeClr val="accent1"/>
+          </a:effectRef>
+          <a:fontRef idx="minor">
+            <a:schemeClr val="tx1"/>
+          </a:fontRef>
+        </p:style>
+      </p:cxnSp>
+      <p:cxnSp>
+        <p:nvCxnSpPr>
+          <p:cNvPr id="159" name="Прямая соединительная линия 158">
+            <a:extLst>
+              <a:ext uri="{FF2B5EF4-FFF2-40B4-BE49-F238E27FC236}">
+                <a16:creationId xmlns:a16="http://schemas.microsoft.com/office/drawing/2014/main" id="{76B2919D-6232-4A51-813B-1F14BEA9318E}"/>
+              </a:ext>
+            </a:extLst>
+          </p:cNvPr>
+          <p:cNvCxnSpPr>
+            <a:cxnSpLocks/>
+            <a:stCxn id="124" idx="2"/>
+            <a:endCxn id="11" idx="6"/>
+          </p:cNvCxnSpPr>
+          <p:nvPr/>
+        </p:nvCxnSpPr>
+        <p:spPr>
+          <a:xfrm flipH="1">
+            <a:off x="5862677" y="4636570"/>
+            <a:ext cx="1586002" cy="1306460"/>
+          </a:xfrm>
+          <a:prstGeom prst="line">
+            <a:avLst/>
+          </a:prstGeom>
+        </p:spPr>
+        <p:style>
+          <a:lnRef idx="1">
+            <a:schemeClr val="accent1"/>
+          </a:lnRef>
+          <a:fillRef idx="0">
+            <a:schemeClr val="accent1"/>
+          </a:fillRef>
+          <a:effectRef idx="0">
+            <a:schemeClr val="accent1"/>
+          </a:effectRef>
+          <a:fontRef idx="minor">
+            <a:schemeClr val="tx1"/>
+          </a:fontRef>
+        </p:style>
+      </p:cxnSp>
+      <p:cxnSp>
+        <p:nvCxnSpPr>
+          <p:cNvPr id="163" name="Прямая со стрелкой 162">
+            <a:extLst>
+              <a:ext uri="{FF2B5EF4-FFF2-40B4-BE49-F238E27FC236}">
+                <a16:creationId xmlns:a16="http://schemas.microsoft.com/office/drawing/2014/main" id="{5A4F1E7E-5157-4EA4-BAD9-1D33B99495EC}"/>
+              </a:ext>
+            </a:extLst>
+          </p:cNvPr>
+          <p:cNvCxnSpPr>
+            <a:stCxn id="123" idx="6"/>
+          </p:cNvCxnSpPr>
+          <p:nvPr/>
+        </p:nvCxnSpPr>
+        <p:spPr>
+          <a:xfrm flipV="1">
+            <a:off x="7801016" y="3944002"/>
+            <a:ext cx="595272" cy="5561"/>
+          </a:xfrm>
+          <a:prstGeom prst="straightConnector1">
+            <a:avLst/>
+          </a:prstGeom>
+          <a:ln>
+            <a:tailEnd type="triangle"/>
+          </a:ln>
+        </p:spPr>
+        <p:style>
+          <a:lnRef idx="1">
+            <a:schemeClr val="accent1"/>
+          </a:lnRef>
+          <a:fillRef idx="0">
+            <a:schemeClr val="accent1"/>
+          </a:fillRef>
+          <a:effectRef idx="0">
+            <a:schemeClr val="accent1"/>
+          </a:effectRef>
+          <a:fontRef idx="minor">
+            <a:schemeClr val="tx1"/>
+          </a:fontRef>
+        </p:style>
+      </p:cxnSp>
+      <p:cxnSp>
+        <p:nvCxnSpPr>
+          <p:cNvPr id="164" name="Прямая со стрелкой 163">
+            <a:extLst>
+              <a:ext uri="{FF2B5EF4-FFF2-40B4-BE49-F238E27FC236}">
+                <a16:creationId xmlns:a16="http://schemas.microsoft.com/office/drawing/2014/main" id="{7666AE4F-C4B3-477C-A93D-57A31FD5EBE0}"/>
+              </a:ext>
+            </a:extLst>
+          </p:cNvPr>
+          <p:cNvCxnSpPr>
+            <a:cxnSpLocks/>
+            <a:stCxn id="124" idx="6"/>
+          </p:cNvCxnSpPr>
+          <p:nvPr/>
+        </p:nvCxnSpPr>
+        <p:spPr>
+          <a:xfrm>
+            <a:off x="7801016" y="4636570"/>
+            <a:ext cx="595272" cy="0"/>
+          </a:xfrm>
+          <a:prstGeom prst="straightConnector1">
+            <a:avLst/>
+          </a:prstGeom>
+          <a:ln>
+            <a:tailEnd type="triangle"/>
+          </a:ln>
+        </p:spPr>
+        <p:style>
+          <a:lnRef idx="1">
+            <a:schemeClr val="accent1"/>
+          </a:lnRef>
+          <a:fillRef idx="0">
+            <a:schemeClr val="accent1"/>
+          </a:fillRef>
+          <a:effectRef idx="0">
+            <a:schemeClr val="accent1"/>
+          </a:effectRef>
+          <a:fontRef idx="minor">
+            <a:schemeClr val="tx1"/>
+          </a:fontRef>
+        </p:style>
+      </p:cxnSp>
+      <p:sp>
+        <p:nvSpPr>
+          <p:cNvPr id="167" name="TextBox 166">
+            <a:extLst>
+              <a:ext uri="{FF2B5EF4-FFF2-40B4-BE49-F238E27FC236}">
+                <a16:creationId xmlns:a16="http://schemas.microsoft.com/office/drawing/2014/main" id="{EAB365F9-C492-4014-B838-A3E8EA6F5D2A}"/>
+              </a:ext>
+            </a:extLst>
+          </p:cNvPr>
+          <p:cNvSpPr txBox="1"/>
+          <p:nvPr/>
+        </p:nvSpPr>
+        <p:spPr>
+          <a:xfrm>
+            <a:off x="8567431" y="3751527"/>
+            <a:ext cx="862319" cy="369332"/>
           </a:xfrm>
           <a:prstGeom prst="rect">
             <a:avLst/>
           </a:prstGeom>
-        </p:spPr>
-        <p:txBody>
-          <a:bodyPr wrap="square">
+          <a:noFill/>
+        </p:spPr>
+        <p:txBody>
+          <a:bodyPr wrap="square" rtlCol="0">
             <a:spAutoFit/>
           </a:bodyPr>
           <a:lstStyle/>
           <a:p>
             <a:r>
-              <a:rPr lang="en-US" sz="1200" dirty="0"/>
-              <a:t>'''</a:t>
-            </a:r>
-          </a:p>
-          <a:p>
-            <a:r>
-              <a:rPr lang="en-US" sz="1200" dirty="0"/>
-              <a:t>        name -&gt; </a:t>
-            </a:r>
-            <a:r>
-              <a:rPr lang="en-US" sz="1200" dirty="0" err="1"/>
-              <a:t>str</a:t>
-            </a:r>
-            <a:endParaRPr lang="en-US" sz="1200" dirty="0"/>
-          </a:p>
-          <a:p>
-            <a:r>
-              <a:rPr lang="en-US" sz="1200" dirty="0"/>
-              <a:t>        carrying -&gt; </a:t>
-            </a:r>
-            <a:r>
-              <a:rPr lang="en-US" sz="1200" dirty="0" err="1"/>
-              <a:t>int</a:t>
-            </a:r>
-            <a:r>
-              <a:rPr lang="en-US" sz="1200" dirty="0"/>
-              <a:t> </a:t>
-            </a:r>
-          </a:p>
-          <a:p>
-            <a:r>
-              <a:rPr lang="en-US" sz="1200" dirty="0"/>
-              <a:t>            -   contain the carrying of current truck </a:t>
-            </a:r>
-          </a:p>
-          <a:p>
-            <a:r>
-              <a:rPr lang="en-US" sz="1200" dirty="0"/>
-              <a:t>            Example - 20, 50, or 1000</a:t>
-            </a:r>
-          </a:p>
-          <a:p>
-            <a:r>
-              <a:rPr lang="en-US" sz="1200" dirty="0"/>
-              <a:t>        steps -&gt; list </a:t>
-            </a:r>
-          </a:p>
-          <a:p>
-            <a:r>
-              <a:rPr lang="en-US" sz="1200" dirty="0"/>
-              <a:t>            -   the way of truck as list of Step objects</a:t>
-            </a:r>
-          </a:p>
-          <a:p>
-            <a:r>
-              <a:rPr lang="en-US" sz="1200" dirty="0"/>
-              <a:t>                (For Step documentation go to Step </a:t>
-            </a:r>
-            <a:r>
-              <a:rPr lang="en-US" sz="1200" dirty="0" err="1"/>
-              <a:t>init</a:t>
-            </a:r>
-            <a:r>
-              <a:rPr lang="en-US" sz="1200" dirty="0"/>
-              <a:t> method)</a:t>
-            </a:r>
-          </a:p>
-          <a:p>
-            <a:r>
-              <a:rPr lang="en-US" sz="1200" dirty="0"/>
-              <a:t>            Example - [Step(), Step()]</a:t>
-            </a:r>
-          </a:p>
-          <a:p>
-            <a:r>
-              <a:rPr lang="en-US" sz="1200" dirty="0"/>
-              <a:t>        times -&gt; tuple of tuples </a:t>
-            </a:r>
-          </a:p>
-          <a:p>
-            <a:r>
-              <a:rPr lang="en-US" sz="1200" dirty="0"/>
-              <a:t>            -   each tuple in tuple contains the time that the </a:t>
-            </a:r>
-          </a:p>
-          <a:p>
-            <a:r>
-              <a:rPr lang="en-US" sz="1200" dirty="0"/>
-              <a:t>                truck needs to get to the device and the time it will spend in the device</a:t>
-            </a:r>
-          </a:p>
-          <a:p>
-            <a:r>
-              <a:rPr lang="en-US" sz="1200" dirty="0"/>
-              <a:t>                in string that </a:t>
-            </a:r>
-            <a:r>
-              <a:rPr lang="en-US" sz="1200" dirty="0" err="1"/>
-              <a:t>cantains</a:t>
-            </a:r>
-            <a:r>
-              <a:rPr lang="en-US" sz="1200" dirty="0"/>
-              <a:t> time [and specification]</a:t>
-            </a:r>
-          </a:p>
-          <a:p>
-            <a:r>
-              <a:rPr lang="en-US" sz="1200" dirty="0"/>
-              <a:t>            Example - steps = [Step(), Step(), Step()] - times = (('100', '200exp'), (100, '100exp'), ('450', '300exp'))</a:t>
-            </a:r>
-          </a:p>
-          <a:p>
-            <a:r>
-              <a:rPr lang="en-US" sz="1200" dirty="0"/>
-              <a:t>        </a:t>
-            </a:r>
-            <a:r>
-              <a:rPr lang="en-US" sz="1200" dirty="0" err="1"/>
-              <a:t>model_picture</a:t>
-            </a:r>
-            <a:r>
-              <a:rPr lang="en-US" sz="1200" dirty="0"/>
-              <a:t> -&gt; </a:t>
-            </a:r>
-            <a:r>
-              <a:rPr lang="en-US" sz="1200" dirty="0" err="1"/>
-              <a:t>str</a:t>
-            </a:r>
-            <a:r>
-              <a:rPr lang="en-US" sz="1200" dirty="0"/>
-              <a:t> </a:t>
-            </a:r>
-          </a:p>
-          <a:p>
-            <a:r>
-              <a:rPr lang="en-US" sz="1200" dirty="0"/>
-              <a:t>            -   it is path to image of truck </a:t>
-            </a:r>
-          </a:p>
-          <a:p>
-            <a:r>
-              <a:rPr lang="en-US" sz="1200" dirty="0"/>
-              <a:t>            Example - '</a:t>
-            </a:r>
-            <a:r>
-              <a:rPr lang="en-US" sz="1200" dirty="0" err="1"/>
-              <a:t>dir</a:t>
-            </a:r>
-            <a:r>
-              <a:rPr lang="en-US" sz="1200" dirty="0"/>
-              <a:t>\\</a:t>
-            </a:r>
-            <a:r>
-              <a:rPr lang="en-US" sz="1200" dirty="0" err="1"/>
-              <a:t>dir</a:t>
-            </a:r>
-            <a:r>
-              <a:rPr lang="en-US" sz="1200" dirty="0"/>
-              <a:t>\\image.jpg'          </a:t>
-            </a:r>
-          </a:p>
-          <a:p>
-            <a:r>
-              <a:rPr lang="en-US" sz="1200" dirty="0"/>
-              <a:t>        '''</a:t>
-            </a:r>
-          </a:p>
-          <a:p>
-            <a:r>
-              <a:rPr lang="en-US" sz="1200" dirty="0"/>
-              <a:t>        self.name = name</a:t>
-            </a:r>
-          </a:p>
-          <a:p>
-            <a:endParaRPr lang="en-US" sz="1200" dirty="0"/>
-          </a:p>
-          <a:p>
-            <a:r>
-              <a:rPr lang="en-US" sz="1200" dirty="0"/>
-              <a:t>        </a:t>
-            </a:r>
-            <a:r>
-              <a:rPr lang="en-US" sz="1200" dirty="0" err="1"/>
-              <a:t>self.carrying</a:t>
-            </a:r>
-            <a:r>
-              <a:rPr lang="en-US" sz="1200" dirty="0"/>
-              <a:t> = carrying</a:t>
-            </a:r>
-          </a:p>
-          <a:p>
-            <a:r>
-              <a:rPr lang="en-US" sz="1200" dirty="0"/>
-              <a:t>        </a:t>
-            </a:r>
-            <a:r>
-              <a:rPr lang="en-US" sz="1200" dirty="0" err="1"/>
-              <a:t>self.times</a:t>
-            </a:r>
-            <a:r>
-              <a:rPr lang="en-US" sz="1200" dirty="0"/>
-              <a:t> = times</a:t>
-            </a:r>
-          </a:p>
-          <a:p>
-            <a:r>
-              <a:rPr lang="en-US" sz="1200" dirty="0"/>
-              <a:t>        </a:t>
-            </a:r>
-            <a:r>
-              <a:rPr lang="en-US" sz="1200" dirty="0" err="1"/>
-              <a:t>self.steps</a:t>
-            </a:r>
-            <a:r>
-              <a:rPr lang="en-US" sz="1200" dirty="0"/>
-              <a:t> = steps</a:t>
-            </a:r>
-          </a:p>
-          <a:p>
-            <a:r>
-              <a:rPr lang="en-US" sz="1200" dirty="0"/>
-              <a:t>        </a:t>
-            </a:r>
-            <a:r>
-              <a:rPr lang="en-US" sz="1200" dirty="0" err="1"/>
-              <a:t>self.current_step</a:t>
-            </a:r>
-            <a:r>
-              <a:rPr lang="en-US" sz="1200" dirty="0"/>
-              <a:t> = 0</a:t>
-            </a:r>
-          </a:p>
-          <a:p>
-            <a:r>
-              <a:rPr lang="en-US" sz="1200" dirty="0"/>
-              <a:t>        </a:t>
-            </a:r>
-            <a:r>
-              <a:rPr lang="en-US" sz="1200" dirty="0" err="1"/>
-              <a:t>self.current_status</a:t>
-            </a:r>
-            <a:r>
-              <a:rPr lang="en-US" sz="1200" dirty="0"/>
-              <a:t> = 'road'</a:t>
-            </a:r>
-          </a:p>
-          <a:p>
-            <a:r>
-              <a:rPr lang="en-US" sz="1200" dirty="0"/>
-              <a:t>        </a:t>
-            </a:r>
-            <a:r>
-              <a:rPr lang="en-US" sz="1200" dirty="0" err="1"/>
-              <a:t>self.x</a:t>
-            </a:r>
-            <a:r>
-              <a:rPr lang="en-US" sz="1200" dirty="0"/>
-              <a:t> = steps[</a:t>
-            </a:r>
-            <a:r>
-              <a:rPr lang="en-US" sz="1200" dirty="0" err="1"/>
-              <a:t>self.current_step</a:t>
-            </a:r>
-            <a:r>
-              <a:rPr lang="en-US" sz="1200" dirty="0"/>
-              <a:t>].</a:t>
-            </a:r>
-            <a:r>
-              <a:rPr lang="en-US" sz="1200" dirty="0" err="1"/>
-              <a:t>way_points</a:t>
-            </a:r>
-            <a:r>
-              <a:rPr lang="en-US" sz="1200" dirty="0"/>
-              <a:t>[0][0]</a:t>
-            </a:r>
-          </a:p>
-          <a:p>
-            <a:r>
-              <a:rPr lang="en-US" sz="1200" dirty="0"/>
-              <a:t>        </a:t>
-            </a:r>
-            <a:r>
-              <a:rPr lang="en-US" sz="1200" dirty="0" err="1"/>
-              <a:t>self.y</a:t>
-            </a:r>
-            <a:r>
-              <a:rPr lang="en-US" sz="1200" dirty="0"/>
-              <a:t> = steps[</a:t>
-            </a:r>
-            <a:r>
-              <a:rPr lang="en-US" sz="1200" dirty="0" err="1"/>
-              <a:t>self.current_step</a:t>
-            </a:r>
-            <a:r>
-              <a:rPr lang="en-US" sz="1200" dirty="0"/>
-              <a:t>].</a:t>
-            </a:r>
-            <a:r>
-              <a:rPr lang="en-US" sz="1200" dirty="0" err="1"/>
-              <a:t>way_points</a:t>
-            </a:r>
-            <a:r>
-              <a:rPr lang="en-US" sz="1200" dirty="0"/>
-              <a:t>[0][1]</a:t>
-            </a:r>
-          </a:p>
-          <a:p>
-            <a:r>
-              <a:rPr lang="en-US" sz="1200" dirty="0"/>
-              <a:t>        </a:t>
-            </a:r>
-            <a:r>
-              <a:rPr lang="en-US" sz="1200" dirty="0" err="1"/>
-              <a:t>self.time_to_end</a:t>
-            </a:r>
-            <a:r>
-              <a:rPr lang="en-US" sz="1200" dirty="0"/>
-              <a:t> = </a:t>
-            </a:r>
-            <a:r>
-              <a:rPr lang="en-US" sz="1200" dirty="0" err="1"/>
-              <a:t>self.get_new_time</a:t>
-            </a:r>
-            <a:r>
-              <a:rPr lang="en-US" sz="1200" dirty="0"/>
-              <a:t>(times[0][0])</a:t>
-            </a:r>
-          </a:p>
-          <a:p>
-            <a:r>
-              <a:rPr lang="en-US" sz="1200" dirty="0"/>
-              <a:t>        </a:t>
-            </a:r>
-            <a:r>
-              <a:rPr lang="en-US" sz="1200" dirty="0" err="1"/>
-              <a:t>self.time</a:t>
-            </a:r>
-            <a:r>
-              <a:rPr lang="en-US" sz="1200" dirty="0"/>
-              <a:t> = </a:t>
-            </a:r>
-            <a:r>
-              <a:rPr lang="en-US" sz="1200" dirty="0" err="1"/>
-              <a:t>self.time_to_end</a:t>
-            </a:r>
-            <a:endParaRPr lang="ru-RU" sz="1200" dirty="0"/>
+              <a:rPr lang="en-US" dirty="0"/>
+              <a:t>Car</a:t>
+            </a:r>
+            <a:endParaRPr lang="ru-RU" dirty="0"/>
+          </a:p>
+        </p:txBody>
+      </p:sp>
+      <p:sp>
+        <p:nvSpPr>
+          <p:cNvPr id="168" name="TextBox 167">
+            <a:extLst>
+              <a:ext uri="{FF2B5EF4-FFF2-40B4-BE49-F238E27FC236}">
+                <a16:creationId xmlns:a16="http://schemas.microsoft.com/office/drawing/2014/main" id="{389EDE82-332F-4BCC-A480-DF8E5CB16E35}"/>
+              </a:ext>
+            </a:extLst>
+          </p:cNvPr>
+          <p:cNvSpPr txBox="1"/>
+          <p:nvPr/>
+        </p:nvSpPr>
+        <p:spPr>
+          <a:xfrm>
+            <a:off x="8567430" y="4447880"/>
+            <a:ext cx="862319" cy="369332"/>
+          </a:xfrm>
+          <a:prstGeom prst="rect">
+            <a:avLst/>
+          </a:prstGeom>
+          <a:noFill/>
+        </p:spPr>
+        <p:txBody>
+          <a:bodyPr wrap="square" rtlCol="0">
+            <a:spAutoFit/>
+          </a:bodyPr>
+          <a:lstStyle/>
+          <a:p>
+            <a:r>
+              <a:rPr lang="en-US" dirty="0"/>
+              <a:t>Plane</a:t>
+            </a:r>
+            <a:endParaRPr lang="ru-RU" dirty="0"/>
           </a:p>
         </p:txBody>
       </p:sp>
     </p:spTree>
     <p:extLst>
       <p:ext uri="{BB962C8B-B14F-4D97-AF65-F5344CB8AC3E}">
-        <p14:creationId xmlns:p14="http://schemas.microsoft.com/office/powerpoint/2010/main" val="1887774504"/>
+        <p14:creationId xmlns:p14="http://schemas.microsoft.com/office/powerpoint/2010/main" val="3907043462"/>
       </p:ext>
     </p:extLst>
   </p:cSld>
@@ -7329,60 +8090,334 @@
             <a:pPr algn="ctr"/>
             <a:r>
               <a:rPr lang="ru-RU" dirty="0"/>
-              <a:t>Методы классов</a:t>
-            </a:r>
-          </a:p>
-        </p:txBody>
-      </p:sp>
-      <p:sp>
-        <p:nvSpPr>
-          <p:cNvPr id="2" name="TextBox 1"/>
-          <p:cNvSpPr txBox="1"/>
-          <p:nvPr/>
-        </p:nvSpPr>
-        <p:spPr>
-          <a:xfrm>
-            <a:off x="620785" y="998290"/>
-            <a:ext cx="4563611" cy="646331"/>
+              <a:t>Обучение моделей</a:t>
+            </a:r>
+          </a:p>
+        </p:txBody>
+      </p:sp>
+      <p:pic>
+        <p:nvPicPr>
+          <p:cNvPr id="2" name="Рисунок 1">
+            <a:extLst>
+              <a:ext uri="{FF2B5EF4-FFF2-40B4-BE49-F238E27FC236}">
+                <a16:creationId xmlns:a16="http://schemas.microsoft.com/office/drawing/2014/main" id="{8524A43C-9B12-4503-91FB-86EBEED51E53}"/>
+              </a:ext>
+            </a:extLst>
+          </p:cNvPr>
+          <p:cNvPicPr>
+            <a:picLocks noChangeAspect="1"/>
+          </p:cNvPicPr>
+          <p:nvPr/>
+        </p:nvPicPr>
+        <p:blipFill rotWithShape="1">
+          <a:blip r:embed="rId2"/>
+          <a:srcRect b="29582"/>
+          <a:stretch/>
+        </p:blipFill>
+        <p:spPr>
+          <a:xfrm>
+            <a:off x="3330314" y="1011482"/>
+            <a:ext cx="5550421" cy="2206913"/>
           </a:xfrm>
           <a:prstGeom prst="rect">
             <a:avLst/>
           </a:prstGeom>
-          <a:noFill/>
-        </p:spPr>
-        <p:txBody>
-          <a:bodyPr wrap="square" rtlCol="0">
-            <a:spAutoFit/>
-          </a:bodyPr>
-          <a:lstStyle/>
-          <a:p>
-            <a:r>
-              <a:rPr lang="ru-RU" dirty="0"/>
-              <a:t>Класс </a:t>
-            </a:r>
-            <a:r>
-              <a:rPr lang="en-US" dirty="0"/>
-              <a:t>Device</a:t>
-            </a:r>
-            <a:endParaRPr lang="ru-RU" dirty="0"/>
-          </a:p>
-          <a:p>
-            <a:r>
-              <a:rPr lang="ru-RU" dirty="0"/>
-              <a:t>Метод </a:t>
-            </a:r>
-            <a:r>
-              <a:rPr lang="en-US" dirty="0" err="1"/>
-              <a:t>append_to_queue</a:t>
-            </a:r>
-            <a:endParaRPr lang="ru-RU" dirty="0"/>
-          </a:p>
-        </p:txBody>
-      </p:sp>
+        </p:spPr>
+      </p:pic>
+      <p:pic>
+        <p:nvPicPr>
+          <p:cNvPr id="5" name="Рисунок 4">
+            <a:extLst>
+              <a:ext uri="{FF2B5EF4-FFF2-40B4-BE49-F238E27FC236}">
+                <a16:creationId xmlns:a16="http://schemas.microsoft.com/office/drawing/2014/main" id="{8CADEDB5-9BD0-41A5-AA83-7A8F2BE45CBF}"/>
+              </a:ext>
+            </a:extLst>
+          </p:cNvPr>
+          <p:cNvPicPr>
+            <a:picLocks noChangeAspect="1"/>
+          </p:cNvPicPr>
+          <p:nvPr/>
+        </p:nvPicPr>
+        <p:blipFill>
+          <a:blip r:embed="rId3"/>
+          <a:stretch>
+            <a:fillRect/>
+          </a:stretch>
+        </p:blipFill>
+        <p:spPr>
+          <a:xfrm>
+            <a:off x="680902" y="1933366"/>
+            <a:ext cx="1933845" cy="2991267"/>
+          </a:xfrm>
+          <a:prstGeom prst="rect">
+            <a:avLst/>
+          </a:prstGeom>
+        </p:spPr>
+      </p:pic>
+      <p:pic>
+        <p:nvPicPr>
+          <p:cNvPr id="8" name="Рисунок 7">
+            <a:extLst>
+              <a:ext uri="{FF2B5EF4-FFF2-40B4-BE49-F238E27FC236}">
+                <a16:creationId xmlns:a16="http://schemas.microsoft.com/office/drawing/2014/main" id="{584937EF-4930-452E-B05F-E0AC193CAD3A}"/>
+              </a:ext>
+            </a:extLst>
+          </p:cNvPr>
+          <p:cNvPicPr>
+            <a:picLocks noChangeAspect="1"/>
+          </p:cNvPicPr>
+          <p:nvPr/>
+        </p:nvPicPr>
+        <p:blipFill rotWithShape="1">
+          <a:blip r:embed="rId2"/>
+          <a:srcRect b="29582"/>
+          <a:stretch/>
+        </p:blipFill>
+        <p:spPr>
+          <a:xfrm>
+            <a:off x="3320788" y="3917664"/>
+            <a:ext cx="5550421" cy="2206912"/>
+          </a:xfrm>
+          <a:prstGeom prst="rect">
+            <a:avLst/>
+          </a:prstGeom>
+        </p:spPr>
+      </p:pic>
+      <p:cxnSp>
+        <p:nvCxnSpPr>
+          <p:cNvPr id="10" name="Прямая со стрелкой 9">
+            <a:extLst>
+              <a:ext uri="{FF2B5EF4-FFF2-40B4-BE49-F238E27FC236}">
+                <a16:creationId xmlns:a16="http://schemas.microsoft.com/office/drawing/2014/main" id="{5ED64661-B888-464D-9766-C9FB4213067D}"/>
+              </a:ext>
+            </a:extLst>
+          </p:cNvPr>
+          <p:cNvCxnSpPr>
+            <a:stCxn id="5" idx="3"/>
+            <a:endCxn id="2" idx="1"/>
+          </p:cNvCxnSpPr>
+          <p:nvPr/>
+        </p:nvCxnSpPr>
+        <p:spPr>
+          <a:xfrm flipV="1">
+            <a:off x="2614747" y="2114939"/>
+            <a:ext cx="715567" cy="1314061"/>
+          </a:xfrm>
+          <a:prstGeom prst="straightConnector1">
+            <a:avLst/>
+          </a:prstGeom>
+          <a:ln>
+            <a:tailEnd type="triangle"/>
+          </a:ln>
+        </p:spPr>
+        <p:style>
+          <a:lnRef idx="1">
+            <a:schemeClr val="accent1"/>
+          </a:lnRef>
+          <a:fillRef idx="0">
+            <a:schemeClr val="accent1"/>
+          </a:fillRef>
+          <a:effectRef idx="0">
+            <a:schemeClr val="accent1"/>
+          </a:effectRef>
+          <a:fontRef idx="minor">
+            <a:schemeClr val="tx1"/>
+          </a:fontRef>
+        </p:style>
+      </p:cxnSp>
+      <p:cxnSp>
+        <p:nvCxnSpPr>
+          <p:cNvPr id="11" name="Прямая со стрелкой 10">
+            <a:extLst>
+              <a:ext uri="{FF2B5EF4-FFF2-40B4-BE49-F238E27FC236}">
+                <a16:creationId xmlns:a16="http://schemas.microsoft.com/office/drawing/2014/main" id="{36D3048E-3290-4A26-B9D5-6DE9ECF74AE1}"/>
+              </a:ext>
+            </a:extLst>
+          </p:cNvPr>
+          <p:cNvCxnSpPr>
+            <a:cxnSpLocks/>
+            <a:stCxn id="5" idx="3"/>
+            <a:endCxn id="8" idx="1"/>
+          </p:cNvCxnSpPr>
+          <p:nvPr/>
+        </p:nvCxnSpPr>
+        <p:spPr>
+          <a:xfrm>
+            <a:off x="2614747" y="3429000"/>
+            <a:ext cx="706041" cy="1592120"/>
+          </a:xfrm>
+          <a:prstGeom prst="straightConnector1">
+            <a:avLst/>
+          </a:prstGeom>
+          <a:ln>
+            <a:tailEnd type="triangle"/>
+          </a:ln>
+        </p:spPr>
+        <p:style>
+          <a:lnRef idx="1">
+            <a:schemeClr val="accent1"/>
+          </a:lnRef>
+          <a:fillRef idx="0">
+            <a:schemeClr val="accent1"/>
+          </a:fillRef>
+          <a:effectRef idx="0">
+            <a:schemeClr val="accent1"/>
+          </a:effectRef>
+          <a:fontRef idx="minor">
+            <a:schemeClr val="tx1"/>
+          </a:fontRef>
+        </p:style>
+      </p:cxnSp>
+      <p:pic>
+        <p:nvPicPr>
+          <p:cNvPr id="14" name="Рисунок 13">
+            <a:extLst>
+              <a:ext uri="{FF2B5EF4-FFF2-40B4-BE49-F238E27FC236}">
+                <a16:creationId xmlns:a16="http://schemas.microsoft.com/office/drawing/2014/main" id="{CBDC66D9-6FBA-4C08-87A1-7F6774CAC035}"/>
+              </a:ext>
+            </a:extLst>
+          </p:cNvPr>
+          <p:cNvPicPr>
+            <a:picLocks noChangeAspect="1"/>
+          </p:cNvPicPr>
+          <p:nvPr/>
+        </p:nvPicPr>
+        <p:blipFill>
+          <a:blip r:embed="rId4"/>
+          <a:stretch>
+            <a:fillRect/>
+          </a:stretch>
+        </p:blipFill>
+        <p:spPr>
+          <a:xfrm>
+            <a:off x="9229529" y="4806777"/>
+            <a:ext cx="2800741" cy="428685"/>
+          </a:xfrm>
+          <a:prstGeom prst="rect">
+            <a:avLst/>
+          </a:prstGeom>
+        </p:spPr>
+      </p:pic>
+      <p:pic>
+        <p:nvPicPr>
+          <p:cNvPr id="15" name="Рисунок 14">
+            <a:extLst>
+              <a:ext uri="{FF2B5EF4-FFF2-40B4-BE49-F238E27FC236}">
+                <a16:creationId xmlns:a16="http://schemas.microsoft.com/office/drawing/2014/main" id="{B856F060-64DE-4806-A43A-B5A293A611C2}"/>
+              </a:ext>
+            </a:extLst>
+          </p:cNvPr>
+          <p:cNvPicPr>
+            <a:picLocks noChangeAspect="1"/>
+          </p:cNvPicPr>
+          <p:nvPr/>
+        </p:nvPicPr>
+        <p:blipFill>
+          <a:blip r:embed="rId5"/>
+          <a:stretch>
+            <a:fillRect/>
+          </a:stretch>
+        </p:blipFill>
+        <p:spPr>
+          <a:xfrm>
+            <a:off x="9229529" y="1895832"/>
+            <a:ext cx="2881715" cy="438211"/>
+          </a:xfrm>
+          <a:prstGeom prst="rect">
+            <a:avLst/>
+          </a:prstGeom>
+        </p:spPr>
+      </p:pic>
+      <p:cxnSp>
+        <p:nvCxnSpPr>
+          <p:cNvPr id="16" name="Прямая со стрелкой 15">
+            <a:extLst>
+              <a:ext uri="{FF2B5EF4-FFF2-40B4-BE49-F238E27FC236}">
+                <a16:creationId xmlns:a16="http://schemas.microsoft.com/office/drawing/2014/main" id="{1BC5E228-ADCB-4D84-95CC-605493A94CFA}"/>
+              </a:ext>
+            </a:extLst>
+          </p:cNvPr>
+          <p:cNvCxnSpPr>
+            <a:cxnSpLocks/>
+            <a:stCxn id="2" idx="3"/>
+            <a:endCxn id="15" idx="1"/>
+          </p:cNvCxnSpPr>
+          <p:nvPr/>
+        </p:nvCxnSpPr>
+        <p:spPr>
+          <a:xfrm flipV="1">
+            <a:off x="8880735" y="2114938"/>
+            <a:ext cx="348794" cy="1"/>
+          </a:xfrm>
+          <a:prstGeom prst="straightConnector1">
+            <a:avLst/>
+          </a:prstGeom>
+          <a:ln>
+            <a:tailEnd type="triangle"/>
+          </a:ln>
+        </p:spPr>
+        <p:style>
+          <a:lnRef idx="1">
+            <a:schemeClr val="accent1"/>
+          </a:lnRef>
+          <a:fillRef idx="0">
+            <a:schemeClr val="accent1"/>
+          </a:fillRef>
+          <a:effectRef idx="0">
+            <a:schemeClr val="accent1"/>
+          </a:effectRef>
+          <a:fontRef idx="minor">
+            <a:schemeClr val="tx1"/>
+          </a:fontRef>
+        </p:style>
+      </p:cxnSp>
+      <p:cxnSp>
+        <p:nvCxnSpPr>
+          <p:cNvPr id="20" name="Прямая со стрелкой 19">
+            <a:extLst>
+              <a:ext uri="{FF2B5EF4-FFF2-40B4-BE49-F238E27FC236}">
+                <a16:creationId xmlns:a16="http://schemas.microsoft.com/office/drawing/2014/main" id="{8A02F5D5-7B9F-44A7-A01C-AB8905A76D55}"/>
+              </a:ext>
+            </a:extLst>
+          </p:cNvPr>
+          <p:cNvCxnSpPr>
+            <a:cxnSpLocks/>
+            <a:stCxn id="8" idx="3"/>
+            <a:endCxn id="14" idx="1"/>
+          </p:cNvCxnSpPr>
+          <p:nvPr/>
+        </p:nvCxnSpPr>
+        <p:spPr>
+          <a:xfrm>
+            <a:off x="8871209" y="5021120"/>
+            <a:ext cx="358320" cy="0"/>
+          </a:xfrm>
+          <a:prstGeom prst="straightConnector1">
+            <a:avLst/>
+          </a:prstGeom>
+          <a:ln>
+            <a:tailEnd type="triangle"/>
+          </a:ln>
+        </p:spPr>
+        <p:style>
+          <a:lnRef idx="1">
+            <a:schemeClr val="accent1"/>
+          </a:lnRef>
+          <a:fillRef idx="0">
+            <a:schemeClr val="accent1"/>
+          </a:fillRef>
+          <a:effectRef idx="0">
+            <a:schemeClr val="accent1"/>
+          </a:effectRef>
+          <a:fontRef idx="minor">
+            <a:schemeClr val="tx1"/>
+          </a:fontRef>
+        </p:style>
+      </p:cxnSp>
     </p:spTree>
     <p:extLst>
       <p:ext uri="{BB962C8B-B14F-4D97-AF65-F5344CB8AC3E}">
-        <p14:creationId xmlns:p14="http://schemas.microsoft.com/office/powerpoint/2010/main" val="1116645936"/>
+        <p14:creationId xmlns:p14="http://schemas.microsoft.com/office/powerpoint/2010/main" val="4073880939"/>
       </p:ext>
     </p:extLst>
   </p:cSld>
@@ -7434,21 +8469,147 @@
             <a:pPr algn="ctr"/>
             <a:r>
               <a:rPr lang="ru-RU" dirty="0"/>
-              <a:t>Методы классов</a:t>
-            </a:r>
-          </a:p>
-        </p:txBody>
-      </p:sp>
-      <p:sp>
-        <p:nvSpPr>
-          <p:cNvPr id="2" name="TextBox 1"/>
+              <a:t>Тестирование моделей</a:t>
+            </a:r>
+          </a:p>
+        </p:txBody>
+      </p:sp>
+      <p:pic>
+        <p:nvPicPr>
+          <p:cNvPr id="2" name="Рисунок 1">
+            <a:extLst>
+              <a:ext uri="{FF2B5EF4-FFF2-40B4-BE49-F238E27FC236}">
+                <a16:creationId xmlns:a16="http://schemas.microsoft.com/office/drawing/2014/main" id="{FEECC914-E392-42E2-BC38-07BCEC70F429}"/>
+              </a:ext>
+            </a:extLst>
+          </p:cNvPr>
+          <p:cNvPicPr>
+            <a:picLocks noChangeAspect="1"/>
+          </p:cNvPicPr>
+          <p:nvPr/>
+        </p:nvPicPr>
+        <p:blipFill>
+          <a:blip r:embed="rId2"/>
+          <a:stretch>
+            <a:fillRect/>
+          </a:stretch>
+        </p:blipFill>
+        <p:spPr>
+          <a:xfrm>
+            <a:off x="6724649" y="1042634"/>
+            <a:ext cx="2324424" cy="5058481"/>
+          </a:xfrm>
+          <a:prstGeom prst="rect">
+            <a:avLst/>
+          </a:prstGeom>
+        </p:spPr>
+      </p:pic>
+      <p:pic>
+        <p:nvPicPr>
+          <p:cNvPr id="4" name="Рисунок 3">
+            <a:extLst>
+              <a:ext uri="{FF2B5EF4-FFF2-40B4-BE49-F238E27FC236}">
+                <a16:creationId xmlns:a16="http://schemas.microsoft.com/office/drawing/2014/main" id="{21626AB3-C891-4C94-982F-4B3C9A96B017}"/>
+              </a:ext>
+            </a:extLst>
+          </p:cNvPr>
+          <p:cNvPicPr>
+            <a:picLocks noChangeAspect="1"/>
+          </p:cNvPicPr>
+          <p:nvPr/>
+        </p:nvPicPr>
+        <p:blipFill>
+          <a:blip r:embed="rId3"/>
+          <a:stretch>
+            <a:fillRect/>
+          </a:stretch>
+        </p:blipFill>
+        <p:spPr>
+          <a:xfrm>
+            <a:off x="3166855" y="1040019"/>
+            <a:ext cx="1927950" cy="5058481"/>
+          </a:xfrm>
+          <a:prstGeom prst="rect">
+            <a:avLst/>
+          </a:prstGeom>
+        </p:spPr>
+      </p:pic>
+      <p:pic>
+        <p:nvPicPr>
+          <p:cNvPr id="6" name="Рисунок 5">
+            <a:extLst>
+              <a:ext uri="{FF2B5EF4-FFF2-40B4-BE49-F238E27FC236}">
+                <a16:creationId xmlns:a16="http://schemas.microsoft.com/office/drawing/2014/main" id="{A551C2C6-880A-4C2B-9801-F46048AC4774}"/>
+              </a:ext>
+            </a:extLst>
+          </p:cNvPr>
+          <p:cNvPicPr>
+            <a:picLocks noChangeAspect="1"/>
+          </p:cNvPicPr>
+          <p:nvPr/>
+        </p:nvPicPr>
+        <p:blipFill>
+          <a:blip r:embed="rId4"/>
+          <a:stretch>
+            <a:fillRect/>
+          </a:stretch>
+        </p:blipFill>
+        <p:spPr>
+          <a:xfrm>
+            <a:off x="9315631" y="1042632"/>
+            <a:ext cx="1988969" cy="5058481"/>
+          </a:xfrm>
+          <a:prstGeom prst="rect">
+            <a:avLst/>
+          </a:prstGeom>
+        </p:spPr>
+      </p:pic>
+      <p:pic>
+        <p:nvPicPr>
+          <p:cNvPr id="7" name="Рисунок 6">
+            <a:extLst>
+              <a:ext uri="{FF2B5EF4-FFF2-40B4-BE49-F238E27FC236}">
+                <a16:creationId xmlns:a16="http://schemas.microsoft.com/office/drawing/2014/main" id="{04F1D53C-35CD-4C97-996C-870CF8DBEBFD}"/>
+              </a:ext>
+            </a:extLst>
+          </p:cNvPr>
+          <p:cNvPicPr>
+            <a:picLocks noChangeAspect="1"/>
+          </p:cNvPicPr>
+          <p:nvPr/>
+        </p:nvPicPr>
+        <p:blipFill>
+          <a:blip r:embed="rId5"/>
+          <a:stretch>
+            <a:fillRect/>
+          </a:stretch>
+        </p:blipFill>
+        <p:spPr>
+          <a:xfrm>
+            <a:off x="1003280" y="1040019"/>
+            <a:ext cx="1798650" cy="5061094"/>
+          </a:xfrm>
+          <a:prstGeom prst="rect">
+            <a:avLst/>
+          </a:prstGeom>
+        </p:spPr>
+      </p:pic>
+      <p:sp>
+        <p:nvSpPr>
+          <p:cNvPr id="9" name="TextBox 8">
+            <a:extLst>
+              <a:ext uri="{FF2B5EF4-FFF2-40B4-BE49-F238E27FC236}">
+                <a16:creationId xmlns:a16="http://schemas.microsoft.com/office/drawing/2014/main" id="{70F82A94-35E0-43C7-8B8D-4631B40E2951}"/>
+              </a:ext>
+            </a:extLst>
+          </p:cNvPr>
           <p:cNvSpPr txBox="1"/>
           <p:nvPr/>
         </p:nvSpPr>
         <p:spPr>
           <a:xfrm>
-            <a:off x="620785" y="998290"/>
-            <a:ext cx="4563611" cy="1754326"/>
+            <a:off x="751819" y="670687"/>
+            <a:ext cx="4543011" cy="369332"/>
           </a:xfrm>
           <a:prstGeom prst="rect">
             <a:avLst/>
@@ -7461,52 +8622,60 @@
           </a:bodyPr>
           <a:lstStyle/>
           <a:p>
-            <a:r>
-              <a:rPr lang="ru-RU" dirty="0"/>
-              <a:t>Класс </a:t>
+            <a:pPr algn="ctr"/>
+            <a:r>
+              <a:rPr lang="en-US" dirty="0" err="1"/>
+              <a:t>BarPy</a:t>
             </a:r>
             <a:r>
               <a:rPr lang="en-US" dirty="0"/>
-              <a:t>Device</a:t>
+              <a:t> Images</a:t>
             </a:r>
             <a:endParaRPr lang="ru-RU" dirty="0"/>
           </a:p>
-          <a:p>
-            <a:r>
-              <a:rPr lang="ru-RU" dirty="0"/>
-              <a:t>Метод </a:t>
-            </a:r>
-            <a:r>
-              <a:rPr lang="en-US" dirty="0" err="1"/>
-              <a:t>append_to_queue</a:t>
-            </a:r>
-            <a:endParaRPr lang="en-US" dirty="0"/>
-          </a:p>
-          <a:p>
-            <a:endParaRPr lang="en-US" dirty="0"/>
-          </a:p>
-          <a:p>
-            <a:r>
-              <a:rPr lang="ru-RU" dirty="0"/>
-              <a:t>Класс </a:t>
-            </a:r>
+        </p:txBody>
+      </p:sp>
+      <p:sp>
+        <p:nvSpPr>
+          <p:cNvPr id="10" name="TextBox 9">
+            <a:extLst>
+              <a:ext uri="{FF2B5EF4-FFF2-40B4-BE49-F238E27FC236}">
+                <a16:creationId xmlns:a16="http://schemas.microsoft.com/office/drawing/2014/main" id="{EB103722-C9C0-49B0-92CB-FD7326951CE8}"/>
+              </a:ext>
+            </a:extLst>
+          </p:cNvPr>
+          <p:cNvSpPr txBox="1"/>
+          <p:nvPr/>
+        </p:nvSpPr>
+        <p:spPr>
+          <a:xfrm>
+            <a:off x="6724649" y="670687"/>
+            <a:ext cx="4543011" cy="369332"/>
+          </a:xfrm>
+          <a:prstGeom prst="rect">
+            <a:avLst/>
+          </a:prstGeom>
+          <a:noFill/>
+        </p:spPr>
+        <p:txBody>
+          <a:bodyPr wrap="square" rtlCol="0">
+            <a:spAutoFit/>
+          </a:bodyPr>
+          <a:lstStyle/>
+          <a:p>
+            <a:pPr algn="ctr"/>
             <a:r>
               <a:rPr lang="en-US" dirty="0"/>
-              <a:t>Step </a:t>
-            </a:r>
-          </a:p>
-          <a:p>
-            <a:r>
-              <a:rPr lang="ru-RU" dirty="0"/>
-              <a:t>Не имеет внутренних методов, служит контейнером данных</a:t>
-            </a:r>
+              <a:t>RAW Images</a:t>
+            </a:r>
+            <a:endParaRPr lang="ru-RU" dirty="0"/>
           </a:p>
         </p:txBody>
       </p:sp>
     </p:spTree>
     <p:extLst>
       <p:ext uri="{BB962C8B-B14F-4D97-AF65-F5344CB8AC3E}">
-        <p14:creationId xmlns:p14="http://schemas.microsoft.com/office/powerpoint/2010/main" val="1019382739"/>
+        <p14:creationId xmlns:p14="http://schemas.microsoft.com/office/powerpoint/2010/main" val="2339659776"/>
       </p:ext>
     </p:extLst>
   </p:cSld>
@@ -7535,14 +8704,14 @@
       </p:grpSpPr>
       <p:sp>
         <p:nvSpPr>
-          <p:cNvPr id="3" name="TextBox 2"/>
+          <p:cNvPr id="4" name="TextBox 3"/>
           <p:cNvSpPr txBox="1"/>
           <p:nvPr/>
         </p:nvSpPr>
         <p:spPr>
           <a:xfrm>
-            <a:off x="0" y="136579"/>
-            <a:ext cx="12191999" cy="369332"/>
+            <a:off x="1" y="216131"/>
+            <a:ext cx="12192000" cy="369332"/>
           </a:xfrm>
           <a:prstGeom prst="rect">
             <a:avLst/>
@@ -7558,7 +8727,7 @@
             <a:pPr algn="ctr"/>
             <a:r>
               <a:rPr lang="ru-RU" dirty="0"/>
-              <a:t>Методы классов</a:t>
+              <a:t>Выводы о проделанной работе</a:t>
             </a:r>
           </a:p>
         </p:txBody>
@@ -7571,8 +8740,8 @@
         </p:nvSpPr>
         <p:spPr>
           <a:xfrm>
-            <a:off x="620785" y="998290"/>
-            <a:ext cx="4563611" cy="3416320"/>
+            <a:off x="3524250" y="1875028"/>
+            <a:ext cx="6096000" cy="2308324"/>
           </a:xfrm>
           <a:prstGeom prst="rect">
             <a:avLst/>
@@ -7585,107 +8754,106 @@
           </a:bodyPr>
           <a:lstStyle/>
           <a:p>
+            <a:pPr marL="285750" indent="-285750">
+              <a:buFont typeface="Arial" panose="020B0604020202020204" pitchFamily="34" charset="0"/>
+              <a:buChar char="•"/>
+            </a:pPr>
             <a:r>
               <a:rPr lang="ru-RU" dirty="0"/>
-              <a:t>Класс </a:t>
-            </a:r>
-            <a:r>
-              <a:rPr lang="en-US" dirty="0"/>
-              <a:t>Device</a:t>
+              <a:t>Были найдены два </a:t>
+            </a:r>
+            <a:r>
+              <a:rPr lang="ru-RU" dirty="0" err="1"/>
+              <a:t>датасета</a:t>
             </a:r>
             <a:endParaRPr lang="ru-RU" dirty="0"/>
           </a:p>
           <a:p>
+            <a:pPr marL="285750" indent="-285750">
+              <a:buFont typeface="Arial" panose="020B0604020202020204" pitchFamily="34" charset="0"/>
+              <a:buChar char="•"/>
+            </a:pPr>
             <a:r>
               <a:rPr lang="ru-RU" dirty="0"/>
-              <a:t>Метод </a:t>
+              <a:t>Нормализация данных под один шаблон</a:t>
+            </a:r>
+          </a:p>
+          <a:p>
+            <a:pPr lvl="1"/>
+            <a:r>
+              <a:rPr lang="ru-RU" dirty="0"/>
+              <a:t>	Размер (20, 20) ЧБ</a:t>
+            </a:r>
+          </a:p>
+          <a:p>
+            <a:pPr marL="285750" indent="-285750">
+              <a:buFont typeface="Arial" panose="020B0604020202020204" pitchFamily="34" charset="0"/>
+              <a:buChar char="•"/>
+            </a:pPr>
+            <a:r>
+              <a:rPr lang="ru-RU" dirty="0"/>
+              <a:t>Изображения </a:t>
+            </a:r>
+            <a:r>
+              <a:rPr lang="ru-RU" dirty="0" err="1"/>
+              <a:t>предобработаны</a:t>
+            </a:r>
+            <a:r>
+              <a:rPr lang="ru-RU" dirty="0"/>
+              <a:t> </a:t>
+            </a:r>
+            <a:r>
+              <a:rPr lang="ru-RU" dirty="0" err="1"/>
+              <a:t>бибилотекой</a:t>
+            </a:r>
+            <a:r>
+              <a:rPr lang="ru-RU" dirty="0"/>
+              <a:t> </a:t>
             </a:r>
             <a:r>
               <a:rPr lang="en-US" dirty="0" err="1"/>
-              <a:t>append_to_queue</a:t>
-            </a:r>
+              <a:t>BarPy</a:t>
+            </a:r>
+            <a:endParaRPr lang="ru-RU" dirty="0"/>
+          </a:p>
+          <a:p>
+            <a:pPr marL="285750" indent="-285750">
+              <a:buFont typeface="Arial" panose="020B0604020202020204" pitchFamily="34" charset="0"/>
+              <a:buChar char="•"/>
+            </a:pPr>
+            <a:r>
+              <a:rPr lang="ru-RU" dirty="0"/>
+              <a:t>Созданы две модели нейросетей для разных </a:t>
+            </a:r>
+            <a:r>
+              <a:rPr lang="ru-RU" dirty="0" err="1"/>
+              <a:t>датасетов</a:t>
+            </a:r>
+            <a:endParaRPr lang="ru-RU" dirty="0"/>
+          </a:p>
+          <a:p>
+            <a:pPr marL="285750" indent="-285750">
+              <a:buFont typeface="Arial" panose="020B0604020202020204" pitchFamily="34" charset="0"/>
+              <a:buChar char="•"/>
+            </a:pPr>
+            <a:r>
+              <a:rPr lang="ru-RU" dirty="0"/>
+              <a:t>Проведены тесты на изображениях обычных и предобработанных </a:t>
+            </a:r>
+          </a:p>
+          <a:p>
+            <a:pPr marL="285750" indent="-285750">
+              <a:buFont typeface="Arial" panose="020B0604020202020204" pitchFamily="34" charset="0"/>
+              <a:buChar char="•"/>
+            </a:pPr>
             <a:endParaRPr lang="en-US" dirty="0"/>
-          </a:p>
-          <a:p>
-            <a:endParaRPr lang="en-US" dirty="0"/>
-          </a:p>
-          <a:p>
-            <a:r>
-              <a:rPr lang="ru-RU" dirty="0"/>
-              <a:t>Класс </a:t>
-            </a:r>
-            <a:r>
-              <a:rPr lang="en-US" dirty="0"/>
-              <a:t>Step </a:t>
-            </a:r>
-          </a:p>
-          <a:p>
-            <a:r>
-              <a:rPr lang="ru-RU" dirty="0"/>
-              <a:t>Не имеет внутренних методов, служит контейнером данных</a:t>
-            </a:r>
-          </a:p>
-          <a:p>
-            <a:endParaRPr lang="ru-RU" dirty="0"/>
-          </a:p>
-          <a:p>
-            <a:r>
-              <a:rPr lang="ru-RU" dirty="0"/>
-              <a:t>Класс </a:t>
-            </a:r>
-            <a:r>
-              <a:rPr lang="en-US" dirty="0"/>
-              <a:t>Truck</a:t>
-            </a:r>
-          </a:p>
-          <a:p>
-            <a:r>
-              <a:rPr lang="ru-RU" dirty="0"/>
-              <a:t>Метод </a:t>
-            </a:r>
-            <a:r>
-              <a:rPr lang="en-US" dirty="0"/>
-              <a:t>Move</a:t>
-            </a:r>
-          </a:p>
-          <a:p>
-            <a:r>
-              <a:rPr lang="ru-RU" dirty="0"/>
-              <a:t>Метод </a:t>
-            </a:r>
-            <a:r>
-              <a:rPr lang="en-US" dirty="0" err="1"/>
-              <a:t>get_new_time</a:t>
-            </a:r>
-            <a:endParaRPr lang="ru-RU" dirty="0"/>
-          </a:p>
-          <a:p>
-            <a:r>
-              <a:rPr lang="ru-RU" dirty="0"/>
-              <a:t>Метод </a:t>
-            </a:r>
-            <a:r>
-              <a:rPr lang="en-US" dirty="0"/>
-              <a:t>point</a:t>
-            </a:r>
-          </a:p>
-          <a:p>
-            <a:r>
-              <a:rPr lang="ru-RU" dirty="0"/>
-              <a:t>Метод </a:t>
-            </a:r>
-            <a:r>
-              <a:rPr lang="en-US" dirty="0" err="1"/>
-              <a:t>number_in_queue</a:t>
-            </a:r>
-            <a:endParaRPr lang="ru-RU" dirty="0"/>
           </a:p>
         </p:txBody>
       </p:sp>
     </p:spTree>
     <p:extLst>
       <p:ext uri="{BB962C8B-B14F-4D97-AF65-F5344CB8AC3E}">
-        <p14:creationId xmlns:p14="http://schemas.microsoft.com/office/powerpoint/2010/main" val="925718305"/>
+        <p14:creationId xmlns:p14="http://schemas.microsoft.com/office/powerpoint/2010/main" val="2489557925"/>
       </p:ext>
     </p:extLst>
   </p:cSld>
